--- a/arsikom/Sejarah dan Perkembangan AMD.pptx
+++ b/arsikom/Sejarah dan Perkembangan AMD.pptx
@@ -5,7 +5,7 @@
     <p:sldMasterId id="2147483660" r:id="rId4"/>
   </p:sldMasterIdLst>
   <p:notesMasterIdLst>
-    <p:notesMasterId r:id="rId11"/>
+    <p:notesMasterId r:id="rId12"/>
   </p:notesMasterIdLst>
   <p:sldIdLst>
     <p:sldId id="264" r:id="rId5"/>
@@ -14,6 +14,7 @@
     <p:sldId id="315" r:id="rId8"/>
     <p:sldId id="316" r:id="rId9"/>
     <p:sldId id="317" r:id="rId10"/>
+    <p:sldId id="318" r:id="rId11"/>
   </p:sldIdLst>
   <p:sldSz cx="12192000" cy="6858000"/>
   <p:notesSz cx="6858000" cy="9144000"/>
@@ -3805,6 +3806,927 @@
 </file>
 
 <file path=ppt/diagrams/colors5.xml><?xml version="1.0" encoding="utf-8"?>
+<dgm:colorsDef xmlns:dgm="http://schemas.openxmlformats.org/drawingml/2006/diagram" xmlns:a="http://schemas.openxmlformats.org/drawingml/2006/main" uniqueId="urn:microsoft.com/office/officeart/2018/5/colors/Iconchunking_neutralicon_colorful1">
+  <dgm:title val=""/>
+  <dgm:desc val=""/>
+  <dgm:catLst>
+    <dgm:cat type="colorful" pri="10100"/>
+  </dgm:catLst>
+  <dgm:styleLbl name="node0">
+    <dgm:fillClrLst meth="repeat">
+      <a:schemeClr val="accent1"/>
+    </dgm:fillClrLst>
+    <dgm:linClrLst meth="repeat">
+      <a:schemeClr val="lt1"/>
+    </dgm:linClrLst>
+    <dgm:effectClrLst/>
+    <dgm:txLinClrLst/>
+    <dgm:txFillClrLst/>
+    <dgm:txEffectClrLst/>
+  </dgm:styleLbl>
+  <dgm:styleLbl name="node1">
+    <dgm:fillClrLst meth="repeat">
+      <a:schemeClr val="bg1"/>
+    </dgm:fillClrLst>
+    <dgm:linClrLst meth="repeat">
+      <a:schemeClr val="lt1">
+        <a:alpha val="0"/>
+      </a:schemeClr>
+    </dgm:linClrLst>
+    <dgm:effectClrLst/>
+    <dgm:txLinClrLst/>
+    <dgm:txFillClrLst meth="repeat">
+      <a:schemeClr val="dk1"/>
+    </dgm:txFillClrLst>
+    <dgm:txEffectClrLst/>
+  </dgm:styleLbl>
+  <dgm:styleLbl name="alignNode1">
+    <dgm:fillClrLst meth="repeat">
+      <a:schemeClr val="accent2"/>
+      <a:schemeClr val="accent3"/>
+      <a:schemeClr val="accent4"/>
+      <a:schemeClr val="accent5"/>
+      <a:schemeClr val="accent6"/>
+    </dgm:fillClrLst>
+    <dgm:linClrLst meth="repeat">
+      <a:schemeClr val="accent2"/>
+      <a:schemeClr val="accent3"/>
+      <a:schemeClr val="accent4"/>
+      <a:schemeClr val="accent5"/>
+      <a:schemeClr val="accent6"/>
+    </dgm:linClrLst>
+    <dgm:effectClrLst/>
+    <dgm:txLinClrLst/>
+    <dgm:txFillClrLst/>
+    <dgm:txEffectClrLst/>
+  </dgm:styleLbl>
+  <dgm:styleLbl name="lnNode1">
+    <dgm:fillClrLst meth="repeat">
+      <a:schemeClr val="accent2"/>
+      <a:schemeClr val="accent3"/>
+      <a:schemeClr val="accent4"/>
+      <a:schemeClr val="accent5"/>
+      <a:schemeClr val="accent6"/>
+    </dgm:fillClrLst>
+    <dgm:linClrLst meth="repeat">
+      <a:schemeClr val="lt1"/>
+    </dgm:linClrLst>
+    <dgm:effectClrLst/>
+    <dgm:txLinClrLst/>
+    <dgm:txFillClrLst/>
+    <dgm:txEffectClrLst/>
+  </dgm:styleLbl>
+  <dgm:styleLbl name="vennNode1">
+    <dgm:fillClrLst meth="repeat">
+      <a:schemeClr val="accent2">
+        <a:alpha val="50000"/>
+      </a:schemeClr>
+      <a:schemeClr val="accent3">
+        <a:alpha val="50000"/>
+      </a:schemeClr>
+      <a:schemeClr val="accent4">
+        <a:alpha val="50000"/>
+      </a:schemeClr>
+      <a:schemeClr val="accent5">
+        <a:alpha val="50000"/>
+      </a:schemeClr>
+      <a:schemeClr val="accent6">
+        <a:alpha val="50000"/>
+      </a:schemeClr>
+    </dgm:fillClrLst>
+    <dgm:linClrLst meth="repeat">
+      <a:schemeClr val="lt1"/>
+    </dgm:linClrLst>
+    <dgm:effectClrLst/>
+    <dgm:txLinClrLst/>
+    <dgm:txFillClrLst/>
+    <dgm:txEffectClrLst/>
+  </dgm:styleLbl>
+  <dgm:styleLbl name="node2">
+    <dgm:fillClrLst>
+      <a:schemeClr val="accent2"/>
+    </dgm:fillClrLst>
+    <dgm:linClrLst meth="repeat">
+      <a:schemeClr val="lt1"/>
+    </dgm:linClrLst>
+    <dgm:effectClrLst/>
+    <dgm:txLinClrLst/>
+    <dgm:txFillClrLst/>
+    <dgm:txEffectClrLst/>
+  </dgm:styleLbl>
+  <dgm:styleLbl name="node3">
+    <dgm:fillClrLst>
+      <a:schemeClr val="accent3"/>
+    </dgm:fillClrLst>
+    <dgm:linClrLst meth="repeat">
+      <a:schemeClr val="lt1"/>
+    </dgm:linClrLst>
+    <dgm:effectClrLst/>
+    <dgm:txLinClrLst/>
+    <dgm:txFillClrLst/>
+    <dgm:txEffectClrLst/>
+  </dgm:styleLbl>
+  <dgm:styleLbl name="node4">
+    <dgm:fillClrLst>
+      <a:schemeClr val="accent4"/>
+    </dgm:fillClrLst>
+    <dgm:linClrLst meth="repeat">
+      <a:schemeClr val="lt1"/>
+    </dgm:linClrLst>
+    <dgm:effectClrLst/>
+    <dgm:txLinClrLst/>
+    <dgm:txFillClrLst/>
+    <dgm:txEffectClrLst/>
+  </dgm:styleLbl>
+  <dgm:styleLbl name="fgImgPlace1">
+    <dgm:fillClrLst meth="repeat">
+      <a:schemeClr val="accent2">
+        <a:tint val="50000"/>
+      </a:schemeClr>
+      <a:schemeClr val="accent3">
+        <a:tint val="50000"/>
+      </a:schemeClr>
+      <a:schemeClr val="accent4">
+        <a:tint val="50000"/>
+      </a:schemeClr>
+      <a:schemeClr val="accent5">
+        <a:tint val="50000"/>
+      </a:schemeClr>
+      <a:schemeClr val="accent6">
+        <a:tint val="50000"/>
+      </a:schemeClr>
+    </dgm:fillClrLst>
+    <dgm:linClrLst meth="repeat">
+      <a:schemeClr val="lt1"/>
+    </dgm:linClrLst>
+    <dgm:effectClrLst/>
+    <dgm:txLinClrLst/>
+    <dgm:txFillClrLst meth="repeat">
+      <a:schemeClr val="lt1"/>
+    </dgm:txFillClrLst>
+    <dgm:txEffectClrLst/>
+  </dgm:styleLbl>
+  <dgm:styleLbl name="alignImgPlace1">
+    <dgm:fillClrLst>
+      <a:schemeClr val="accent1">
+        <a:tint val="50000"/>
+      </a:schemeClr>
+      <a:schemeClr val="accent2">
+        <a:tint val="20000"/>
+      </a:schemeClr>
+    </dgm:fillClrLst>
+    <dgm:linClrLst meth="repeat">
+      <a:schemeClr val="lt1"/>
+    </dgm:linClrLst>
+    <dgm:effectClrLst/>
+    <dgm:txLinClrLst/>
+    <dgm:txFillClrLst meth="repeat">
+      <a:schemeClr val="lt1"/>
+    </dgm:txFillClrLst>
+    <dgm:txEffectClrLst/>
+  </dgm:styleLbl>
+  <dgm:styleLbl name="bgImgPlace1">
+    <dgm:fillClrLst>
+      <a:schemeClr val="accent1">
+        <a:tint val="50000"/>
+      </a:schemeClr>
+      <a:schemeClr val="accent2">
+        <a:tint val="20000"/>
+      </a:schemeClr>
+    </dgm:fillClrLst>
+    <dgm:linClrLst meth="repeat">
+      <a:schemeClr val="lt1"/>
+    </dgm:linClrLst>
+    <dgm:effectClrLst/>
+    <dgm:txLinClrLst/>
+    <dgm:txFillClrLst meth="repeat">
+      <a:schemeClr val="lt1"/>
+    </dgm:txFillClrLst>
+    <dgm:txEffectClrLst/>
+  </dgm:styleLbl>
+  <dgm:styleLbl name="sibTrans2D1">
+    <dgm:fillClrLst meth="repeat">
+      <a:schemeClr val="accent2"/>
+      <a:schemeClr val="accent3"/>
+      <a:schemeClr val="accent4"/>
+      <a:schemeClr val="accent5"/>
+      <a:schemeClr val="accent6"/>
+    </dgm:fillClrLst>
+    <dgm:linClrLst meth="cycle">
+      <a:schemeClr val="lt1"/>
+    </dgm:linClrLst>
+    <dgm:effectClrLst/>
+    <dgm:txLinClrLst/>
+    <dgm:txFillClrLst/>
+    <dgm:txEffectClrLst/>
+  </dgm:styleLbl>
+  <dgm:styleLbl name="fgSibTrans2D1">
+    <dgm:fillClrLst meth="repeat">
+      <a:schemeClr val="accent2"/>
+      <a:schemeClr val="accent3"/>
+      <a:schemeClr val="accent4"/>
+      <a:schemeClr val="accent5"/>
+      <a:schemeClr val="accent6"/>
+    </dgm:fillClrLst>
+    <dgm:linClrLst meth="cycle">
+      <a:schemeClr val="lt1"/>
+    </dgm:linClrLst>
+    <dgm:effectClrLst/>
+    <dgm:txLinClrLst/>
+    <dgm:txFillClrLst meth="repeat">
+      <a:schemeClr val="lt1"/>
+    </dgm:txFillClrLst>
+    <dgm:txEffectClrLst/>
+  </dgm:styleLbl>
+  <dgm:styleLbl name="bgSibTrans2D1">
+    <dgm:fillClrLst meth="repeat">
+      <a:schemeClr val="accent2"/>
+      <a:schemeClr val="accent3"/>
+      <a:schemeClr val="accent4"/>
+      <a:schemeClr val="accent5"/>
+      <a:schemeClr val="accent6"/>
+    </dgm:fillClrLst>
+    <dgm:linClrLst meth="cycle">
+      <a:schemeClr val="lt1"/>
+    </dgm:linClrLst>
+    <dgm:effectClrLst/>
+    <dgm:txLinClrLst/>
+    <dgm:txFillClrLst meth="repeat">
+      <a:schemeClr val="lt1"/>
+    </dgm:txFillClrLst>
+    <dgm:txEffectClrLst/>
+  </dgm:styleLbl>
+  <dgm:styleLbl name="sibTrans1D1">
+    <dgm:fillClrLst meth="repeat">
+      <a:schemeClr val="accent2"/>
+      <a:schemeClr val="accent3"/>
+      <a:schemeClr val="accent4"/>
+      <a:schemeClr val="accent5"/>
+      <a:schemeClr val="accent6"/>
+    </dgm:fillClrLst>
+    <dgm:linClrLst meth="repeat">
+      <a:schemeClr val="accent2"/>
+      <a:schemeClr val="accent3"/>
+      <a:schemeClr val="accent4"/>
+      <a:schemeClr val="accent5"/>
+      <a:schemeClr val="accent6"/>
+    </dgm:linClrLst>
+    <dgm:effectClrLst/>
+    <dgm:txLinClrLst/>
+    <dgm:txFillClrLst meth="repeat">
+      <a:schemeClr val="tx1"/>
+    </dgm:txFillClrLst>
+    <dgm:txEffectClrLst/>
+  </dgm:styleLbl>
+  <dgm:styleLbl name="callout">
+    <dgm:fillClrLst meth="repeat">
+      <a:schemeClr val="accent2"/>
+    </dgm:fillClrLst>
+    <dgm:linClrLst meth="repeat">
+      <a:schemeClr val="accent2">
+        <a:tint val="50000"/>
+      </a:schemeClr>
+    </dgm:linClrLst>
+    <dgm:effectClrLst/>
+    <dgm:txLinClrLst/>
+    <dgm:txFillClrLst meth="repeat">
+      <a:schemeClr val="tx1"/>
+    </dgm:txFillClrLst>
+    <dgm:txEffectClrLst/>
+  </dgm:styleLbl>
+  <dgm:styleLbl name="asst0">
+    <dgm:fillClrLst meth="repeat">
+      <a:schemeClr val="accent1"/>
+    </dgm:fillClrLst>
+    <dgm:linClrLst meth="repeat">
+      <a:schemeClr val="lt1"/>
+    </dgm:linClrLst>
+    <dgm:effectClrLst/>
+    <dgm:txLinClrLst/>
+    <dgm:txFillClrLst/>
+    <dgm:txEffectClrLst/>
+  </dgm:styleLbl>
+  <dgm:styleLbl name="asst1">
+    <dgm:fillClrLst meth="repeat">
+      <a:schemeClr val="accent2"/>
+    </dgm:fillClrLst>
+    <dgm:linClrLst meth="repeat">
+      <a:schemeClr val="lt1"/>
+    </dgm:linClrLst>
+    <dgm:effectClrLst/>
+    <dgm:txLinClrLst/>
+    <dgm:txFillClrLst/>
+    <dgm:txEffectClrLst/>
+  </dgm:styleLbl>
+  <dgm:styleLbl name="asst2">
+    <dgm:fillClrLst>
+      <a:schemeClr val="accent3"/>
+    </dgm:fillClrLst>
+    <dgm:linClrLst meth="repeat">
+      <a:schemeClr val="lt1"/>
+    </dgm:linClrLst>
+    <dgm:effectClrLst/>
+    <dgm:txLinClrLst/>
+    <dgm:txFillClrLst/>
+    <dgm:txEffectClrLst/>
+  </dgm:styleLbl>
+  <dgm:styleLbl name="asst3">
+    <dgm:fillClrLst>
+      <a:schemeClr val="accent4"/>
+    </dgm:fillClrLst>
+    <dgm:linClrLst meth="repeat">
+      <a:schemeClr val="lt1"/>
+    </dgm:linClrLst>
+    <dgm:effectClrLst/>
+    <dgm:txLinClrLst/>
+    <dgm:txFillClrLst/>
+    <dgm:txEffectClrLst/>
+  </dgm:styleLbl>
+  <dgm:styleLbl name="asst4">
+    <dgm:fillClrLst>
+      <a:schemeClr val="accent5"/>
+    </dgm:fillClrLst>
+    <dgm:linClrLst meth="repeat">
+      <a:schemeClr val="lt1"/>
+    </dgm:linClrLst>
+    <dgm:effectClrLst/>
+    <dgm:txLinClrLst/>
+    <dgm:txFillClrLst/>
+    <dgm:txEffectClrLst/>
+  </dgm:styleLbl>
+  <dgm:styleLbl name="parChTrans2D1">
+    <dgm:fillClrLst meth="repeat">
+      <a:schemeClr val="accent2"/>
+    </dgm:fillClrLst>
+    <dgm:linClrLst meth="repeat">
+      <a:schemeClr val="lt1"/>
+    </dgm:linClrLst>
+    <dgm:effectClrLst/>
+    <dgm:txLinClrLst/>
+    <dgm:txFillClrLst meth="repeat">
+      <a:schemeClr val="lt1"/>
+    </dgm:txFillClrLst>
+    <dgm:txEffectClrLst/>
+  </dgm:styleLbl>
+  <dgm:styleLbl name="parChTrans2D2">
+    <dgm:fillClrLst meth="repeat">
+      <a:schemeClr val="accent3"/>
+    </dgm:fillClrLst>
+    <dgm:linClrLst meth="repeat">
+      <a:schemeClr val="lt1"/>
+    </dgm:linClrLst>
+    <dgm:effectClrLst/>
+    <dgm:txLinClrLst/>
+    <dgm:txFillClrLst/>
+    <dgm:txEffectClrLst/>
+  </dgm:styleLbl>
+  <dgm:styleLbl name="parChTrans2D3">
+    <dgm:fillClrLst meth="repeat">
+      <a:schemeClr val="accent4"/>
+    </dgm:fillClrLst>
+    <dgm:linClrLst meth="repeat">
+      <a:schemeClr val="lt1"/>
+    </dgm:linClrLst>
+    <dgm:effectClrLst/>
+    <dgm:txLinClrLst/>
+    <dgm:txFillClrLst/>
+    <dgm:txEffectClrLst/>
+  </dgm:styleLbl>
+  <dgm:styleLbl name="parChTrans2D4">
+    <dgm:fillClrLst meth="repeat">
+      <a:schemeClr val="accent5"/>
+    </dgm:fillClrLst>
+    <dgm:linClrLst meth="repeat">
+      <a:schemeClr val="lt1"/>
+    </dgm:linClrLst>
+    <dgm:effectClrLst/>
+    <dgm:txLinClrLst/>
+    <dgm:txFillClrLst meth="repeat">
+      <a:schemeClr val="lt1"/>
+    </dgm:txFillClrLst>
+    <dgm:txEffectClrLst/>
+  </dgm:styleLbl>
+  <dgm:styleLbl name="parChTrans1D1">
+    <dgm:fillClrLst meth="repeat">
+      <a:schemeClr val="accent2"/>
+    </dgm:fillClrLst>
+    <dgm:linClrLst meth="repeat">
+      <a:schemeClr val="accent1"/>
+    </dgm:linClrLst>
+    <dgm:effectClrLst/>
+    <dgm:txLinClrLst/>
+    <dgm:txFillClrLst meth="repeat">
+      <a:schemeClr val="tx1"/>
+    </dgm:txFillClrLst>
+    <dgm:txEffectClrLst/>
+  </dgm:styleLbl>
+  <dgm:styleLbl name="parChTrans1D2">
+    <dgm:fillClrLst meth="repeat">
+      <a:schemeClr val="accent3">
+        <a:tint val="90000"/>
+      </a:schemeClr>
+    </dgm:fillClrLst>
+    <dgm:linClrLst meth="repeat">
+      <a:schemeClr val="accent2"/>
+    </dgm:linClrLst>
+    <dgm:effectClrLst/>
+    <dgm:txLinClrLst/>
+    <dgm:txFillClrLst meth="repeat">
+      <a:schemeClr val="tx1"/>
+    </dgm:txFillClrLst>
+    <dgm:txEffectClrLst/>
+  </dgm:styleLbl>
+  <dgm:styleLbl name="parChTrans1D3">
+    <dgm:fillClrLst meth="repeat">
+      <a:schemeClr val="accent4">
+        <a:tint val="70000"/>
+      </a:schemeClr>
+    </dgm:fillClrLst>
+    <dgm:linClrLst meth="repeat">
+      <a:schemeClr val="accent3"/>
+    </dgm:linClrLst>
+    <dgm:effectClrLst/>
+    <dgm:txLinClrLst/>
+    <dgm:txFillClrLst meth="repeat">
+      <a:schemeClr val="tx1"/>
+    </dgm:txFillClrLst>
+    <dgm:txEffectClrLst/>
+  </dgm:styleLbl>
+  <dgm:styleLbl name="parChTrans1D4">
+    <dgm:fillClrLst meth="repeat">
+      <a:schemeClr val="accent5">
+        <a:tint val="50000"/>
+      </a:schemeClr>
+    </dgm:fillClrLst>
+    <dgm:linClrLst meth="repeat">
+      <a:schemeClr val="accent4"/>
+    </dgm:linClrLst>
+    <dgm:effectClrLst/>
+    <dgm:txLinClrLst/>
+    <dgm:txFillClrLst meth="repeat">
+      <a:schemeClr val="tx1"/>
+    </dgm:txFillClrLst>
+    <dgm:txEffectClrLst/>
+  </dgm:styleLbl>
+  <dgm:styleLbl name="fgAcc1">
+    <dgm:fillClrLst meth="repeat">
+      <a:schemeClr val="lt1">
+        <a:alpha val="90000"/>
+      </a:schemeClr>
+    </dgm:fillClrLst>
+    <dgm:linClrLst meth="repeat">
+      <a:schemeClr val="accent2"/>
+      <a:schemeClr val="accent3"/>
+      <a:schemeClr val="accent4"/>
+      <a:schemeClr val="accent5"/>
+      <a:schemeClr val="accent6"/>
+    </dgm:linClrLst>
+    <dgm:effectClrLst/>
+    <dgm:txLinClrLst/>
+    <dgm:txFillClrLst meth="repeat">
+      <a:schemeClr val="dk1"/>
+    </dgm:txFillClrLst>
+    <dgm:txEffectClrLst/>
+  </dgm:styleLbl>
+  <dgm:styleLbl name="conFgAcc1">
+    <dgm:fillClrLst meth="repeat">
+      <a:schemeClr val="lt1">
+        <a:alpha val="90000"/>
+      </a:schemeClr>
+    </dgm:fillClrLst>
+    <dgm:linClrLst meth="repeat">
+      <a:schemeClr val="accent2"/>
+      <a:schemeClr val="accent3"/>
+      <a:schemeClr val="accent4"/>
+      <a:schemeClr val="accent5"/>
+      <a:schemeClr val="accent6"/>
+    </dgm:linClrLst>
+    <dgm:effectClrLst/>
+    <dgm:txLinClrLst/>
+    <dgm:txFillClrLst meth="repeat">
+      <a:schemeClr val="dk1"/>
+    </dgm:txFillClrLst>
+    <dgm:txEffectClrLst/>
+  </dgm:styleLbl>
+  <dgm:styleLbl name="alignAcc1">
+    <dgm:fillClrLst meth="repeat">
+      <a:schemeClr val="lt1">
+        <a:alpha val="90000"/>
+      </a:schemeClr>
+    </dgm:fillClrLst>
+    <dgm:linClrLst meth="repeat">
+      <a:schemeClr val="accent2"/>
+      <a:schemeClr val="accent3"/>
+      <a:schemeClr val="accent4"/>
+      <a:schemeClr val="accent5"/>
+      <a:schemeClr val="accent6"/>
+    </dgm:linClrLst>
+    <dgm:effectClrLst/>
+    <dgm:txLinClrLst/>
+    <dgm:txFillClrLst meth="repeat">
+      <a:schemeClr val="dk1"/>
+    </dgm:txFillClrLst>
+    <dgm:txEffectClrLst/>
+  </dgm:styleLbl>
+  <dgm:styleLbl name="trAlignAcc1">
+    <dgm:fillClrLst meth="repeat">
+      <a:schemeClr val="lt1">
+        <a:alpha val="40000"/>
+      </a:schemeClr>
+    </dgm:fillClrLst>
+    <dgm:linClrLst meth="repeat">
+      <a:schemeClr val="accent1"/>
+    </dgm:linClrLst>
+    <dgm:effectClrLst/>
+    <dgm:txLinClrLst/>
+    <dgm:txFillClrLst meth="repeat">
+      <a:schemeClr val="dk1"/>
+    </dgm:txFillClrLst>
+    <dgm:txEffectClrLst/>
+  </dgm:styleLbl>
+  <dgm:styleLbl name="bgAcc1">
+    <dgm:fillClrLst meth="repeat">
+      <a:schemeClr val="lt1">
+        <a:alpha val="90000"/>
+      </a:schemeClr>
+    </dgm:fillClrLst>
+    <dgm:linClrLst meth="repeat">
+      <a:schemeClr val="accent2"/>
+      <a:schemeClr val="accent3"/>
+      <a:schemeClr val="accent4"/>
+      <a:schemeClr val="accent5"/>
+      <a:schemeClr val="accent6"/>
+    </dgm:linClrLst>
+    <dgm:effectClrLst/>
+    <dgm:txLinClrLst/>
+    <dgm:txFillClrLst meth="repeat">
+      <a:schemeClr val="dk1"/>
+    </dgm:txFillClrLst>
+    <dgm:txEffectClrLst/>
+  </dgm:styleLbl>
+  <dgm:styleLbl name="solidFgAcc1">
+    <dgm:fillClrLst meth="repeat">
+      <a:schemeClr val="lt1"/>
+    </dgm:fillClrLst>
+    <dgm:linClrLst meth="repeat">
+      <a:schemeClr val="accent2"/>
+      <a:schemeClr val="accent3"/>
+      <a:schemeClr val="accent4"/>
+      <a:schemeClr val="accent5"/>
+      <a:schemeClr val="accent6"/>
+    </dgm:linClrLst>
+    <dgm:effectClrLst/>
+    <dgm:txLinClrLst/>
+    <dgm:txFillClrLst meth="repeat">
+      <a:schemeClr val="dk1"/>
+    </dgm:txFillClrLst>
+    <dgm:txEffectClrLst/>
+  </dgm:styleLbl>
+  <dgm:styleLbl name="solidAlignAcc1">
+    <dgm:fillClrLst meth="repeat">
+      <a:schemeClr val="lt1"/>
+    </dgm:fillClrLst>
+    <dgm:linClrLst meth="repeat">
+      <a:schemeClr val="accent2"/>
+      <a:schemeClr val="accent3"/>
+      <a:schemeClr val="accent4"/>
+      <a:schemeClr val="accent5"/>
+      <a:schemeClr val="accent6"/>
+    </dgm:linClrLst>
+    <dgm:effectClrLst/>
+    <dgm:txLinClrLst/>
+    <dgm:txFillClrLst meth="repeat">
+      <a:schemeClr val="dk1"/>
+    </dgm:txFillClrLst>
+    <dgm:txEffectClrLst/>
+  </dgm:styleLbl>
+  <dgm:styleLbl name="solidBgAcc1">
+    <dgm:fillClrLst meth="repeat">
+      <a:schemeClr val="lt1"/>
+    </dgm:fillClrLst>
+    <dgm:linClrLst meth="repeat">
+      <a:schemeClr val="accent2"/>
+      <a:schemeClr val="accent3"/>
+      <a:schemeClr val="accent4"/>
+      <a:schemeClr val="accent5"/>
+      <a:schemeClr val="accent6"/>
+    </dgm:linClrLst>
+    <dgm:effectClrLst/>
+    <dgm:txLinClrLst/>
+    <dgm:txFillClrLst meth="repeat">
+      <a:schemeClr val="dk1"/>
+    </dgm:txFillClrLst>
+    <dgm:txEffectClrLst/>
+  </dgm:styleLbl>
+  <dgm:styleLbl name="fgAccFollowNode1">
+    <dgm:fillClrLst meth="repeat">
+      <a:schemeClr val="accent2">
+        <a:tint val="40000"/>
+        <a:alpha val="90000"/>
+      </a:schemeClr>
+      <a:schemeClr val="accent3">
+        <a:tint val="40000"/>
+        <a:alpha val="90000"/>
+      </a:schemeClr>
+      <a:schemeClr val="accent4">
+        <a:tint val="40000"/>
+        <a:alpha val="90000"/>
+      </a:schemeClr>
+      <a:schemeClr val="accent5">
+        <a:tint val="40000"/>
+        <a:alpha val="90000"/>
+      </a:schemeClr>
+      <a:schemeClr val="accent6">
+        <a:tint val="40000"/>
+        <a:alpha val="90000"/>
+      </a:schemeClr>
+    </dgm:fillClrLst>
+    <dgm:linClrLst meth="repeat">
+      <a:schemeClr val="accent2">
+        <a:tint val="40000"/>
+        <a:alpha val="90000"/>
+      </a:schemeClr>
+      <a:schemeClr val="accent3">
+        <a:tint val="40000"/>
+        <a:alpha val="90000"/>
+      </a:schemeClr>
+      <a:schemeClr val="accent4">
+        <a:tint val="40000"/>
+        <a:alpha val="90000"/>
+      </a:schemeClr>
+      <a:schemeClr val="accent5">
+        <a:tint val="40000"/>
+        <a:alpha val="90000"/>
+      </a:schemeClr>
+      <a:schemeClr val="accent6">
+        <a:tint val="40000"/>
+        <a:alpha val="90000"/>
+      </a:schemeClr>
+    </dgm:linClrLst>
+    <dgm:effectClrLst/>
+    <dgm:txLinClrLst/>
+    <dgm:txFillClrLst meth="repeat">
+      <a:schemeClr val="dk1"/>
+    </dgm:txFillClrLst>
+    <dgm:txEffectClrLst/>
+  </dgm:styleLbl>
+  <dgm:styleLbl name="alignAccFollowNode1">
+    <dgm:fillClrLst meth="repeat">
+      <a:schemeClr val="accent2">
+        <a:tint val="40000"/>
+        <a:alpha val="90000"/>
+      </a:schemeClr>
+      <a:schemeClr val="accent3">
+        <a:tint val="40000"/>
+        <a:alpha val="90000"/>
+      </a:schemeClr>
+      <a:schemeClr val="accent4">
+        <a:tint val="40000"/>
+        <a:alpha val="90000"/>
+      </a:schemeClr>
+      <a:schemeClr val="accent5">
+        <a:tint val="40000"/>
+        <a:alpha val="90000"/>
+      </a:schemeClr>
+      <a:schemeClr val="accent6">
+        <a:tint val="40000"/>
+        <a:alpha val="90000"/>
+      </a:schemeClr>
+    </dgm:fillClrLst>
+    <dgm:linClrLst meth="repeat">
+      <a:schemeClr val="accent2">
+        <a:tint val="40000"/>
+        <a:alpha val="90000"/>
+      </a:schemeClr>
+      <a:schemeClr val="accent3">
+        <a:tint val="40000"/>
+        <a:alpha val="90000"/>
+      </a:schemeClr>
+      <a:schemeClr val="accent4">
+        <a:tint val="40000"/>
+        <a:alpha val="90000"/>
+      </a:schemeClr>
+      <a:schemeClr val="accent5">
+        <a:tint val="40000"/>
+        <a:alpha val="90000"/>
+      </a:schemeClr>
+      <a:schemeClr val="accent6">
+        <a:tint val="40000"/>
+        <a:alpha val="90000"/>
+      </a:schemeClr>
+    </dgm:linClrLst>
+    <dgm:effectClrLst/>
+    <dgm:txLinClrLst/>
+    <dgm:txFillClrLst meth="repeat">
+      <a:schemeClr val="dk1"/>
+    </dgm:txFillClrLst>
+    <dgm:txEffectClrLst/>
+  </dgm:styleLbl>
+  <dgm:styleLbl name="bgAccFollowNode1">
+    <dgm:fillClrLst meth="repeat">
+      <a:schemeClr val="accent2">
+        <a:tint val="40000"/>
+        <a:alpha val="90000"/>
+      </a:schemeClr>
+      <a:schemeClr val="accent3">
+        <a:tint val="40000"/>
+        <a:alpha val="90000"/>
+      </a:schemeClr>
+      <a:schemeClr val="accent4">
+        <a:tint val="40000"/>
+        <a:alpha val="90000"/>
+      </a:schemeClr>
+      <a:schemeClr val="accent5">
+        <a:tint val="40000"/>
+        <a:alpha val="90000"/>
+      </a:schemeClr>
+      <a:schemeClr val="accent6">
+        <a:tint val="40000"/>
+        <a:alpha val="90000"/>
+      </a:schemeClr>
+    </dgm:fillClrLst>
+    <dgm:linClrLst meth="repeat">
+      <a:schemeClr val="accent2">
+        <a:tint val="40000"/>
+        <a:alpha val="90000"/>
+      </a:schemeClr>
+      <a:schemeClr val="accent3">
+        <a:tint val="40000"/>
+        <a:alpha val="90000"/>
+      </a:schemeClr>
+      <a:schemeClr val="accent4">
+        <a:tint val="40000"/>
+        <a:alpha val="90000"/>
+      </a:schemeClr>
+      <a:schemeClr val="accent5">
+        <a:tint val="40000"/>
+        <a:alpha val="90000"/>
+      </a:schemeClr>
+      <a:schemeClr val="accent6">
+        <a:tint val="40000"/>
+        <a:alpha val="90000"/>
+      </a:schemeClr>
+    </dgm:linClrLst>
+    <dgm:effectClrLst/>
+    <dgm:txLinClrLst/>
+    <dgm:txFillClrLst meth="repeat">
+      <a:schemeClr val="dk1"/>
+    </dgm:txFillClrLst>
+    <dgm:txEffectClrLst/>
+  </dgm:styleLbl>
+  <dgm:styleLbl name="fgAcc0">
+    <dgm:fillClrLst meth="repeat">
+      <a:schemeClr val="lt1">
+        <a:alpha val="90000"/>
+      </a:schemeClr>
+    </dgm:fillClrLst>
+    <dgm:linClrLst>
+      <a:schemeClr val="accent1"/>
+    </dgm:linClrLst>
+    <dgm:effectClrLst/>
+    <dgm:txLinClrLst/>
+    <dgm:txFillClrLst meth="repeat">
+      <a:schemeClr val="dk1"/>
+    </dgm:txFillClrLst>
+    <dgm:txEffectClrLst/>
+  </dgm:styleLbl>
+  <dgm:styleLbl name="fgAcc2">
+    <dgm:fillClrLst meth="repeat">
+      <a:schemeClr val="lt1">
+        <a:alpha val="90000"/>
+      </a:schemeClr>
+    </dgm:fillClrLst>
+    <dgm:linClrLst>
+      <a:schemeClr val="accent2"/>
+    </dgm:linClrLst>
+    <dgm:effectClrLst/>
+    <dgm:txLinClrLst/>
+    <dgm:txFillClrLst meth="repeat">
+      <a:schemeClr val="dk1"/>
+    </dgm:txFillClrLst>
+    <dgm:txEffectClrLst/>
+  </dgm:styleLbl>
+  <dgm:styleLbl name="fgAcc3">
+    <dgm:fillClrLst meth="repeat">
+      <a:schemeClr val="lt1">
+        <a:alpha val="90000"/>
+      </a:schemeClr>
+    </dgm:fillClrLst>
+    <dgm:linClrLst>
+      <a:schemeClr val="accent3"/>
+    </dgm:linClrLst>
+    <dgm:effectClrLst/>
+    <dgm:txLinClrLst/>
+    <dgm:txFillClrLst meth="repeat">
+      <a:schemeClr val="dk1"/>
+    </dgm:txFillClrLst>
+    <dgm:txEffectClrLst/>
+  </dgm:styleLbl>
+  <dgm:styleLbl name="fgAcc4">
+    <dgm:fillClrLst meth="repeat">
+      <a:schemeClr val="lt1">
+        <a:alpha val="90000"/>
+      </a:schemeClr>
+    </dgm:fillClrLst>
+    <dgm:linClrLst>
+      <a:schemeClr val="accent4"/>
+    </dgm:linClrLst>
+    <dgm:effectClrLst/>
+    <dgm:txLinClrLst/>
+    <dgm:txFillClrLst meth="repeat">
+      <a:schemeClr val="dk1"/>
+    </dgm:txFillClrLst>
+    <dgm:txEffectClrLst/>
+  </dgm:styleLbl>
+  <dgm:styleLbl name="bgShp">
+    <dgm:fillClrLst meth="repeat">
+      <a:schemeClr val="accent2"/>
+      <a:schemeClr val="accent3"/>
+      <a:schemeClr val="accent4"/>
+      <a:schemeClr val="accent5"/>
+      <a:schemeClr val="accent6"/>
+    </dgm:fillClrLst>
+    <dgm:linClrLst meth="repeat">
+      <a:schemeClr val="lt1">
+        <a:alpha val="0"/>
+      </a:schemeClr>
+    </dgm:linClrLst>
+    <dgm:effectClrLst/>
+    <dgm:txLinClrLst/>
+    <dgm:txFillClrLst/>
+    <dgm:txEffectClrLst/>
+  </dgm:styleLbl>
+  <dgm:styleLbl name="dkBgShp">
+    <dgm:fillClrLst meth="repeat">
+      <a:schemeClr val="accent2">
+        <a:shade val="90000"/>
+      </a:schemeClr>
+    </dgm:fillClrLst>
+    <dgm:linClrLst meth="repeat">
+      <a:schemeClr val="dk1"/>
+    </dgm:linClrLst>
+    <dgm:effectClrLst/>
+    <dgm:txLinClrLst/>
+    <dgm:txFillClrLst meth="repeat">
+      <a:schemeClr val="lt1"/>
+    </dgm:txFillClrLst>
+    <dgm:txEffectClrLst/>
+  </dgm:styleLbl>
+  <dgm:styleLbl name="trBgShp">
+    <dgm:fillClrLst meth="repeat">
+      <a:schemeClr val="accent1">
+        <a:tint val="50000"/>
+        <a:alpha val="40000"/>
+      </a:schemeClr>
+    </dgm:fillClrLst>
+    <dgm:linClrLst meth="repeat">
+      <a:schemeClr val="accent2"/>
+    </dgm:linClrLst>
+    <dgm:effectClrLst/>
+    <dgm:txLinClrLst/>
+    <dgm:txFillClrLst meth="repeat">
+      <a:schemeClr val="lt1"/>
+    </dgm:txFillClrLst>
+    <dgm:txEffectClrLst/>
+  </dgm:styleLbl>
+  <dgm:styleLbl name="fgShp">
+    <dgm:fillClrLst meth="repeat">
+      <a:schemeClr val="accent2">
+        <a:tint val="40000"/>
+      </a:schemeClr>
+    </dgm:fillClrLst>
+    <dgm:linClrLst meth="repeat">
+      <a:schemeClr val="lt1"/>
+    </dgm:linClrLst>
+    <dgm:effectClrLst/>
+    <dgm:txLinClrLst/>
+    <dgm:txFillClrLst meth="repeat">
+      <a:schemeClr val="dk1"/>
+    </dgm:txFillClrLst>
+    <dgm:txEffectClrLst/>
+  </dgm:styleLbl>
+  <dgm:styleLbl name="revTx">
+    <dgm:fillClrLst meth="repeat">
+      <a:schemeClr val="lt1">
+        <a:alpha val="0"/>
+      </a:schemeClr>
+    </dgm:fillClrLst>
+    <dgm:linClrLst meth="repeat">
+      <a:schemeClr val="dk1">
+        <a:alpha val="0"/>
+      </a:schemeClr>
+    </dgm:linClrLst>
+    <dgm:effectClrLst/>
+    <dgm:txLinClrLst/>
+    <dgm:txFillClrLst meth="repeat">
+      <a:schemeClr val="tx1"/>
+    </dgm:txFillClrLst>
+    <dgm:txEffectClrLst/>
+  </dgm:styleLbl>
+</dgm:colorsDef>
+</file>
+
+<file path=ppt/diagrams/colors6.xml><?xml version="1.0" encoding="utf-8"?>
 <dgm:colorsDef xmlns:dgm="http://schemas.openxmlformats.org/drawingml/2006/diagram" xmlns:a="http://schemas.openxmlformats.org/drawingml/2006/main" uniqueId="urn:microsoft.com/office/officeart/2018/5/colors/Iconchunking_neutralicon_colorful1">
   <dgm:title val=""/>
   <dgm:desc val=""/>
@@ -5428,7 +6350,7 @@
       </dgm:t>
     </dgm:pt>
     <dgm:pt modelId="{40FC4FFE-8987-4A26-B7F4-8A516F18ADAE}">
-      <dgm:prSet/>
+      <dgm:prSet custT="1"/>
       <dgm:spPr/>
       <dgm:t>
         <a:bodyPr/>
@@ -5441,7 +6363,7 @@
             <a:defRPr cap="all"/>
           </a:pPr>
           <a:r>
-            <a:rPr lang="id-ID" dirty="0"/>
+            <a:rPr lang="id-ID" sz="1000" dirty="0"/>
             <a:t>AMD Athlon</a:t>
           </a:r>
         </a:p>
@@ -5453,10 +6375,10 @@
             <a:defRPr cap="all"/>
           </a:pPr>
           <a:r>
-            <a:rPr lang="id-ID" dirty="0"/>
+            <a:rPr lang="id-ID" sz="1000" dirty="0"/>
             <a:t>Muncul sebagai pengganti amd k6, procie ini sedikit demi sedikit menggeser intel dari leader market. Dengan chipset amd 750 mp dan amd 760 mpx amd berhasil menciptakan procie yang dapat bersaing dengan intel </a:t>
           </a:r>
-          <a:endParaRPr lang="en-US" dirty="0"/>
+          <a:endParaRPr lang="en-US" sz="1000" dirty="0"/>
         </a:p>
       </dgm:t>
     </dgm:pt>
@@ -5538,7 +6460,7 @@
       </dgm:t>
     </dgm:pt>
     <dgm:pt modelId="{1C383F32-22E8-4F62-A3E0-BDC3D5F48992}">
-      <dgm:prSet/>
+      <dgm:prSet custT="1"/>
       <dgm:spPr/>
       <dgm:t>
         <a:bodyPr/>
@@ -5551,7 +6473,7 @@
             <a:defRPr cap="all"/>
           </a:pPr>
           <a:r>
-            <a:rPr lang="id-ID" dirty="0"/>
+            <a:rPr lang="id-ID" sz="1000" dirty="0"/>
             <a:t>AMD ATHLON 64 FX</a:t>
           </a:r>
         </a:p>
@@ -5563,7 +6485,7 @@
             <a:defRPr cap="all"/>
           </a:pPr>
           <a:r>
-            <a:rPr lang="id-ID" dirty="0"/>
+            <a:rPr lang="id-ID" sz="1000" dirty="0"/>
             <a:t>PROCIE INI MEMILIKI 3 POINT PENTING </a:t>
           </a:r>
         </a:p>
@@ -5575,7 +6497,7 @@
             <a:defRPr cap="all"/>
           </a:pPr>
           <a:r>
-            <a:rPr lang="id-ID" dirty="0"/>
+            <a:rPr lang="id-ID" sz="1000" dirty="0"/>
             <a:t>1.DAPAT BEKERJA PADA OS 32BIT &amp; 64BIT</a:t>
           </a:r>
         </a:p>
@@ -5587,7 +6509,7 @@
             <a:defRPr cap="all"/>
           </a:pPr>
           <a:r>
-            <a:rPr lang="id-ID" dirty="0"/>
+            <a:rPr lang="id-ID" sz="1000" dirty="0"/>
             <a:t>2.MENAWARKAN ANTIVIRUS YANG SUDAH DIENCHANCE DAN DAPAT BERJALAN PADA WINDOWS XP SERVICE PACK 2 ATAU XP64</a:t>
           </a:r>
         </a:p>
@@ -5599,10 +6521,10 @@
             <a:defRPr cap="all"/>
           </a:pPr>
           <a:r>
-            <a:rPr lang="id-ID" dirty="0"/>
+            <a:rPr lang="id-ID" sz="1000" dirty="0"/>
             <a:t>3.COCOK BAGI PC ANTHUSIASM DAN GAMER</a:t>
           </a:r>
-          <a:endParaRPr lang="en-US" dirty="0"/>
+          <a:endParaRPr lang="en-US" sz="1000" dirty="0"/>
         </a:p>
       </dgm:t>
     </dgm:pt>
@@ -6327,6 +7249,61 @@
         </a:p>
       </dgm:t>
     </dgm:pt>
+    <dgm:pt modelId="{3263952E-74B6-46A1-89ED-774F4F61DC19}">
+      <dgm:prSet/>
+      <dgm:spPr/>
+      <dgm:t>
+        <a:bodyPr/>
+        <a:lstStyle/>
+        <a:p>
+          <a:pPr>
+            <a:lnSpc>
+              <a:spcPct val="100000"/>
+            </a:lnSpc>
+            <a:defRPr cap="all"/>
+          </a:pPr>
+          <a:r>
+            <a:rPr lang="id-ID" dirty="0"/>
+            <a:t>Amd Phenom</a:t>
+          </a:r>
+        </a:p>
+        <a:p>
+          <a:pPr>
+            <a:lnSpc>
+              <a:spcPct val="100000"/>
+            </a:lnSpc>
+            <a:defRPr cap="all"/>
+          </a:pPr>
+          <a:r>
+            <a:rPr lang="id-ID" dirty="0"/>
+            <a:t>Procie ini didesaign untuk dekstop komputer, dengan procie quad-core dan speed 2,2 ghz hingga 3,7ghz rilis pada tahun 2008</a:t>
+          </a:r>
+          <a:endParaRPr lang="en-US" dirty="0"/>
+        </a:p>
+      </dgm:t>
+    </dgm:pt>
+    <dgm:pt modelId="{7DCF2666-63F4-4AE7-8363-1A9B615F865C}" type="parTrans" cxnId="{09CAAEF9-2291-46C7-B7AE-1866B30BAA2C}">
+      <dgm:prSet/>
+      <dgm:spPr/>
+      <dgm:t>
+        <a:bodyPr/>
+        <a:lstStyle/>
+        <a:p>
+          <a:endParaRPr lang="en-US"/>
+        </a:p>
+      </dgm:t>
+    </dgm:pt>
+    <dgm:pt modelId="{BE32F3E7-1A55-47FB-B709-A0DA1A773A6C}" type="sibTrans" cxnId="{09CAAEF9-2291-46C7-B7AE-1866B30BAA2C}">
+      <dgm:prSet/>
+      <dgm:spPr/>
+      <dgm:t>
+        <a:bodyPr/>
+        <a:lstStyle/>
+        <a:p>
+          <a:endParaRPr lang="en-US"/>
+        </a:p>
+      </dgm:t>
+    </dgm:pt>
     <dgm:pt modelId="{B6056BFB-47D7-4C5F-BA11-2CB63C56A52D}" type="pres">
       <dgm:prSet presAssocID="{01A66772-F185-4D58-B8BB-E9370D7A7A2B}" presName="root" presStyleCnt="0">
         <dgm:presLayoutVars>
@@ -6341,21 +7318,27 @@
       <dgm:spPr/>
     </dgm:pt>
     <dgm:pt modelId="{A201D7A7-914C-4D24-8B82-EE40155AB0BE}" type="pres">
-      <dgm:prSet presAssocID="{40FC4FFE-8987-4A26-B7F4-8A516F18ADAE}" presName="iconBgRect" presStyleLbl="bgShp" presStyleIdx="0" presStyleCnt="2"/>
+      <dgm:prSet presAssocID="{40FC4FFE-8987-4A26-B7F4-8A516F18ADAE}" presName="iconBgRect" presStyleLbl="bgShp" presStyleIdx="0" presStyleCnt="3"/>
       <dgm:spPr>
         <a:prstGeom prst="ellipse">
           <a:avLst/>
         </a:prstGeom>
         <a:solidFill>
-          <a:schemeClr val="accent4"/>
+          <a:schemeClr val="bg1"/>
         </a:solidFill>
       </dgm:spPr>
     </dgm:pt>
     <dgm:pt modelId="{8FA2F131-CD01-4CBD-B7A5-1B9B5E7F0402}" type="pres">
-      <dgm:prSet presAssocID="{40FC4FFE-8987-4A26-B7F4-8A516F18ADAE}" presName="iconRect" presStyleLbl="node1" presStyleIdx="0" presStyleCnt="2" custLinFactNeighborX="-7237" custLinFactNeighborY="-2412"/>
+      <dgm:prSet presAssocID="{40FC4FFE-8987-4A26-B7F4-8A516F18ADAE}" presName="iconRect" presStyleLbl="node1" presStyleIdx="0" presStyleCnt="3" custScaleX="91074" custScaleY="99743" custLinFactNeighborX="-38206" custLinFactNeighborY="355"/>
       <dgm:spPr>
         <a:blipFill>
-          <a:blip xmlns:r="http://schemas.openxmlformats.org/officeDocument/2006/relationships" r:embed="rId1"/>
+          <a:blip xmlns:r="http://schemas.openxmlformats.org/officeDocument/2006/relationships" r:embed="rId1">
+            <a:extLst>
+              <a:ext uri="{28A0092B-C50C-407E-A947-70E740481C1C}">
+                <a14:useLocalDpi xmlns:a14="http://schemas.microsoft.com/office/drawing/2010/main" val="0"/>
+              </a:ext>
+            </a:extLst>
+          </a:blip>
           <a:srcRect/>
           <a:stretch>
             <a:fillRect/>
@@ -6371,7 +7354,7 @@
       <dgm:spPr/>
     </dgm:pt>
     <dgm:pt modelId="{08F4E96D-0DB6-4476-8C51-7CC7EC2F227B}" type="pres">
-      <dgm:prSet presAssocID="{40FC4FFE-8987-4A26-B7F4-8A516F18ADAE}" presName="textRect" presStyleLbl="revTx" presStyleIdx="0" presStyleCnt="2">
+      <dgm:prSet presAssocID="{40FC4FFE-8987-4A26-B7F4-8A516F18ADAE}" presName="textRect" presStyleLbl="revTx" presStyleIdx="0" presStyleCnt="3">
         <dgm:presLayoutVars>
           <dgm:chMax val="1"/>
           <dgm:chPref val="1"/>
@@ -6388,21 +7371,390 @@
       <dgm:spPr/>
     </dgm:pt>
     <dgm:pt modelId="{543C18BC-1989-44B2-9862-C670C61D3452}" type="pres">
-      <dgm:prSet presAssocID="{49225C73-1633-42F1-AB3B-7CB183E5F8B8}" presName="iconBgRect" presStyleLbl="bgShp" presStyleIdx="1" presStyleCnt="2"/>
+      <dgm:prSet presAssocID="{49225C73-1633-42F1-AB3B-7CB183E5F8B8}" presName="iconBgRect" presStyleLbl="bgShp" presStyleIdx="1" presStyleCnt="3"/>
       <dgm:spPr>
         <a:prstGeom prst="ellipse">
           <a:avLst/>
         </a:prstGeom>
         <a:solidFill>
-          <a:schemeClr val="accent2"/>
+          <a:schemeClr val="bg2"/>
         </a:solidFill>
       </dgm:spPr>
     </dgm:pt>
     <dgm:pt modelId="{E94F35BC-9C76-400A-BBCA-0032259E2E5A}" type="pres">
-      <dgm:prSet presAssocID="{49225C73-1633-42F1-AB3B-7CB183E5F8B8}" presName="iconRect" presStyleLbl="node1" presStyleIdx="1" presStyleCnt="2"/>
+      <dgm:prSet presAssocID="{49225C73-1633-42F1-AB3B-7CB183E5F8B8}" presName="iconRect" presStyleLbl="node1" presStyleIdx="1" presStyleCnt="3" custScaleX="92840" custScaleY="109005" custLinFactNeighborX="-31355" custLinFactNeighborY="355"/>
+      <dgm:spPr>
+        <a:blipFill rotWithShape="1">
+          <a:blip xmlns:r="http://schemas.openxmlformats.org/officeDocument/2006/relationships" r:embed="rId1">
+            <a:extLst>
+              <a:ext uri="{28A0092B-C50C-407E-A947-70E740481C1C}">
+                <a14:useLocalDpi xmlns:a14="http://schemas.microsoft.com/office/drawing/2010/main" val="0"/>
+              </a:ext>
+            </a:extLst>
+          </a:blip>
+          <a:srcRect/>
+          <a:stretch>
+            <a:fillRect l="-1000" r="-1000"/>
+          </a:stretch>
+        </a:blipFill>
+        <a:ln>
+          <a:noFill/>
+        </a:ln>
+      </dgm:spPr>
+    </dgm:pt>
+    <dgm:pt modelId="{503A6D04-9ADD-43CC-9847-497CD48F2D11}" type="pres">
+      <dgm:prSet presAssocID="{49225C73-1633-42F1-AB3B-7CB183E5F8B8}" presName="spaceRect" presStyleCnt="0"/>
+      <dgm:spPr/>
+    </dgm:pt>
+    <dgm:pt modelId="{20363298-B2A6-463D-A7BE-F9F67404E389}" type="pres">
+      <dgm:prSet presAssocID="{49225C73-1633-42F1-AB3B-7CB183E5F8B8}" presName="textRect" presStyleLbl="revTx" presStyleIdx="1" presStyleCnt="3">
+        <dgm:presLayoutVars>
+          <dgm:chMax val="1"/>
+          <dgm:chPref val="1"/>
+        </dgm:presLayoutVars>
+      </dgm:prSet>
+      <dgm:spPr/>
+    </dgm:pt>
+    <dgm:pt modelId="{575D4A0C-F3D4-46B2-9557-8D7074855114}" type="pres">
+      <dgm:prSet presAssocID="{9646853A-8964-4519-A5B1-0B7D18B2983D}" presName="sibTrans" presStyleCnt="0"/>
+      <dgm:spPr/>
+    </dgm:pt>
+    <dgm:pt modelId="{ECBCA3F2-AF74-4D0F-89CD-7B2C89B9DF5C}" type="pres">
+      <dgm:prSet presAssocID="{3263952E-74B6-46A1-89ED-774F4F61DC19}" presName="compNode" presStyleCnt="0"/>
+      <dgm:spPr/>
+    </dgm:pt>
+    <dgm:pt modelId="{CC89B824-8E5F-45C6-8A47-B0A635BA3D6D}" type="pres">
+      <dgm:prSet presAssocID="{3263952E-74B6-46A1-89ED-774F4F61DC19}" presName="iconBgRect" presStyleLbl="bgShp" presStyleIdx="2" presStyleCnt="3" custFlipVert="1" custFlipHor="1" custScaleX="36044" custScaleY="23452" custLinFactNeighborX="18038" custLinFactNeighborY="1731"/>
+      <dgm:spPr>
+        <a:prstGeom prst="round2DiagRect">
+          <a:avLst>
+            <a:gd name="adj1" fmla="val 29727"/>
+            <a:gd name="adj2" fmla="val 0"/>
+          </a:avLst>
+        </a:prstGeom>
+      </dgm:spPr>
+    </dgm:pt>
+    <dgm:pt modelId="{9CFC4F6B-387A-42F9-9222-4918F19FE7D4}" type="pres">
+      <dgm:prSet presAssocID="{3263952E-74B6-46A1-89ED-774F4F61DC19}" presName="iconRect" presStyleLbl="node1" presStyleIdx="2" presStyleCnt="3" custScaleX="64493" custScaleY="32760" custLinFactNeighborX="-15051" custLinFactNeighborY="369"/>
+      <dgm:spPr/>
+    </dgm:pt>
+    <dgm:pt modelId="{53ACDA5D-FC5A-41D8-AFB5-FDF957B99B4F}" type="pres">
+      <dgm:prSet presAssocID="{3263952E-74B6-46A1-89ED-774F4F61DC19}" presName="spaceRect" presStyleCnt="0"/>
+      <dgm:spPr/>
+    </dgm:pt>
+    <dgm:pt modelId="{E743FA34-A689-4B15-ACC3-751601F987F4}" type="pres">
+      <dgm:prSet presAssocID="{3263952E-74B6-46A1-89ED-774F4F61DC19}" presName="textRect" presStyleLbl="revTx" presStyleIdx="2" presStyleCnt="3">
+        <dgm:presLayoutVars>
+          <dgm:chMax val="1"/>
+          <dgm:chPref val="1"/>
+        </dgm:presLayoutVars>
+      </dgm:prSet>
+      <dgm:spPr/>
+    </dgm:pt>
+  </dgm:ptLst>
+  <dgm:cxnLst>
+    <dgm:cxn modelId="{A9154303-8225-4248-91DC-1B0156A35F07}" srcId="{01A66772-F185-4D58-B8BB-E9370D7A7A2B}" destId="{49225C73-1633-42F1-AB3B-7CB183E5F8B8}" srcOrd="1" destOrd="0" parTransId="{1A0E2090-1D4F-438A-8766-B6030CE01ADD}" sibTransId="{9646853A-8964-4519-A5B1-0B7D18B2983D}"/>
+    <dgm:cxn modelId="{49651B2E-6963-4FB9-883B-DA5D2AE3282F}" type="presOf" srcId="{3263952E-74B6-46A1-89ED-774F4F61DC19}" destId="{E743FA34-A689-4B15-ACC3-751601F987F4}" srcOrd="0" destOrd="0" presId="urn:microsoft.com/office/officeart/2018/5/layout/IconLeafLabelList"/>
+    <dgm:cxn modelId="{BA953D32-2DFF-47FE-AF26-C6B9E63D38DF}" type="presOf" srcId="{49225C73-1633-42F1-AB3B-7CB183E5F8B8}" destId="{20363298-B2A6-463D-A7BE-F9F67404E389}" srcOrd="0" destOrd="0" presId="urn:microsoft.com/office/officeart/2018/5/layout/IconLeafLabelList"/>
+    <dgm:cxn modelId="{EC450542-0ED9-4BD6-9E85-5709B80794C5}" type="presOf" srcId="{01A66772-F185-4D58-B8BB-E9370D7A7A2B}" destId="{B6056BFB-47D7-4C5F-BA11-2CB63C56A52D}" srcOrd="0" destOrd="0" presId="urn:microsoft.com/office/officeart/2018/5/layout/IconLeafLabelList"/>
+    <dgm:cxn modelId="{C7AD8469-3C68-4AF9-AB82-79B0043AA120}" srcId="{01A66772-F185-4D58-B8BB-E9370D7A7A2B}" destId="{40FC4FFE-8987-4A26-B7F4-8A516F18ADAE}" srcOrd="0" destOrd="0" parTransId="{CAD7EF86-FB23-41F6-BF42-040B36DEFDB1}" sibTransId="{5B62599A-5C9B-48E7-896E-EA782AC60C8B}"/>
+    <dgm:cxn modelId="{A85983B4-FADF-419C-BC71-B5F0871C3055}" type="presOf" srcId="{40FC4FFE-8987-4A26-B7F4-8A516F18ADAE}" destId="{08F4E96D-0DB6-4476-8C51-7CC7EC2F227B}" srcOrd="0" destOrd="0" presId="urn:microsoft.com/office/officeart/2018/5/layout/IconLeafLabelList"/>
+    <dgm:cxn modelId="{09CAAEF9-2291-46C7-B7AE-1866B30BAA2C}" srcId="{01A66772-F185-4D58-B8BB-E9370D7A7A2B}" destId="{3263952E-74B6-46A1-89ED-774F4F61DC19}" srcOrd="2" destOrd="0" parTransId="{7DCF2666-63F4-4AE7-8363-1A9B615F865C}" sibTransId="{BE32F3E7-1A55-47FB-B709-A0DA1A773A6C}"/>
+    <dgm:cxn modelId="{A3E74EE8-8900-4EBD-8983-3BF0AFD6DCC7}" type="presParOf" srcId="{B6056BFB-47D7-4C5F-BA11-2CB63C56A52D}" destId="{311B26C8-22B1-4363-B621-DD56FB7418C8}" srcOrd="0" destOrd="0" presId="urn:microsoft.com/office/officeart/2018/5/layout/IconLeafLabelList"/>
+    <dgm:cxn modelId="{044EA9E0-B51B-492A-BE32-015CEAD0BAC9}" type="presParOf" srcId="{311B26C8-22B1-4363-B621-DD56FB7418C8}" destId="{A201D7A7-914C-4D24-8B82-EE40155AB0BE}" srcOrd="0" destOrd="0" presId="urn:microsoft.com/office/officeart/2018/5/layout/IconLeafLabelList"/>
+    <dgm:cxn modelId="{08373EC6-14CB-429D-9495-F32683B931D7}" type="presParOf" srcId="{311B26C8-22B1-4363-B621-DD56FB7418C8}" destId="{8FA2F131-CD01-4CBD-B7A5-1B9B5E7F0402}" srcOrd="1" destOrd="0" presId="urn:microsoft.com/office/officeart/2018/5/layout/IconLeafLabelList"/>
+    <dgm:cxn modelId="{9AB500F0-62A2-4E73-B4F4-5056804C8D6A}" type="presParOf" srcId="{311B26C8-22B1-4363-B621-DD56FB7418C8}" destId="{F755F00C-B2DB-4097-B4BC-8F1BACC938B7}" srcOrd="2" destOrd="0" presId="urn:microsoft.com/office/officeart/2018/5/layout/IconLeafLabelList"/>
+    <dgm:cxn modelId="{676606A7-6564-4CEB-ACE0-4FF9A3A04E67}" type="presParOf" srcId="{311B26C8-22B1-4363-B621-DD56FB7418C8}" destId="{08F4E96D-0DB6-4476-8C51-7CC7EC2F227B}" srcOrd="3" destOrd="0" presId="urn:microsoft.com/office/officeart/2018/5/layout/IconLeafLabelList"/>
+    <dgm:cxn modelId="{EAE0F94A-A454-4049-84F7-9EC90E847A03}" type="presParOf" srcId="{B6056BFB-47D7-4C5F-BA11-2CB63C56A52D}" destId="{5AB3C10D-885E-4522-AB39-7ED4318D191A}" srcOrd="1" destOrd="0" presId="urn:microsoft.com/office/officeart/2018/5/layout/IconLeafLabelList"/>
+    <dgm:cxn modelId="{B0B5B21A-5ADD-4500-9A67-9B26AF543EBA}" type="presParOf" srcId="{B6056BFB-47D7-4C5F-BA11-2CB63C56A52D}" destId="{2F278BF9-E1B2-4A1C-B065-C19A7B904219}" srcOrd="2" destOrd="0" presId="urn:microsoft.com/office/officeart/2018/5/layout/IconLeafLabelList"/>
+    <dgm:cxn modelId="{11FEAF2C-54F7-4E9C-A1D6-5FA0BF7F3665}" type="presParOf" srcId="{2F278BF9-E1B2-4A1C-B065-C19A7B904219}" destId="{543C18BC-1989-44B2-9862-C670C61D3452}" srcOrd="0" destOrd="0" presId="urn:microsoft.com/office/officeart/2018/5/layout/IconLeafLabelList"/>
+    <dgm:cxn modelId="{92C17ECB-A80D-4A0E-95CF-40A53D32275F}" type="presParOf" srcId="{2F278BF9-E1B2-4A1C-B065-C19A7B904219}" destId="{E94F35BC-9C76-400A-BBCA-0032259E2E5A}" srcOrd="1" destOrd="0" presId="urn:microsoft.com/office/officeart/2018/5/layout/IconLeafLabelList"/>
+    <dgm:cxn modelId="{54E5AE33-4BE6-44E7-871B-1103A0BA7A56}" type="presParOf" srcId="{2F278BF9-E1B2-4A1C-B065-C19A7B904219}" destId="{503A6D04-9ADD-43CC-9847-497CD48F2D11}" srcOrd="2" destOrd="0" presId="urn:microsoft.com/office/officeart/2018/5/layout/IconLeafLabelList"/>
+    <dgm:cxn modelId="{3575FCA0-4FCE-460A-8D84-2C767D311A20}" type="presParOf" srcId="{2F278BF9-E1B2-4A1C-B065-C19A7B904219}" destId="{20363298-B2A6-463D-A7BE-F9F67404E389}" srcOrd="3" destOrd="0" presId="urn:microsoft.com/office/officeart/2018/5/layout/IconLeafLabelList"/>
+    <dgm:cxn modelId="{9017BE67-8B70-43EF-A549-195EA4F8D4F2}" type="presParOf" srcId="{B6056BFB-47D7-4C5F-BA11-2CB63C56A52D}" destId="{575D4A0C-F3D4-46B2-9557-8D7074855114}" srcOrd="3" destOrd="0" presId="urn:microsoft.com/office/officeart/2018/5/layout/IconLeafLabelList"/>
+    <dgm:cxn modelId="{E626DAB8-7842-4B4D-A5B3-FCD848CB2B36}" type="presParOf" srcId="{B6056BFB-47D7-4C5F-BA11-2CB63C56A52D}" destId="{ECBCA3F2-AF74-4D0F-89CD-7B2C89B9DF5C}" srcOrd="4" destOrd="0" presId="urn:microsoft.com/office/officeart/2018/5/layout/IconLeafLabelList"/>
+    <dgm:cxn modelId="{393CA1BF-A8E3-4416-9956-7ED35E1D6169}" type="presParOf" srcId="{ECBCA3F2-AF74-4D0F-89CD-7B2C89B9DF5C}" destId="{CC89B824-8E5F-45C6-8A47-B0A635BA3D6D}" srcOrd="0" destOrd="0" presId="urn:microsoft.com/office/officeart/2018/5/layout/IconLeafLabelList"/>
+    <dgm:cxn modelId="{39B8A9BE-9A27-41F8-AFC6-65EE1A73E1B8}" type="presParOf" srcId="{ECBCA3F2-AF74-4D0F-89CD-7B2C89B9DF5C}" destId="{9CFC4F6B-387A-42F9-9222-4918F19FE7D4}" srcOrd="1" destOrd="0" presId="urn:microsoft.com/office/officeart/2018/5/layout/IconLeafLabelList"/>
+    <dgm:cxn modelId="{BE073B97-7646-439A-A25F-724D1532A9AD}" type="presParOf" srcId="{ECBCA3F2-AF74-4D0F-89CD-7B2C89B9DF5C}" destId="{53ACDA5D-FC5A-41D8-AFB5-FDF957B99B4F}" srcOrd="2" destOrd="0" presId="urn:microsoft.com/office/officeart/2018/5/layout/IconLeafLabelList"/>
+    <dgm:cxn modelId="{1CCD1B68-D190-4365-A83F-5B49C3DB1192}" type="presParOf" srcId="{ECBCA3F2-AF74-4D0F-89CD-7B2C89B9DF5C}" destId="{E743FA34-A689-4B15-ACC3-751601F987F4}" srcOrd="3" destOrd="0" presId="urn:microsoft.com/office/officeart/2018/5/layout/IconLeafLabelList"/>
+  </dgm:cxnLst>
+  <dgm:bg/>
+  <dgm:whole/>
+  <dgm:extLst>
+    <a:ext uri="http://schemas.microsoft.com/office/drawing/2008/diagram">
+      <dsp:dataModelExt xmlns:dsp="http://schemas.microsoft.com/office/drawing/2008/diagram" relId="rId7" minVer="http://schemas.openxmlformats.org/drawingml/2006/diagram"/>
+    </a:ext>
+  </dgm:extLst>
+</dgm:dataModel>
+</file>
+
+<file path=ppt/diagrams/data6.xml><?xml version="1.0" encoding="utf-8"?>
+<dgm:dataModel xmlns:dgm="http://schemas.openxmlformats.org/drawingml/2006/diagram" xmlns:a="http://schemas.openxmlformats.org/drawingml/2006/main">
+  <dgm:ptLst>
+    <dgm:pt modelId="{01A66772-F185-4D58-B8BB-E9370D7A7A2B}" type="doc">
+      <dgm:prSet loTypeId="urn:microsoft.com/office/officeart/2018/5/layout/IconLeafLabelList" loCatId="icon" qsTypeId="urn:microsoft.com/office/officeart/2005/8/quickstyle/simple1" qsCatId="simple" csTypeId="urn:microsoft.com/office/officeart/2018/5/colors/Iconchunking_neutralicon_colorful1" csCatId="colorful" phldr="1"/>
+      <dgm:spPr/>
+      <dgm:t>
+        <a:bodyPr/>
+        <a:lstStyle/>
+        <a:p>
+          <a:endParaRPr lang="en-US"/>
+        </a:p>
+      </dgm:t>
+    </dgm:pt>
+    <dgm:pt modelId="{40FC4FFE-8987-4A26-B7F4-8A516F18ADAE}">
+      <dgm:prSet/>
+      <dgm:spPr/>
+      <dgm:t>
+        <a:bodyPr/>
+        <a:lstStyle/>
+        <a:p>
+          <a:pPr>
+            <a:lnSpc>
+              <a:spcPct val="100000"/>
+            </a:lnSpc>
+            <a:defRPr cap="all"/>
+          </a:pPr>
+          <a:r>
+            <a:rPr lang="id-ID" dirty="0"/>
+            <a:t>AMD A-Series</a:t>
+          </a:r>
+        </a:p>
+        <a:p>
+          <a:pPr>
+            <a:lnSpc>
+              <a:spcPct val="100000"/>
+            </a:lnSpc>
+            <a:defRPr cap="all"/>
+          </a:pPr>
+          <a:r>
+            <a:rPr lang="id-ID" dirty="0"/>
+            <a:t>Series ini biasa dikenal sebagai amd apu (accelerated processing unit) dan menjadi procie pertama yang menjadikan gpu dan cpu dalam 1 chip</a:t>
+          </a:r>
+          <a:endParaRPr lang="en-US" dirty="0"/>
+        </a:p>
+      </dgm:t>
+    </dgm:pt>
+    <dgm:pt modelId="{CAD7EF86-FB23-41F6-BF42-040B36DEFDB1}" type="parTrans" cxnId="{C7AD8469-3C68-4AF9-AB82-79B0043AA120}">
+      <dgm:prSet/>
+      <dgm:spPr/>
+      <dgm:t>
+        <a:bodyPr/>
+        <a:lstStyle/>
+        <a:p>
+          <a:endParaRPr lang="en-US"/>
+        </a:p>
+      </dgm:t>
+    </dgm:pt>
+    <dgm:pt modelId="{5B62599A-5C9B-48E7-896E-EA782AC60C8B}" type="sibTrans" cxnId="{C7AD8469-3C68-4AF9-AB82-79B0043AA120}">
+      <dgm:prSet/>
+      <dgm:spPr/>
+      <dgm:t>
+        <a:bodyPr/>
+        <a:lstStyle/>
+        <a:p>
+          <a:endParaRPr lang="en-US"/>
+        </a:p>
+      </dgm:t>
+    </dgm:pt>
+    <dgm:pt modelId="{49225C73-1633-42F1-AB3B-7CB183E5F8B8}">
+      <dgm:prSet/>
+      <dgm:spPr/>
+      <dgm:t>
+        <a:bodyPr/>
+        <a:lstStyle/>
+        <a:p>
+          <a:pPr>
+            <a:lnSpc>
+              <a:spcPct val="100000"/>
+            </a:lnSpc>
+            <a:defRPr cap="all"/>
+          </a:pPr>
+          <a:r>
+            <a:rPr lang="id-ID" dirty="0"/>
+            <a:t>Amd fx-series</a:t>
+          </a:r>
+        </a:p>
+        <a:p>
+          <a:pPr>
+            <a:lnSpc>
+              <a:spcPct val="100000"/>
+            </a:lnSpc>
+            <a:defRPr cap="all"/>
+          </a:pPr>
+          <a:r>
+            <a:rPr lang="id-ID" dirty="0"/>
+            <a:t>Dirancang untuk kinerja komputer yang berat dan gaming,dengan 8 core-nya dan speed clock yang tinggi. Procie ini didasarkan arsitektur series bulldozer dan piledriver</a:t>
+          </a:r>
+          <a:endParaRPr lang="en-US" dirty="0"/>
+        </a:p>
+      </dgm:t>
+    </dgm:pt>
+    <dgm:pt modelId="{1A0E2090-1D4F-438A-8766-B6030CE01ADD}" type="parTrans" cxnId="{A9154303-8225-4248-91DC-1B0156A35F07}">
+      <dgm:prSet/>
+      <dgm:spPr/>
+      <dgm:t>
+        <a:bodyPr/>
+        <a:lstStyle/>
+        <a:p>
+          <a:endParaRPr lang="en-US"/>
+        </a:p>
+      </dgm:t>
+    </dgm:pt>
+    <dgm:pt modelId="{9646853A-8964-4519-A5B1-0B7D18B2983D}" type="sibTrans" cxnId="{A9154303-8225-4248-91DC-1B0156A35F07}">
+      <dgm:prSet/>
+      <dgm:spPr/>
+      <dgm:t>
+        <a:bodyPr/>
+        <a:lstStyle/>
+        <a:p>
+          <a:endParaRPr lang="en-US"/>
+        </a:p>
+      </dgm:t>
+    </dgm:pt>
+    <dgm:pt modelId="{3263952E-74B6-46A1-89ED-774F4F61DC19}">
+      <dgm:prSet custT="1"/>
+      <dgm:spPr/>
+      <dgm:t>
+        <a:bodyPr/>
+        <a:lstStyle/>
+        <a:p>
+          <a:pPr>
+            <a:lnSpc>
+              <a:spcPct val="100000"/>
+            </a:lnSpc>
+            <a:defRPr cap="all"/>
+          </a:pPr>
+          <a:r>
+            <a:rPr lang="id-ID" sz="1100" dirty="0"/>
+            <a:t>Amd ryzen</a:t>
+          </a:r>
+        </a:p>
+        <a:p>
+          <a:pPr>
+            <a:lnSpc>
+              <a:spcPct val="100000"/>
+            </a:lnSpc>
+            <a:defRPr cap="all"/>
+          </a:pPr>
+          <a:r>
+            <a:rPr lang="id-ID" sz="1000" dirty="0"/>
+            <a:t>Procie terbaru yang rilis pada tahun 2017 kemarin, menjadi pengenal awalan arsitektur cpu performa tinggi dari amd. Dengan ipc (intruksi per clock) yang lebih baik dan konsumsi daya yang rendah, procie ini dapat melengkapi semua aspek kinerja</a:t>
+          </a:r>
+          <a:endParaRPr lang="en-US" sz="1000" dirty="0"/>
+        </a:p>
+      </dgm:t>
+    </dgm:pt>
+    <dgm:pt modelId="{7DCF2666-63F4-4AE7-8363-1A9B615F865C}" type="parTrans" cxnId="{09CAAEF9-2291-46C7-B7AE-1866B30BAA2C}">
+      <dgm:prSet/>
+      <dgm:spPr/>
+      <dgm:t>
+        <a:bodyPr/>
+        <a:lstStyle/>
+        <a:p>
+          <a:endParaRPr lang="en-US"/>
+        </a:p>
+      </dgm:t>
+    </dgm:pt>
+    <dgm:pt modelId="{BE32F3E7-1A55-47FB-B709-A0DA1A773A6C}" type="sibTrans" cxnId="{09CAAEF9-2291-46C7-B7AE-1866B30BAA2C}">
+      <dgm:prSet/>
+      <dgm:spPr/>
+      <dgm:t>
+        <a:bodyPr/>
+        <a:lstStyle/>
+        <a:p>
+          <a:endParaRPr lang="en-US"/>
+        </a:p>
+      </dgm:t>
+    </dgm:pt>
+    <dgm:pt modelId="{B6056BFB-47D7-4C5F-BA11-2CB63C56A52D}" type="pres">
+      <dgm:prSet presAssocID="{01A66772-F185-4D58-B8BB-E9370D7A7A2B}" presName="root" presStyleCnt="0">
+        <dgm:presLayoutVars>
+          <dgm:dir/>
+          <dgm:resizeHandles val="exact"/>
+        </dgm:presLayoutVars>
+      </dgm:prSet>
+      <dgm:spPr/>
+    </dgm:pt>
+    <dgm:pt modelId="{311B26C8-22B1-4363-B621-DD56FB7418C8}" type="pres">
+      <dgm:prSet presAssocID="{40FC4FFE-8987-4A26-B7F4-8A516F18ADAE}" presName="compNode" presStyleCnt="0"/>
+      <dgm:spPr/>
+    </dgm:pt>
+    <dgm:pt modelId="{A201D7A7-914C-4D24-8B82-EE40155AB0BE}" type="pres">
+      <dgm:prSet presAssocID="{40FC4FFE-8987-4A26-B7F4-8A516F18ADAE}" presName="iconBgRect" presStyleLbl="bgShp" presStyleIdx="0" presStyleCnt="3" custLinFactNeighborX="-13" custLinFactNeighborY="1845"/>
+      <dgm:spPr>
+        <a:prstGeom prst="ellipse">
+          <a:avLst/>
+        </a:prstGeom>
+        <a:solidFill>
+          <a:schemeClr val="bg2"/>
+        </a:solidFill>
+      </dgm:spPr>
+    </dgm:pt>
+    <dgm:pt modelId="{8FA2F131-CD01-4CBD-B7A5-1B9B5E7F0402}" type="pres">
+      <dgm:prSet presAssocID="{40FC4FFE-8987-4A26-B7F4-8A516F18ADAE}" presName="iconRect" presStyleLbl="node1" presStyleIdx="0" presStyleCnt="3" custScaleX="124289" custScaleY="78226" custLinFactNeighborX="45576" custLinFactNeighborY="-5234"/>
       <dgm:spPr>
         <a:blipFill>
-          <a:blip xmlns:r="http://schemas.openxmlformats.org/officeDocument/2006/relationships" r:embed="rId2"/>
+          <a:blip xmlns:r="http://schemas.openxmlformats.org/officeDocument/2006/relationships" r:embed="rId1">
+            <a:extLst>
+              <a:ext uri="{28A0092B-C50C-407E-A947-70E740481C1C}">
+                <a14:useLocalDpi xmlns:a14="http://schemas.microsoft.com/office/drawing/2010/main" val="0"/>
+              </a:ext>
+            </a:extLst>
+          </a:blip>
+          <a:srcRect/>
+          <a:stretch>
+            <a:fillRect/>
+          </a:stretch>
+        </a:blipFill>
+        <a:ln>
+          <a:noFill/>
+        </a:ln>
+      </dgm:spPr>
+    </dgm:pt>
+    <dgm:pt modelId="{F755F00C-B2DB-4097-B4BC-8F1BACC938B7}" type="pres">
+      <dgm:prSet presAssocID="{40FC4FFE-8987-4A26-B7F4-8A516F18ADAE}" presName="spaceRect" presStyleCnt="0"/>
+      <dgm:spPr/>
+    </dgm:pt>
+    <dgm:pt modelId="{08F4E96D-0DB6-4476-8C51-7CC7EC2F227B}" type="pres">
+      <dgm:prSet presAssocID="{40FC4FFE-8987-4A26-B7F4-8A516F18ADAE}" presName="textRect" presStyleLbl="revTx" presStyleIdx="0" presStyleCnt="3">
+        <dgm:presLayoutVars>
+          <dgm:chMax val="1"/>
+          <dgm:chPref val="1"/>
+        </dgm:presLayoutVars>
+      </dgm:prSet>
+      <dgm:spPr/>
+    </dgm:pt>
+    <dgm:pt modelId="{5AB3C10D-885E-4522-AB39-7ED4318D191A}" type="pres">
+      <dgm:prSet presAssocID="{5B62599A-5C9B-48E7-896E-EA782AC60C8B}" presName="sibTrans" presStyleCnt="0"/>
+      <dgm:spPr/>
+    </dgm:pt>
+    <dgm:pt modelId="{2F278BF9-E1B2-4A1C-B065-C19A7B904219}" type="pres">
+      <dgm:prSet presAssocID="{49225C73-1633-42F1-AB3B-7CB183E5F8B8}" presName="compNode" presStyleCnt="0"/>
+      <dgm:spPr/>
+    </dgm:pt>
+    <dgm:pt modelId="{543C18BC-1989-44B2-9862-C670C61D3452}" type="pres">
+      <dgm:prSet presAssocID="{49225C73-1633-42F1-AB3B-7CB183E5F8B8}" presName="iconBgRect" presStyleLbl="bgShp" presStyleIdx="1" presStyleCnt="3"/>
+      <dgm:spPr>
+        <a:prstGeom prst="ellipse">
+          <a:avLst/>
+        </a:prstGeom>
+        <a:solidFill>
+          <a:schemeClr val="bg1"/>
+        </a:solidFill>
+      </dgm:spPr>
+    </dgm:pt>
+    <dgm:pt modelId="{E94F35BC-9C76-400A-BBCA-0032259E2E5A}" type="pres">
+      <dgm:prSet presAssocID="{49225C73-1633-42F1-AB3B-7CB183E5F8B8}" presName="iconRect" presStyleLbl="node1" presStyleIdx="1" presStyleCnt="3" custScaleX="79516" custScaleY="91318" custLinFactNeighborX="47358" custLinFactNeighborY="-106"/>
+      <dgm:spPr>
+        <a:blipFill>
+          <a:blip xmlns:r="http://schemas.openxmlformats.org/officeDocument/2006/relationships" r:embed="rId2">
+            <a:extLst>
+              <a:ext uri="{28A0092B-C50C-407E-A947-70E740481C1C}">
+                <a14:useLocalDpi xmlns:a14="http://schemas.microsoft.com/office/drawing/2010/main" val="0"/>
+              </a:ext>
+            </a:extLst>
+          </a:blip>
           <a:srcRect/>
           <a:stretch>
             <a:fillRect/>
@@ -6418,7 +7770,43 @@
       <dgm:spPr/>
     </dgm:pt>
     <dgm:pt modelId="{20363298-B2A6-463D-A7BE-F9F67404E389}" type="pres">
-      <dgm:prSet presAssocID="{49225C73-1633-42F1-AB3B-7CB183E5F8B8}" presName="textRect" presStyleLbl="revTx" presStyleIdx="1" presStyleCnt="2">
+      <dgm:prSet presAssocID="{49225C73-1633-42F1-AB3B-7CB183E5F8B8}" presName="textRect" presStyleLbl="revTx" presStyleIdx="1" presStyleCnt="3">
+        <dgm:presLayoutVars>
+          <dgm:chMax val="1"/>
+          <dgm:chPref val="1"/>
+        </dgm:presLayoutVars>
+      </dgm:prSet>
+      <dgm:spPr/>
+    </dgm:pt>
+    <dgm:pt modelId="{575D4A0C-F3D4-46B2-9557-8D7074855114}" type="pres">
+      <dgm:prSet presAssocID="{9646853A-8964-4519-A5B1-0B7D18B2983D}" presName="sibTrans" presStyleCnt="0"/>
+      <dgm:spPr/>
+    </dgm:pt>
+    <dgm:pt modelId="{ECBCA3F2-AF74-4D0F-89CD-7B2C89B9DF5C}" type="pres">
+      <dgm:prSet presAssocID="{3263952E-74B6-46A1-89ED-774F4F61DC19}" presName="compNode" presStyleCnt="0"/>
+      <dgm:spPr/>
+    </dgm:pt>
+    <dgm:pt modelId="{CC89B824-8E5F-45C6-8A47-B0A635BA3D6D}" type="pres">
+      <dgm:prSet presAssocID="{3263952E-74B6-46A1-89ED-774F4F61DC19}" presName="iconBgRect" presStyleLbl="bgShp" presStyleIdx="2" presStyleCnt="3" custFlipHor="1" custScaleX="37061" custScaleY="72439" custLinFactNeighborY="19566"/>
+      <dgm:spPr>
+        <a:prstGeom prst="round2DiagRect">
+          <a:avLst>
+            <a:gd name="adj1" fmla="val 29727"/>
+            <a:gd name="adj2" fmla="val 0"/>
+          </a:avLst>
+        </a:prstGeom>
+      </dgm:spPr>
+    </dgm:pt>
+    <dgm:pt modelId="{9CFC4F6B-387A-42F9-9222-4918F19FE7D4}" type="pres">
+      <dgm:prSet presAssocID="{3263952E-74B6-46A1-89ED-774F4F61DC19}" presName="iconRect" presStyleLbl="node1" presStyleIdx="2" presStyleCnt="3" custFlipVert="1" custScaleX="30825" custScaleY="35602" custLinFactX="-27801" custLinFactNeighborX="-100000" custLinFactNeighborY="62736"/>
+      <dgm:spPr/>
+    </dgm:pt>
+    <dgm:pt modelId="{53ACDA5D-FC5A-41D8-AFB5-FDF957B99B4F}" type="pres">
+      <dgm:prSet presAssocID="{3263952E-74B6-46A1-89ED-774F4F61DC19}" presName="spaceRect" presStyleCnt="0"/>
+      <dgm:spPr/>
+    </dgm:pt>
+    <dgm:pt modelId="{E743FA34-A689-4B15-ACC3-751601F987F4}" type="pres">
+      <dgm:prSet presAssocID="{3263952E-74B6-46A1-89ED-774F4F61DC19}" presName="textRect" presStyleLbl="revTx" presStyleIdx="2" presStyleCnt="3">
         <dgm:presLayoutVars>
           <dgm:chMax val="1"/>
           <dgm:chPref val="1"/>
@@ -6429,10 +7817,12 @@
   </dgm:ptLst>
   <dgm:cxnLst>
     <dgm:cxn modelId="{A9154303-8225-4248-91DC-1B0156A35F07}" srcId="{01A66772-F185-4D58-B8BB-E9370D7A7A2B}" destId="{49225C73-1633-42F1-AB3B-7CB183E5F8B8}" srcOrd="1" destOrd="0" parTransId="{1A0E2090-1D4F-438A-8766-B6030CE01ADD}" sibTransId="{9646853A-8964-4519-A5B1-0B7D18B2983D}"/>
+    <dgm:cxn modelId="{49651B2E-6963-4FB9-883B-DA5D2AE3282F}" type="presOf" srcId="{3263952E-74B6-46A1-89ED-774F4F61DC19}" destId="{E743FA34-A689-4B15-ACC3-751601F987F4}" srcOrd="0" destOrd="0" presId="urn:microsoft.com/office/officeart/2018/5/layout/IconLeafLabelList"/>
     <dgm:cxn modelId="{BA953D32-2DFF-47FE-AF26-C6B9E63D38DF}" type="presOf" srcId="{49225C73-1633-42F1-AB3B-7CB183E5F8B8}" destId="{20363298-B2A6-463D-A7BE-F9F67404E389}" srcOrd="0" destOrd="0" presId="urn:microsoft.com/office/officeart/2018/5/layout/IconLeafLabelList"/>
     <dgm:cxn modelId="{EC450542-0ED9-4BD6-9E85-5709B80794C5}" type="presOf" srcId="{01A66772-F185-4D58-B8BB-E9370D7A7A2B}" destId="{B6056BFB-47D7-4C5F-BA11-2CB63C56A52D}" srcOrd="0" destOrd="0" presId="urn:microsoft.com/office/officeart/2018/5/layout/IconLeafLabelList"/>
     <dgm:cxn modelId="{C7AD8469-3C68-4AF9-AB82-79B0043AA120}" srcId="{01A66772-F185-4D58-B8BB-E9370D7A7A2B}" destId="{40FC4FFE-8987-4A26-B7F4-8A516F18ADAE}" srcOrd="0" destOrd="0" parTransId="{CAD7EF86-FB23-41F6-BF42-040B36DEFDB1}" sibTransId="{5B62599A-5C9B-48E7-896E-EA782AC60C8B}"/>
     <dgm:cxn modelId="{A85983B4-FADF-419C-BC71-B5F0871C3055}" type="presOf" srcId="{40FC4FFE-8987-4A26-B7F4-8A516F18ADAE}" destId="{08F4E96D-0DB6-4476-8C51-7CC7EC2F227B}" srcOrd="0" destOrd="0" presId="urn:microsoft.com/office/officeart/2018/5/layout/IconLeafLabelList"/>
+    <dgm:cxn modelId="{09CAAEF9-2291-46C7-B7AE-1866B30BAA2C}" srcId="{01A66772-F185-4D58-B8BB-E9370D7A7A2B}" destId="{3263952E-74B6-46A1-89ED-774F4F61DC19}" srcOrd="2" destOrd="0" parTransId="{7DCF2666-63F4-4AE7-8363-1A9B615F865C}" sibTransId="{BE32F3E7-1A55-47FB-B709-A0DA1A773A6C}"/>
     <dgm:cxn modelId="{A3E74EE8-8900-4EBD-8983-3BF0AFD6DCC7}" type="presParOf" srcId="{B6056BFB-47D7-4C5F-BA11-2CB63C56A52D}" destId="{311B26C8-22B1-4363-B621-DD56FB7418C8}" srcOrd="0" destOrd="0" presId="urn:microsoft.com/office/officeart/2018/5/layout/IconLeafLabelList"/>
     <dgm:cxn modelId="{044EA9E0-B51B-492A-BE32-015CEAD0BAC9}" type="presParOf" srcId="{311B26C8-22B1-4363-B621-DD56FB7418C8}" destId="{A201D7A7-914C-4D24-8B82-EE40155AB0BE}" srcOrd="0" destOrd="0" presId="urn:microsoft.com/office/officeart/2018/5/layout/IconLeafLabelList"/>
     <dgm:cxn modelId="{08373EC6-14CB-429D-9495-F32683B931D7}" type="presParOf" srcId="{311B26C8-22B1-4363-B621-DD56FB7418C8}" destId="{8FA2F131-CD01-4CBD-B7A5-1B9B5E7F0402}" srcOrd="1" destOrd="0" presId="urn:microsoft.com/office/officeart/2018/5/layout/IconLeafLabelList"/>
@@ -6444,8 +7834,16 @@
     <dgm:cxn modelId="{92C17ECB-A80D-4A0E-95CF-40A53D32275F}" type="presParOf" srcId="{2F278BF9-E1B2-4A1C-B065-C19A7B904219}" destId="{E94F35BC-9C76-400A-BBCA-0032259E2E5A}" srcOrd="1" destOrd="0" presId="urn:microsoft.com/office/officeart/2018/5/layout/IconLeafLabelList"/>
     <dgm:cxn modelId="{54E5AE33-4BE6-44E7-871B-1103A0BA7A56}" type="presParOf" srcId="{2F278BF9-E1B2-4A1C-B065-C19A7B904219}" destId="{503A6D04-9ADD-43CC-9847-497CD48F2D11}" srcOrd="2" destOrd="0" presId="urn:microsoft.com/office/officeart/2018/5/layout/IconLeafLabelList"/>
     <dgm:cxn modelId="{3575FCA0-4FCE-460A-8D84-2C767D311A20}" type="presParOf" srcId="{2F278BF9-E1B2-4A1C-B065-C19A7B904219}" destId="{20363298-B2A6-463D-A7BE-F9F67404E389}" srcOrd="3" destOrd="0" presId="urn:microsoft.com/office/officeart/2018/5/layout/IconLeafLabelList"/>
+    <dgm:cxn modelId="{9017BE67-8B70-43EF-A549-195EA4F8D4F2}" type="presParOf" srcId="{B6056BFB-47D7-4C5F-BA11-2CB63C56A52D}" destId="{575D4A0C-F3D4-46B2-9557-8D7074855114}" srcOrd="3" destOrd="0" presId="urn:microsoft.com/office/officeart/2018/5/layout/IconLeafLabelList"/>
+    <dgm:cxn modelId="{E626DAB8-7842-4B4D-A5B3-FCD848CB2B36}" type="presParOf" srcId="{B6056BFB-47D7-4C5F-BA11-2CB63C56A52D}" destId="{ECBCA3F2-AF74-4D0F-89CD-7B2C89B9DF5C}" srcOrd="4" destOrd="0" presId="urn:microsoft.com/office/officeart/2018/5/layout/IconLeafLabelList"/>
+    <dgm:cxn modelId="{393CA1BF-A8E3-4416-9956-7ED35E1D6169}" type="presParOf" srcId="{ECBCA3F2-AF74-4D0F-89CD-7B2C89B9DF5C}" destId="{CC89B824-8E5F-45C6-8A47-B0A635BA3D6D}" srcOrd="0" destOrd="0" presId="urn:microsoft.com/office/officeart/2018/5/layout/IconLeafLabelList"/>
+    <dgm:cxn modelId="{39B8A9BE-9A27-41F8-AFC6-65EE1A73E1B8}" type="presParOf" srcId="{ECBCA3F2-AF74-4D0F-89CD-7B2C89B9DF5C}" destId="{9CFC4F6B-387A-42F9-9222-4918F19FE7D4}" srcOrd="1" destOrd="0" presId="urn:microsoft.com/office/officeart/2018/5/layout/IconLeafLabelList"/>
+    <dgm:cxn modelId="{BE073B97-7646-439A-A25F-724D1532A9AD}" type="presParOf" srcId="{ECBCA3F2-AF74-4D0F-89CD-7B2C89B9DF5C}" destId="{53ACDA5D-FC5A-41D8-AFB5-FDF957B99B4F}" srcOrd="2" destOrd="0" presId="urn:microsoft.com/office/officeart/2018/5/layout/IconLeafLabelList"/>
+    <dgm:cxn modelId="{1CCD1B68-D190-4365-A83F-5B49C3DB1192}" type="presParOf" srcId="{ECBCA3F2-AF74-4D0F-89CD-7B2C89B9DF5C}" destId="{E743FA34-A689-4B15-ACC3-751601F987F4}" srcOrd="3" destOrd="0" presId="urn:microsoft.com/office/officeart/2018/5/layout/IconLeafLabelList"/>
   </dgm:cxnLst>
-  <dgm:bg/>
+  <dgm:bg>
+    <a:noFill/>
+  </dgm:bg>
   <dgm:whole/>
   <dgm:extLst>
     <a:ext uri="http://schemas.microsoft.com/office/drawing/2008/diagram">
@@ -7421,8 +8819,8 @@
       </dsp:nvSpPr>
       <dsp:spPr>
         <a:xfrm>
-          <a:off x="2448449" y="1761"/>
-          <a:ext cx="1063687" cy="1063687"/>
+          <a:off x="616949" y="53225"/>
+          <a:ext cx="1818562" cy="1818562"/>
         </a:xfrm>
         <a:prstGeom prst="ellipse">
           <a:avLst/>
@@ -7455,8 +8853,8 @@
       </dsp:nvSpPr>
       <dsp:spPr>
         <a:xfrm>
-          <a:off x="2630969" y="213728"/>
-          <a:ext cx="610312" cy="610312"/>
+          <a:off x="928998" y="415620"/>
+          <a:ext cx="1043437" cy="1043437"/>
         </a:xfrm>
         <a:prstGeom prst="rect">
           <a:avLst/>
@@ -7502,8 +8900,8 @@
       </dsp:nvSpPr>
       <dsp:spPr>
         <a:xfrm>
-          <a:off x="2108418" y="1396761"/>
-          <a:ext cx="1743750" cy="2387556"/>
+          <a:off x="35606" y="2438225"/>
+          <a:ext cx="2981250" cy="1294628"/>
         </a:xfrm>
         <a:prstGeom prst="rect">
           <a:avLst/>
@@ -7532,7 +8930,7 @@
         </a:bodyPr>
         <a:lstStyle/>
         <a:p>
-          <a:pPr marL="0" lvl="0" indent="0" algn="ctr" defTabSz="488950">
+          <a:pPr marL="0" lvl="0" indent="0" algn="ctr" defTabSz="444500">
             <a:lnSpc>
               <a:spcPct val="100000"/>
             </a:lnSpc>
@@ -7546,12 +8944,12 @@
             <a:defRPr cap="all"/>
           </a:pPr>
           <a:r>
-            <a:rPr lang="id-ID" sz="1100" kern="1200" dirty="0"/>
+            <a:rPr lang="id-ID" sz="1000" kern="1200" dirty="0"/>
             <a:t>AMD Athlon</a:t>
           </a:r>
         </a:p>
         <a:p>
-          <a:pPr marL="0" lvl="0" indent="0" algn="ctr" defTabSz="488950">
+          <a:pPr marL="0" lvl="0" indent="0" algn="ctr" defTabSz="444500">
             <a:lnSpc>
               <a:spcPct val="100000"/>
             </a:lnSpc>
@@ -7565,15 +8963,15 @@
             <a:defRPr cap="all"/>
           </a:pPr>
           <a:r>
-            <a:rPr lang="id-ID" sz="1100" kern="1200" dirty="0"/>
+            <a:rPr lang="id-ID" sz="1000" kern="1200" dirty="0"/>
             <a:t>Muncul sebagai pengganti amd k6, procie ini sedikit demi sedikit menggeser intel dari leader market. Dengan chipset amd 750 mp dan amd 760 mpx amd berhasil menciptakan procie yang dapat bersaing dengan intel </a:t>
           </a:r>
-          <a:endParaRPr lang="en-US" sz="1100" kern="1200" dirty="0"/>
+          <a:endParaRPr lang="en-US" sz="1000" kern="1200" dirty="0"/>
         </a:p>
       </dsp:txBody>
       <dsp:txXfrm>
-        <a:off x="2108418" y="1396761"/>
-        <a:ext cx="1743750" cy="2387556"/>
+        <a:off x="35606" y="2438225"/>
+        <a:ext cx="2981250" cy="1294628"/>
       </dsp:txXfrm>
     </dsp:sp>
     <dsp:sp modelId="{543C18BC-1989-44B2-9862-C670C61D3452}">
@@ -7583,8 +8981,8 @@
       </dsp:nvSpPr>
       <dsp:spPr>
         <a:xfrm>
-          <a:off x="4497356" y="1761"/>
-          <a:ext cx="1063687" cy="1063687"/>
+          <a:off x="4119918" y="53225"/>
+          <a:ext cx="1818562" cy="1818562"/>
         </a:xfrm>
         <a:prstGeom prst="ellipse">
           <a:avLst/>
@@ -7617,8 +9015,8 @@
       </dsp:nvSpPr>
       <dsp:spPr>
         <a:xfrm>
-          <a:off x="4724043" y="228449"/>
-          <a:ext cx="610312" cy="610312"/>
+          <a:off x="4507481" y="440788"/>
+          <a:ext cx="1043437" cy="1043437"/>
         </a:xfrm>
         <a:prstGeom prst="rect">
           <a:avLst/>
@@ -7664,8 +9062,8 @@
       </dsp:nvSpPr>
       <dsp:spPr>
         <a:xfrm>
-          <a:off x="4157324" y="1396761"/>
-          <a:ext cx="1743750" cy="2387556"/>
+          <a:off x="3538574" y="2438225"/>
+          <a:ext cx="2981250" cy="1294628"/>
         </a:xfrm>
         <a:prstGeom prst="rect">
           <a:avLst/>
@@ -7734,8 +9132,8 @@
         </a:p>
       </dsp:txBody>
       <dsp:txXfrm>
-        <a:off x="4157324" y="1396761"/>
-        <a:ext cx="1743750" cy="2387556"/>
+        <a:off x="3538574" y="2438225"/>
+        <a:ext cx="2981250" cy="1294628"/>
       </dsp:txXfrm>
     </dsp:sp>
     <dsp:sp modelId="{5BDDFF18-9AEC-4E5E-B9AA-33D86F01A63E}">
@@ -7745,8 +9143,8 @@
       </dsp:nvSpPr>
       <dsp:spPr>
         <a:xfrm>
-          <a:off x="6546262" y="1761"/>
-          <a:ext cx="1063687" cy="1063687"/>
+          <a:off x="7622887" y="53225"/>
+          <a:ext cx="1818562" cy="1818562"/>
         </a:xfrm>
         <a:prstGeom prst="ellipse">
           <a:avLst/>
@@ -7784,8 +9182,8 @@
       </dsp:nvSpPr>
       <dsp:spPr>
         <a:xfrm>
-          <a:off x="6772950" y="228449"/>
-          <a:ext cx="610312" cy="610312"/>
+          <a:off x="8010450" y="440788"/>
+          <a:ext cx="1043437" cy="1043437"/>
         </a:xfrm>
         <a:prstGeom prst="rect">
           <a:avLst/>
@@ -7831,8 +9229,8 @@
       </dsp:nvSpPr>
       <dsp:spPr>
         <a:xfrm>
-          <a:off x="6206231" y="1396761"/>
-          <a:ext cx="1743750" cy="2387556"/>
+          <a:off x="7041543" y="2438225"/>
+          <a:ext cx="2981250" cy="1294628"/>
         </a:xfrm>
         <a:prstGeom prst="rect">
           <a:avLst/>
@@ -7861,7 +9259,7 @@
         </a:bodyPr>
         <a:lstStyle/>
         <a:p>
-          <a:pPr marL="0" lvl="0" indent="0" algn="ctr" defTabSz="488950">
+          <a:pPr marL="0" lvl="0" indent="0" algn="ctr" defTabSz="444500">
             <a:lnSpc>
               <a:spcPct val="100000"/>
             </a:lnSpc>
@@ -7875,12 +9273,12 @@
             <a:defRPr cap="all"/>
           </a:pPr>
           <a:r>
-            <a:rPr lang="id-ID" sz="1100" kern="1200" dirty="0"/>
+            <a:rPr lang="id-ID" sz="1000" kern="1200" dirty="0"/>
             <a:t>AMD ATHLON 64 FX</a:t>
           </a:r>
         </a:p>
         <a:p>
-          <a:pPr marL="0" lvl="0" indent="0" algn="ctr" defTabSz="488950">
+          <a:pPr marL="0" lvl="0" indent="0" algn="ctr" defTabSz="444500">
             <a:lnSpc>
               <a:spcPct val="100000"/>
             </a:lnSpc>
@@ -7894,12 +9292,12 @@
             <a:defRPr cap="all"/>
           </a:pPr>
           <a:r>
-            <a:rPr lang="id-ID" sz="1100" kern="1200" dirty="0"/>
+            <a:rPr lang="id-ID" sz="1000" kern="1200" dirty="0"/>
             <a:t>PROCIE INI MEMILIKI 3 POINT PENTING </a:t>
           </a:r>
         </a:p>
         <a:p>
-          <a:pPr marL="0" lvl="0" indent="0" algn="ctr" defTabSz="488950">
+          <a:pPr marL="0" lvl="0" indent="0" algn="ctr" defTabSz="444500">
             <a:lnSpc>
               <a:spcPct val="100000"/>
             </a:lnSpc>
@@ -7913,12 +9311,12 @@
             <a:defRPr cap="all"/>
           </a:pPr>
           <a:r>
-            <a:rPr lang="id-ID" sz="1100" kern="1200" dirty="0"/>
+            <a:rPr lang="id-ID" sz="1000" kern="1200" dirty="0"/>
             <a:t>1.DAPAT BEKERJA PADA OS 32BIT &amp; 64BIT</a:t>
           </a:r>
         </a:p>
         <a:p>
-          <a:pPr marL="0" lvl="0" indent="0" algn="ctr" defTabSz="488950">
+          <a:pPr marL="0" lvl="0" indent="0" algn="ctr" defTabSz="444500">
             <a:lnSpc>
               <a:spcPct val="100000"/>
             </a:lnSpc>
@@ -7932,12 +9330,12 @@
             <a:defRPr cap="all"/>
           </a:pPr>
           <a:r>
-            <a:rPr lang="id-ID" sz="1100" kern="1200" dirty="0"/>
+            <a:rPr lang="id-ID" sz="1000" kern="1200" dirty="0"/>
             <a:t>2.MENAWARKAN ANTIVIRUS YANG SUDAH DIENCHANCE DAN DAPAT BERJALAN PADA WINDOWS XP SERVICE PACK 2 ATAU XP64</a:t>
           </a:r>
         </a:p>
         <a:p>
-          <a:pPr marL="0" lvl="0" indent="0" algn="ctr" defTabSz="488950">
+          <a:pPr marL="0" lvl="0" indent="0" algn="ctr" defTabSz="444500">
             <a:lnSpc>
               <a:spcPct val="100000"/>
             </a:lnSpc>
@@ -7951,15 +9349,15 @@
             <a:defRPr cap="all"/>
           </a:pPr>
           <a:r>
-            <a:rPr lang="id-ID" sz="1100" kern="1200" dirty="0"/>
+            <a:rPr lang="id-ID" sz="1000" kern="1200" dirty="0"/>
             <a:t>3.COCOK BAGI PC ANTHUSIASM DAN GAMER</a:t>
           </a:r>
-          <a:endParaRPr lang="en-US" sz="1100" kern="1200" dirty="0"/>
+          <a:endParaRPr lang="en-US" sz="1000" kern="1200" dirty="0"/>
         </a:p>
       </dsp:txBody>
       <dsp:txXfrm>
-        <a:off x="6206231" y="1396761"/>
-        <a:ext cx="1743750" cy="2387556"/>
+        <a:off x="7041543" y="2438225"/>
+        <a:ext cx="2981250" cy="1294628"/>
       </dsp:txXfrm>
     </dsp:sp>
   </dsp:spTree>
@@ -8484,14 +9882,14 @@
       </dsp:nvSpPr>
       <dsp:spPr>
         <a:xfrm>
-          <a:off x="1866403" y="20178"/>
-          <a:ext cx="2161687" cy="2161687"/>
+          <a:off x="616949" y="245178"/>
+          <a:ext cx="1818562" cy="1818562"/>
         </a:xfrm>
         <a:prstGeom prst="ellipse">
           <a:avLst/>
         </a:prstGeom>
         <a:solidFill>
-          <a:schemeClr val="accent4"/>
+          <a:schemeClr val="bg1"/>
         </a:solidFill>
         <a:ln>
           <a:noFill/>
@@ -8518,14 +9916,20 @@
       </dsp:nvSpPr>
       <dsp:spPr>
         <a:xfrm>
-          <a:off x="2237329" y="450949"/>
-          <a:ext cx="1240312" cy="1240312"/>
+          <a:off x="730421" y="639114"/>
+          <a:ext cx="865476" cy="1038081"/>
         </a:xfrm>
         <a:prstGeom prst="rect">
           <a:avLst/>
         </a:prstGeom>
         <a:blipFill>
-          <a:blip xmlns:r="http://schemas.openxmlformats.org/officeDocument/2006/relationships" r:embed="rId1"/>
+          <a:blip xmlns:r="http://schemas.openxmlformats.org/officeDocument/2006/relationships" r:embed="rId1">
+            <a:extLst>
+              <a:ext uri="{28A0092B-C50C-407E-A947-70E740481C1C}">
+                <a14:useLocalDpi xmlns:a14="http://schemas.microsoft.com/office/drawing/2010/main" val="0"/>
+              </a:ext>
+            </a:extLst>
+          </a:blip>
           <a:srcRect/>
           <a:stretch>
             <a:fillRect/>
@@ -8559,8 +9963,8 @@
       </dsp:nvSpPr>
       <dsp:spPr>
         <a:xfrm>
-          <a:off x="1175371" y="2855178"/>
-          <a:ext cx="3543750" cy="910722"/>
+          <a:off x="35606" y="2630178"/>
+          <a:ext cx="2981250" cy="910722"/>
         </a:xfrm>
         <a:prstGeom prst="rect">
           <a:avLst/>
@@ -8629,8 +10033,8 @@
         </a:p>
       </dsp:txBody>
       <dsp:txXfrm>
-        <a:off x="1175371" y="2855178"/>
-        <a:ext cx="3543750" cy="910722"/>
+        <a:off x="35606" y="2630178"/>
+        <a:ext cx="2981250" cy="910722"/>
       </dsp:txXfrm>
     </dsp:sp>
     <dsp:sp modelId="{543C18BC-1989-44B2-9862-C670C61D3452}">
@@ -8640,14 +10044,14 @@
       </dsp:nvSpPr>
       <dsp:spPr>
         <a:xfrm>
-          <a:off x="6030309" y="20178"/>
-          <a:ext cx="2161687" cy="2161687"/>
+          <a:off x="4119918" y="245178"/>
+          <a:ext cx="1818562" cy="1818562"/>
         </a:xfrm>
         <a:prstGeom prst="ellipse">
           <a:avLst/>
         </a:prstGeom>
         <a:solidFill>
-          <a:schemeClr val="accent2"/>
+          <a:schemeClr val="bg2"/>
         </a:solidFill>
         <a:ln>
           <a:noFill/>
@@ -8674,17 +10078,23 @@
       </dsp:nvSpPr>
       <dsp:spPr>
         <a:xfrm>
-          <a:off x="6490996" y="480866"/>
-          <a:ext cx="1240312" cy="1240312"/>
+          <a:off x="4275772" y="589464"/>
+          <a:ext cx="899366" cy="1137399"/>
         </a:xfrm>
         <a:prstGeom prst="rect">
           <a:avLst/>
         </a:prstGeom>
-        <a:blipFill>
-          <a:blip xmlns:r="http://schemas.openxmlformats.org/officeDocument/2006/relationships" r:embed="rId2"/>
+        <a:blipFill rotWithShape="1">
+          <a:blip xmlns:r="http://schemas.openxmlformats.org/officeDocument/2006/relationships" r:embed="rId1">
+            <a:extLst>
+              <a:ext uri="{28A0092B-C50C-407E-A947-70E740481C1C}">
+                <a14:useLocalDpi xmlns:a14="http://schemas.microsoft.com/office/drawing/2010/main" val="0"/>
+              </a:ext>
+            </a:extLst>
+          </a:blip>
           <a:srcRect/>
           <a:stretch>
-            <a:fillRect/>
+            <a:fillRect l="-1000" r="-1000"/>
           </a:stretch>
         </a:blipFill>
         <a:ln w="12700" cap="flat" cmpd="sng" algn="ctr">
@@ -8715,8 +10125,8 @@
       </dsp:nvSpPr>
       <dsp:spPr>
         <a:xfrm>
-          <a:off x="5339278" y="2855178"/>
-          <a:ext cx="3543750" cy="910722"/>
+          <a:off x="3538574" y="2630178"/>
+          <a:ext cx="2981250" cy="910722"/>
         </a:xfrm>
         <a:prstGeom prst="rect">
           <a:avLst/>
@@ -8785,8 +10195,690 @@
         </a:p>
       </dsp:txBody>
       <dsp:txXfrm>
-        <a:off x="5339278" y="2855178"/>
-        <a:ext cx="3543750" cy="910722"/>
+        <a:off x="3538574" y="2630178"/>
+        <a:ext cx="2981250" cy="910722"/>
+      </dsp:txXfrm>
+    </dsp:sp>
+    <dsp:sp modelId="{CC89B824-8E5F-45C6-8A47-B0A635BA3D6D}">
+      <dsp:nvSpPr>
+        <dsp:cNvPr id="0" name=""/>
+        <dsp:cNvSpPr/>
+      </dsp:nvSpPr>
+      <dsp:spPr>
+        <a:xfrm flipH="1" flipV="1">
+          <a:off x="8532459" y="624676"/>
+          <a:ext cx="655482" cy="426489"/>
+        </a:xfrm>
+        <a:prstGeom prst="round2DiagRect">
+          <a:avLst>
+            <a:gd name="adj1" fmla="val 29727"/>
+            <a:gd name="adj2" fmla="val 0"/>
+          </a:avLst>
+        </a:prstGeom>
+        <a:solidFill>
+          <a:schemeClr val="accent4">
+            <a:hueOff val="0"/>
+            <a:satOff val="0"/>
+            <a:lumOff val="0"/>
+            <a:alphaOff val="0"/>
+          </a:schemeClr>
+        </a:solidFill>
+        <a:ln>
+          <a:noFill/>
+        </a:ln>
+        <a:effectLst/>
+      </dsp:spPr>
+      <dsp:style>
+        <a:lnRef idx="0">
+          <a:scrgbClr r="0" g="0" b="0"/>
+        </a:lnRef>
+        <a:fillRef idx="1">
+          <a:scrgbClr r="0" g="0" b="0"/>
+        </a:fillRef>
+        <a:effectRef idx="0">
+          <a:scrgbClr r="0" g="0" b="0"/>
+        </a:effectRef>
+        <a:fontRef idx="minor"/>
+      </dsp:style>
+    </dsp:sp>
+    <dsp:sp modelId="{9CFC4F6B-387A-42F9-9222-4918F19FE7D4}">
+      <dsp:nvSpPr>
+        <dsp:cNvPr id="0" name=""/>
+        <dsp:cNvSpPr/>
+      </dsp:nvSpPr>
+      <dsp:spPr>
+        <a:xfrm>
+          <a:off x="8038648" y="639376"/>
+          <a:ext cx="672944" cy="341830"/>
+        </a:xfrm>
+        <a:prstGeom prst="rect">
+          <a:avLst/>
+        </a:prstGeom>
+        <a:solidFill>
+          <a:schemeClr val="bg1">
+            <a:hueOff val="0"/>
+            <a:satOff val="0"/>
+            <a:lumOff val="0"/>
+            <a:alphaOff val="0"/>
+          </a:schemeClr>
+        </a:solidFill>
+        <a:ln w="12700" cap="flat" cmpd="sng" algn="ctr">
+          <a:solidFill>
+            <a:schemeClr val="lt1">
+              <a:alpha val="0"/>
+              <a:hueOff val="0"/>
+              <a:satOff val="0"/>
+              <a:lumOff val="0"/>
+              <a:alphaOff val="0"/>
+            </a:schemeClr>
+          </a:solidFill>
+          <a:prstDash val="solid"/>
+        </a:ln>
+        <a:effectLst/>
+      </dsp:spPr>
+      <dsp:style>
+        <a:lnRef idx="2">
+          <a:scrgbClr r="0" g="0" b="0"/>
+        </a:lnRef>
+        <a:fillRef idx="1">
+          <a:scrgbClr r="0" g="0" b="0"/>
+        </a:fillRef>
+        <a:effectRef idx="0">
+          <a:scrgbClr r="0" g="0" b="0"/>
+        </a:effectRef>
+        <a:fontRef idx="minor">
+          <a:schemeClr val="lt1"/>
+        </a:fontRef>
+      </dsp:style>
+    </dsp:sp>
+    <dsp:sp modelId="{E743FA34-A689-4B15-ACC3-751601F987F4}">
+      <dsp:nvSpPr>
+        <dsp:cNvPr id="0" name=""/>
+        <dsp:cNvSpPr/>
+      </dsp:nvSpPr>
+      <dsp:spPr>
+        <a:xfrm>
+          <a:off x="7041543" y="2282160"/>
+          <a:ext cx="2981250" cy="910722"/>
+        </a:xfrm>
+        <a:prstGeom prst="rect">
+          <a:avLst/>
+        </a:prstGeom>
+        <a:noFill/>
+        <a:ln>
+          <a:noFill/>
+        </a:ln>
+        <a:effectLst/>
+      </dsp:spPr>
+      <dsp:style>
+        <a:lnRef idx="0">
+          <a:scrgbClr r="0" g="0" b="0"/>
+        </a:lnRef>
+        <a:fillRef idx="0">
+          <a:scrgbClr r="0" g="0" b="0"/>
+        </a:fillRef>
+        <a:effectRef idx="0">
+          <a:scrgbClr r="0" g="0" b="0"/>
+        </a:effectRef>
+        <a:fontRef idx="minor"/>
+      </dsp:style>
+      <dsp:txBody>
+        <a:bodyPr spcFirstLastPara="0" vert="horz" wrap="square" lIns="0" tIns="0" rIns="0" bIns="0" numCol="1" spcCol="1270" anchor="t" anchorCtr="0">
+          <a:noAutofit/>
+        </a:bodyPr>
+        <a:lstStyle/>
+        <a:p>
+          <a:pPr marL="0" lvl="0" indent="0" algn="ctr" defTabSz="488950">
+            <a:lnSpc>
+              <a:spcPct val="100000"/>
+            </a:lnSpc>
+            <a:spcBef>
+              <a:spcPct val="0"/>
+            </a:spcBef>
+            <a:spcAft>
+              <a:spcPct val="35000"/>
+            </a:spcAft>
+            <a:buNone/>
+            <a:defRPr cap="all"/>
+          </a:pPr>
+          <a:r>
+            <a:rPr lang="id-ID" sz="1100" kern="1200" dirty="0"/>
+            <a:t>Amd Phenom</a:t>
+          </a:r>
+        </a:p>
+        <a:p>
+          <a:pPr marL="0" lvl="0" indent="0" algn="ctr" defTabSz="488950">
+            <a:lnSpc>
+              <a:spcPct val="100000"/>
+            </a:lnSpc>
+            <a:spcBef>
+              <a:spcPct val="0"/>
+            </a:spcBef>
+            <a:spcAft>
+              <a:spcPct val="35000"/>
+            </a:spcAft>
+            <a:buNone/>
+            <a:defRPr cap="all"/>
+          </a:pPr>
+          <a:r>
+            <a:rPr lang="id-ID" sz="1100" kern="1200" dirty="0"/>
+            <a:t>Procie ini didesaign untuk dekstop komputer, dengan procie quad-core dan speed 2,2 ghz hingga 3,7ghz rilis pada tahun 2008</a:t>
+          </a:r>
+          <a:endParaRPr lang="en-US" sz="1100" kern="1200" dirty="0"/>
+        </a:p>
+      </dsp:txBody>
+      <dsp:txXfrm>
+        <a:off x="7041543" y="2282160"/>
+        <a:ext cx="2981250" cy="910722"/>
+      </dsp:txXfrm>
+    </dsp:sp>
+  </dsp:spTree>
+</dsp:drawing>
+</file>
+
+<file path=ppt/diagrams/drawing6.xml><?xml version="1.0" encoding="utf-8"?>
+<dsp:drawing xmlns:dgm="http://schemas.openxmlformats.org/drawingml/2006/diagram" xmlns:dsp="http://schemas.microsoft.com/office/drawing/2008/diagram" xmlns:a="http://schemas.openxmlformats.org/drawingml/2006/main">
+  <dsp:spTree>
+    <dsp:nvGrpSpPr>
+      <dsp:cNvPr id="0" name=""/>
+      <dsp:cNvGrpSpPr/>
+    </dsp:nvGrpSpPr>
+    <dsp:grpSpPr/>
+    <dsp:sp modelId="{A201D7A7-914C-4D24-8B82-EE40155AB0BE}">
+      <dsp:nvSpPr>
+        <dsp:cNvPr id="0" name=""/>
+        <dsp:cNvSpPr/>
+      </dsp:nvSpPr>
+      <dsp:spPr>
+        <a:xfrm>
+          <a:off x="616713" y="80532"/>
+          <a:ext cx="1818562" cy="1818562"/>
+        </a:xfrm>
+        <a:prstGeom prst="ellipse">
+          <a:avLst/>
+        </a:prstGeom>
+        <a:solidFill>
+          <a:schemeClr val="bg2"/>
+        </a:solidFill>
+        <a:ln>
+          <a:noFill/>
+        </a:ln>
+        <a:effectLst/>
+      </dsp:spPr>
+      <dsp:style>
+        <a:lnRef idx="0">
+          <a:scrgbClr r="0" g="0" b="0"/>
+        </a:lnRef>
+        <a:fillRef idx="1">
+          <a:scrgbClr r="0" g="0" b="0"/>
+        </a:fillRef>
+        <a:effectRef idx="0">
+          <a:scrgbClr r="0" g="0" b="0"/>
+        </a:effectRef>
+        <a:fontRef idx="minor"/>
+      </dsp:style>
+    </dsp:sp>
+    <dsp:sp modelId="{8FA2F131-CD01-4CBD-B7A5-1B9B5E7F0402}">
+      <dsp:nvSpPr>
+        <dsp:cNvPr id="0" name=""/>
+        <dsp:cNvSpPr/>
+      </dsp:nvSpPr>
+      <dsp:spPr>
+        <a:xfrm>
+          <a:off x="1353349" y="594283"/>
+          <a:ext cx="1296878" cy="638511"/>
+        </a:xfrm>
+        <a:prstGeom prst="rect">
+          <a:avLst/>
+        </a:prstGeom>
+        <a:blipFill>
+          <a:blip xmlns:r="http://schemas.openxmlformats.org/officeDocument/2006/relationships" r:embed="rId1">
+            <a:extLst>
+              <a:ext uri="{28A0092B-C50C-407E-A947-70E740481C1C}">
+                <a14:useLocalDpi xmlns:a14="http://schemas.microsoft.com/office/drawing/2010/main" val="0"/>
+              </a:ext>
+            </a:extLst>
+          </a:blip>
+          <a:srcRect/>
+          <a:stretch>
+            <a:fillRect/>
+          </a:stretch>
+        </a:blipFill>
+        <a:ln w="12700" cap="flat" cmpd="sng" algn="ctr">
+          <a:noFill/>
+          <a:prstDash val="solid"/>
+        </a:ln>
+        <a:effectLst/>
+      </dsp:spPr>
+      <dsp:style>
+        <a:lnRef idx="2">
+          <a:scrgbClr r="0" g="0" b="0"/>
+        </a:lnRef>
+        <a:fillRef idx="1">
+          <a:scrgbClr r="0" g="0" b="0"/>
+        </a:fillRef>
+        <a:effectRef idx="0">
+          <a:scrgbClr r="0" g="0" b="0"/>
+        </a:effectRef>
+        <a:fontRef idx="minor">
+          <a:schemeClr val="lt1"/>
+        </a:fontRef>
+      </dsp:style>
+    </dsp:sp>
+    <dsp:sp modelId="{08F4E96D-0DB6-4476-8C51-7CC7EC2F227B}">
+      <dsp:nvSpPr>
+        <dsp:cNvPr id="0" name=""/>
+        <dsp:cNvSpPr/>
+      </dsp:nvSpPr>
+      <dsp:spPr>
+        <a:xfrm>
+          <a:off x="35606" y="2431980"/>
+          <a:ext cx="2981250" cy="1307119"/>
+        </a:xfrm>
+        <a:prstGeom prst="rect">
+          <a:avLst/>
+        </a:prstGeom>
+        <a:noFill/>
+        <a:ln>
+          <a:noFill/>
+        </a:ln>
+        <a:effectLst/>
+      </dsp:spPr>
+      <dsp:style>
+        <a:lnRef idx="0">
+          <a:scrgbClr r="0" g="0" b="0"/>
+        </a:lnRef>
+        <a:fillRef idx="0">
+          <a:scrgbClr r="0" g="0" b="0"/>
+        </a:fillRef>
+        <a:effectRef idx="0">
+          <a:scrgbClr r="0" g="0" b="0"/>
+        </a:effectRef>
+        <a:fontRef idx="minor"/>
+      </dsp:style>
+      <dsp:txBody>
+        <a:bodyPr spcFirstLastPara="0" vert="horz" wrap="square" lIns="0" tIns="0" rIns="0" bIns="0" numCol="1" spcCol="1270" anchor="t" anchorCtr="0">
+          <a:noAutofit/>
+        </a:bodyPr>
+        <a:lstStyle/>
+        <a:p>
+          <a:pPr marL="0" lvl="0" indent="0" algn="ctr" defTabSz="488950">
+            <a:lnSpc>
+              <a:spcPct val="100000"/>
+            </a:lnSpc>
+            <a:spcBef>
+              <a:spcPct val="0"/>
+            </a:spcBef>
+            <a:spcAft>
+              <a:spcPct val="35000"/>
+            </a:spcAft>
+            <a:buNone/>
+            <a:defRPr cap="all"/>
+          </a:pPr>
+          <a:r>
+            <a:rPr lang="id-ID" sz="1100" kern="1200" dirty="0"/>
+            <a:t>AMD A-Series</a:t>
+          </a:r>
+        </a:p>
+        <a:p>
+          <a:pPr marL="0" lvl="0" indent="0" algn="ctr" defTabSz="488950">
+            <a:lnSpc>
+              <a:spcPct val="100000"/>
+            </a:lnSpc>
+            <a:spcBef>
+              <a:spcPct val="0"/>
+            </a:spcBef>
+            <a:spcAft>
+              <a:spcPct val="35000"/>
+            </a:spcAft>
+            <a:buNone/>
+            <a:defRPr cap="all"/>
+          </a:pPr>
+          <a:r>
+            <a:rPr lang="id-ID" sz="1100" kern="1200" dirty="0"/>
+            <a:t>Series ini biasa dikenal sebagai amd apu (accelerated processing unit) dan menjadi procie pertama yang menjadikan gpu dan cpu dalam 1 chip</a:t>
+          </a:r>
+          <a:endParaRPr lang="en-US" sz="1100" kern="1200" dirty="0"/>
+        </a:p>
+      </dsp:txBody>
+      <dsp:txXfrm>
+        <a:off x="35606" y="2431980"/>
+        <a:ext cx="2981250" cy="1307119"/>
+      </dsp:txXfrm>
+    </dsp:sp>
+    <dsp:sp modelId="{543C18BC-1989-44B2-9862-C670C61D3452}">
+      <dsp:nvSpPr>
+        <dsp:cNvPr id="0" name=""/>
+        <dsp:cNvSpPr/>
+      </dsp:nvSpPr>
+      <dsp:spPr>
+        <a:xfrm>
+          <a:off x="4119918" y="46980"/>
+          <a:ext cx="1818562" cy="1818562"/>
+        </a:xfrm>
+        <a:prstGeom prst="ellipse">
+          <a:avLst/>
+        </a:prstGeom>
+        <a:solidFill>
+          <a:schemeClr val="bg1"/>
+        </a:solidFill>
+        <a:ln>
+          <a:noFill/>
+        </a:ln>
+        <a:effectLst/>
+      </dsp:spPr>
+      <dsp:style>
+        <a:lnRef idx="0">
+          <a:scrgbClr r="0" g="0" b="0"/>
+        </a:lnRef>
+        <a:fillRef idx="1">
+          <a:scrgbClr r="0" g="0" b="0"/>
+        </a:fillRef>
+        <a:effectRef idx="0">
+          <a:scrgbClr r="0" g="0" b="0"/>
+        </a:effectRef>
+        <a:fontRef idx="minor"/>
+      </dsp:style>
+    </dsp:sp>
+    <dsp:sp modelId="{E94F35BC-9C76-400A-BBCA-0032259E2E5A}">
+      <dsp:nvSpPr>
+        <dsp:cNvPr id="0" name=""/>
+        <dsp:cNvSpPr/>
+      </dsp:nvSpPr>
+      <dsp:spPr>
+        <a:xfrm>
+          <a:off x="5092257" y="520191"/>
+          <a:ext cx="659744" cy="870120"/>
+        </a:xfrm>
+        <a:prstGeom prst="rect">
+          <a:avLst/>
+        </a:prstGeom>
+        <a:blipFill>
+          <a:blip xmlns:r="http://schemas.openxmlformats.org/officeDocument/2006/relationships" r:embed="rId2">
+            <a:extLst>
+              <a:ext uri="{28A0092B-C50C-407E-A947-70E740481C1C}">
+                <a14:useLocalDpi xmlns:a14="http://schemas.microsoft.com/office/drawing/2010/main" val="0"/>
+              </a:ext>
+            </a:extLst>
+          </a:blip>
+          <a:srcRect/>
+          <a:stretch>
+            <a:fillRect/>
+          </a:stretch>
+        </a:blipFill>
+        <a:ln w="12700" cap="flat" cmpd="sng" algn="ctr">
+          <a:noFill/>
+          <a:prstDash val="solid"/>
+        </a:ln>
+        <a:effectLst/>
+      </dsp:spPr>
+      <dsp:style>
+        <a:lnRef idx="2">
+          <a:scrgbClr r="0" g="0" b="0"/>
+        </a:lnRef>
+        <a:fillRef idx="1">
+          <a:scrgbClr r="0" g="0" b="0"/>
+        </a:fillRef>
+        <a:effectRef idx="0">
+          <a:scrgbClr r="0" g="0" b="0"/>
+        </a:effectRef>
+        <a:fontRef idx="minor">
+          <a:schemeClr val="lt1"/>
+        </a:fontRef>
+      </dsp:style>
+    </dsp:sp>
+    <dsp:sp modelId="{20363298-B2A6-463D-A7BE-F9F67404E389}">
+      <dsp:nvSpPr>
+        <dsp:cNvPr id="0" name=""/>
+        <dsp:cNvSpPr/>
+      </dsp:nvSpPr>
+      <dsp:spPr>
+        <a:xfrm>
+          <a:off x="3538574" y="2431980"/>
+          <a:ext cx="2981250" cy="1307119"/>
+        </a:xfrm>
+        <a:prstGeom prst="rect">
+          <a:avLst/>
+        </a:prstGeom>
+        <a:noFill/>
+        <a:ln>
+          <a:noFill/>
+        </a:ln>
+        <a:effectLst/>
+      </dsp:spPr>
+      <dsp:style>
+        <a:lnRef idx="0">
+          <a:scrgbClr r="0" g="0" b="0"/>
+        </a:lnRef>
+        <a:fillRef idx="0">
+          <a:scrgbClr r="0" g="0" b="0"/>
+        </a:fillRef>
+        <a:effectRef idx="0">
+          <a:scrgbClr r="0" g="0" b="0"/>
+        </a:effectRef>
+        <a:fontRef idx="minor"/>
+      </dsp:style>
+      <dsp:txBody>
+        <a:bodyPr spcFirstLastPara="0" vert="horz" wrap="square" lIns="0" tIns="0" rIns="0" bIns="0" numCol="1" spcCol="1270" anchor="t" anchorCtr="0">
+          <a:noAutofit/>
+        </a:bodyPr>
+        <a:lstStyle/>
+        <a:p>
+          <a:pPr marL="0" lvl="0" indent="0" algn="ctr" defTabSz="488950">
+            <a:lnSpc>
+              <a:spcPct val="100000"/>
+            </a:lnSpc>
+            <a:spcBef>
+              <a:spcPct val="0"/>
+            </a:spcBef>
+            <a:spcAft>
+              <a:spcPct val="35000"/>
+            </a:spcAft>
+            <a:buNone/>
+            <a:defRPr cap="all"/>
+          </a:pPr>
+          <a:r>
+            <a:rPr lang="id-ID" sz="1100" kern="1200" dirty="0"/>
+            <a:t>Amd fx-series</a:t>
+          </a:r>
+        </a:p>
+        <a:p>
+          <a:pPr marL="0" lvl="0" indent="0" algn="ctr" defTabSz="488950">
+            <a:lnSpc>
+              <a:spcPct val="100000"/>
+            </a:lnSpc>
+            <a:spcBef>
+              <a:spcPct val="0"/>
+            </a:spcBef>
+            <a:spcAft>
+              <a:spcPct val="35000"/>
+            </a:spcAft>
+            <a:buNone/>
+            <a:defRPr cap="all"/>
+          </a:pPr>
+          <a:r>
+            <a:rPr lang="id-ID" sz="1100" kern="1200" dirty="0"/>
+            <a:t>Dirancang untuk kinerja komputer yang berat dan gaming,dengan 8 core-nya dan speed clock yang tinggi. Procie ini didasarkan arsitektur series bulldozer dan piledriver</a:t>
+          </a:r>
+          <a:endParaRPr lang="en-US" sz="1100" kern="1200" dirty="0"/>
+        </a:p>
+      </dsp:txBody>
+      <dsp:txXfrm>
+        <a:off x="3538574" y="2431980"/>
+        <a:ext cx="2981250" cy="1307119"/>
+      </dsp:txXfrm>
+    </dsp:sp>
+    <dsp:sp modelId="{CC89B824-8E5F-45C6-8A47-B0A635BA3D6D}">
+      <dsp:nvSpPr>
+        <dsp:cNvPr id="0" name=""/>
+        <dsp:cNvSpPr/>
+      </dsp:nvSpPr>
+      <dsp:spPr>
+        <a:xfrm flipH="1">
+          <a:off x="8407277" y="646108"/>
+          <a:ext cx="249782" cy="954274"/>
+        </a:xfrm>
+        <a:prstGeom prst="round2DiagRect">
+          <a:avLst>
+            <a:gd name="adj1" fmla="val 29727"/>
+            <a:gd name="adj2" fmla="val 0"/>
+          </a:avLst>
+        </a:prstGeom>
+        <a:solidFill>
+          <a:schemeClr val="accent4">
+            <a:hueOff val="0"/>
+            <a:satOff val="0"/>
+            <a:lumOff val="0"/>
+            <a:alphaOff val="0"/>
+          </a:schemeClr>
+        </a:solidFill>
+        <a:ln>
+          <a:noFill/>
+        </a:ln>
+        <a:effectLst/>
+      </dsp:spPr>
+      <dsp:style>
+        <a:lnRef idx="0">
+          <a:scrgbClr r="0" g="0" b="0"/>
+        </a:lnRef>
+        <a:fillRef idx="1">
+          <a:scrgbClr r="0" g="0" b="0"/>
+        </a:fillRef>
+        <a:effectRef idx="0">
+          <a:scrgbClr r="0" g="0" b="0"/>
+        </a:effectRef>
+        <a:fontRef idx="minor"/>
+      </dsp:style>
+    </dsp:sp>
+    <dsp:sp modelId="{9CFC4F6B-387A-42F9-9222-4918F19FE7D4}">
+      <dsp:nvSpPr>
+        <dsp:cNvPr id="0" name=""/>
+        <dsp:cNvSpPr/>
+      </dsp:nvSpPr>
+      <dsp:spPr>
+        <a:xfrm flipV="1">
+          <a:off x="8071537" y="1032419"/>
+          <a:ext cx="99145" cy="132255"/>
+        </a:xfrm>
+        <a:prstGeom prst="rect">
+          <a:avLst/>
+        </a:prstGeom>
+        <a:solidFill>
+          <a:schemeClr val="bg1">
+            <a:hueOff val="0"/>
+            <a:satOff val="0"/>
+            <a:lumOff val="0"/>
+            <a:alphaOff val="0"/>
+          </a:schemeClr>
+        </a:solidFill>
+        <a:ln w="12700" cap="flat" cmpd="sng" algn="ctr">
+          <a:solidFill>
+            <a:schemeClr val="lt1">
+              <a:alpha val="0"/>
+              <a:hueOff val="0"/>
+              <a:satOff val="0"/>
+              <a:lumOff val="0"/>
+              <a:alphaOff val="0"/>
+            </a:schemeClr>
+          </a:solidFill>
+          <a:prstDash val="solid"/>
+        </a:ln>
+        <a:effectLst/>
+      </dsp:spPr>
+      <dsp:style>
+        <a:lnRef idx="2">
+          <a:scrgbClr r="0" g="0" b="0"/>
+        </a:lnRef>
+        <a:fillRef idx="1">
+          <a:scrgbClr r="0" g="0" b="0"/>
+        </a:fillRef>
+        <a:effectRef idx="0">
+          <a:scrgbClr r="0" g="0" b="0"/>
+        </a:effectRef>
+        <a:fontRef idx="minor">
+          <a:schemeClr val="lt1"/>
+        </a:fontRef>
+      </dsp:style>
+    </dsp:sp>
+    <dsp:sp modelId="{E743FA34-A689-4B15-ACC3-751601F987F4}">
+      <dsp:nvSpPr>
+        <dsp:cNvPr id="0" name=""/>
+        <dsp:cNvSpPr/>
+      </dsp:nvSpPr>
+      <dsp:spPr>
+        <a:xfrm>
+          <a:off x="7041543" y="2090604"/>
+          <a:ext cx="2981250" cy="1307119"/>
+        </a:xfrm>
+        <a:prstGeom prst="rect">
+          <a:avLst/>
+        </a:prstGeom>
+        <a:noFill/>
+        <a:ln>
+          <a:noFill/>
+        </a:ln>
+        <a:effectLst/>
+      </dsp:spPr>
+      <dsp:style>
+        <a:lnRef idx="0">
+          <a:scrgbClr r="0" g="0" b="0"/>
+        </a:lnRef>
+        <a:fillRef idx="0">
+          <a:scrgbClr r="0" g="0" b="0"/>
+        </a:fillRef>
+        <a:effectRef idx="0">
+          <a:scrgbClr r="0" g="0" b="0"/>
+        </a:effectRef>
+        <a:fontRef idx="minor"/>
+      </dsp:style>
+      <dsp:txBody>
+        <a:bodyPr spcFirstLastPara="0" vert="horz" wrap="square" lIns="0" tIns="0" rIns="0" bIns="0" numCol="1" spcCol="1270" anchor="t" anchorCtr="0">
+          <a:noAutofit/>
+        </a:bodyPr>
+        <a:lstStyle/>
+        <a:p>
+          <a:pPr marL="0" lvl="0" indent="0" algn="ctr" defTabSz="488950">
+            <a:lnSpc>
+              <a:spcPct val="100000"/>
+            </a:lnSpc>
+            <a:spcBef>
+              <a:spcPct val="0"/>
+            </a:spcBef>
+            <a:spcAft>
+              <a:spcPct val="35000"/>
+            </a:spcAft>
+            <a:buNone/>
+            <a:defRPr cap="all"/>
+          </a:pPr>
+          <a:r>
+            <a:rPr lang="id-ID" sz="1100" kern="1200" dirty="0"/>
+            <a:t>Amd ryzen</a:t>
+          </a:r>
+        </a:p>
+        <a:p>
+          <a:pPr marL="0" lvl="0" indent="0" algn="ctr" defTabSz="488950">
+            <a:lnSpc>
+              <a:spcPct val="100000"/>
+            </a:lnSpc>
+            <a:spcBef>
+              <a:spcPct val="0"/>
+            </a:spcBef>
+            <a:spcAft>
+              <a:spcPct val="35000"/>
+            </a:spcAft>
+            <a:buNone/>
+            <a:defRPr cap="all"/>
+          </a:pPr>
+          <a:r>
+            <a:rPr lang="id-ID" sz="1000" kern="1200" dirty="0"/>
+            <a:t>Procie terbaru yang rilis pada tahun 2017 kemarin, menjadi pengenal awalan arsitektur cpu performa tinggi dari amd. Dengan ipc (intruksi per clock) yang lebih baik dan konsumsi daya yang rendah, procie ini dapat melengkapi semua aspek kinerja</a:t>
+          </a:r>
+          <a:endParaRPr lang="en-US" sz="1000" kern="1200" dirty="0"/>
+        </a:p>
+      </dsp:txBody>
+      <dsp:txXfrm>
+        <a:off x="7041543" y="2090604"/>
+        <a:ext cx="2981250" cy="1307119"/>
       </dsp:txXfrm>
     </dsp:sp>
   </dsp:spTree>
@@ -9928,6 +12020,233 @@
 </dgm:layoutDef>
 </file>
 
+<file path=ppt/diagrams/layout6.xml><?xml version="1.0" encoding="utf-8"?>
+<dgm:layoutDef xmlns:dgm="http://schemas.openxmlformats.org/drawingml/2006/diagram" xmlns:a="http://schemas.openxmlformats.org/drawingml/2006/main" uniqueId="urn:microsoft.com/office/officeart/2018/5/layout/IconLeafLabelList">
+  <dgm:title val="Icon Leaf Label List"/>
+  <dgm:desc val="Use to show non-sequential or grouped chunks of information accompanied by a related visuals. Works best with icons or small pictures with short text captions."/>
+  <dgm:catLst>
+    <dgm:cat type="icon" pri="500"/>
+  </dgm:catLst>
+  <dgm:sampData useDef="1">
+    <dgm:dataModel>
+      <dgm:ptLst/>
+      <dgm:bg/>
+      <dgm:whole/>
+    </dgm:dataModel>
+  </dgm:sampData>
+  <dgm:styleData useDef="1">
+    <dgm:dataModel>
+      <dgm:ptLst/>
+      <dgm:bg/>
+      <dgm:whole/>
+    </dgm:dataModel>
+  </dgm:styleData>
+  <dgm:clrData useDef="1">
+    <dgm:dataModel>
+      <dgm:ptLst/>
+      <dgm:bg/>
+      <dgm:whole/>
+    </dgm:dataModel>
+  </dgm:clrData>
+  <dgm:layoutNode name="root">
+    <dgm:varLst>
+      <dgm:dir/>
+      <dgm:resizeHandles val="exact"/>
+    </dgm:varLst>
+    <dgm:choose name="Name0">
+      <dgm:if name="Name1" axis="self" func="var" arg="dir" op="equ" val="norm">
+        <dgm:alg type="snake">
+          <dgm:param type="grDir" val="tL"/>
+          <dgm:param type="flowDir" val="row"/>
+          <dgm:param type="contDir" val="sameDir"/>
+          <dgm:param type="off" val="ctr"/>
+          <dgm:param type="vertAlign" val="mid"/>
+          <dgm:param type="horzAlign" val="ctr"/>
+        </dgm:alg>
+      </dgm:if>
+      <dgm:else name="Name2">
+        <dgm:alg type="snake">
+          <dgm:param type="grDir" val="tR"/>
+          <dgm:param type="flowDir" val="row"/>
+          <dgm:param type="contDir" val="sameDir"/>
+          <dgm:param type="off" val="ctr"/>
+          <dgm:param type="vertAlign" val="mid"/>
+          <dgm:param type="horzAlign" val="ctr"/>
+        </dgm:alg>
+      </dgm:else>
+    </dgm:choose>
+    <dgm:shape xmlns:r="http://schemas.openxmlformats.org/officeDocument/2006/relationships" r:blip="">
+      <dgm:adjLst/>
+    </dgm:shape>
+    <dgm:presOf/>
+    <dgm:choose name="Name3">
+      <dgm:if name="Name4" axis="ch" ptType="node" func="cnt" op="lte" val="2">
+        <dgm:constrLst>
+          <dgm:constr type="h" for="ch" forName="compNode" refType="h" fact="0.4"/>
+          <dgm:constr type="w" for="ch" forName="compNode" val="100"/>
+          <dgm:constr type="w" for="ch" forName="sibTrans" refType="w" refFor="ch" refForName="compNode" fact="0.175"/>
+          <dgm:constr type="sp" refType="w" refFor="ch" refForName="compNode" op="equ" fact="0.25"/>
+          <dgm:constr type="primFontSz" for="des" ptType="node" op="equ" val="44"/>
+          <dgm:constr type="h" for="des" forName="compNode" op="equ"/>
+          <dgm:constr type="h" for="des" forName="textRect" op="equ"/>
+        </dgm:constrLst>
+      </dgm:if>
+      <dgm:if name="Name5" axis="ch" ptType="node" func="cnt" op="lte" val="3">
+        <dgm:constrLst>
+          <dgm:constr type="h" for="ch" forName="compNode" refType="h" fact="0.4"/>
+          <dgm:constr type="w" for="ch" forName="compNode" val="100"/>
+          <dgm:constr type="w" for="ch" forName="sibTrans" refType="w" refFor="ch" refForName="compNode" fact="0.175"/>
+          <dgm:constr type="sp" refType="w" refFor="ch" refForName="compNode" op="equ" fact="0.25"/>
+          <dgm:constr type="primFontSz" for="des" ptType="node" op="equ" val="40"/>
+          <dgm:constr type="h" for="des" forName="compNode" op="equ"/>
+          <dgm:constr type="h" for="des" forName="textRect" op="equ"/>
+        </dgm:constrLst>
+      </dgm:if>
+      <dgm:if name="Name6" axis="ch" ptType="node" func="cnt" op="lte" val="4">
+        <dgm:constrLst>
+          <dgm:constr type="h" for="ch" forName="compNode" refType="h" fact="0.4"/>
+          <dgm:constr type="w" for="ch" forName="compNode" refType="w"/>
+          <dgm:constr type="w" for="ch" forName="sibTrans" refType="w" refFor="ch" refForName="compNode" fact="0.175"/>
+          <dgm:constr type="sp" refType="w" refFor="ch" refForName="compNode" op="equ" fact="0.25"/>
+          <dgm:constr type="primFontSz" for="des" ptType="node" op="equ" val="32"/>
+          <dgm:constr type="h" for="des" forName="compNode" op="equ"/>
+          <dgm:constr type="h" for="des" forName="textRect" op="equ"/>
+        </dgm:constrLst>
+      </dgm:if>
+      <dgm:else name="Name7">
+        <dgm:constrLst>
+          <dgm:constr type="h" for="ch" forName="compNode" refType="h" fact="0.4"/>
+          <dgm:constr type="w" for="ch" forName="compNode" refType="w"/>
+          <dgm:constr type="w" for="ch" forName="sibTrans" refType="w" refFor="ch" refForName="compNode" fact="0.175"/>
+          <dgm:constr type="sp" refType="w" refFor="ch" refForName="compNode" op="equ" fact="0.25"/>
+          <dgm:constr type="primFontSz" for="des" ptType="node" op="equ" val="24"/>
+          <dgm:constr type="h" for="des" forName="compNode" op="equ"/>
+          <dgm:constr type="h" for="des" forName="textRect" op="equ"/>
+        </dgm:constrLst>
+      </dgm:else>
+    </dgm:choose>
+    <dgm:ruleLst>
+      <dgm:rule type="w" for="ch" forName="compNode" val="50" fact="NaN" max="NaN"/>
+    </dgm:ruleLst>
+    <dgm:forEach name="Name8" axis="ch" ptType="node">
+      <dgm:layoutNode name="compNode">
+        <dgm:alg type="composite"/>
+        <dgm:shape xmlns:r="http://schemas.openxmlformats.org/officeDocument/2006/relationships" r:blip="">
+          <dgm:adjLst/>
+        </dgm:shape>
+        <dgm:presOf axis="self"/>
+        <dgm:constrLst>
+          <dgm:constr type="w" for="ch" forName="iconBgRect" refType="w" fact="0.61"/>
+          <dgm:constr type="h" for="ch" forName="iconBgRect" refType="w" refFor="ch" refForName="iconBgRect"/>
+          <dgm:constr type="t" for="ch" forName="iconBgRect"/>
+          <dgm:constr type="ctrX" for="ch" forName="iconBgRect" refType="w" fact="0.5"/>
+          <dgm:constr type="w" for="ch" forName="iconRect" refType="w" fact="0.35"/>
+          <dgm:constr type="h" for="ch" forName="iconRect" refType="w" refFor="ch" refForName="iconRect"/>
+          <dgm:constr type="ctrX" for="ch" forName="iconRect" refType="ctrX" refFor="ch" refForName="iconBgRect"/>
+          <dgm:constr type="ctrY" for="ch" forName="iconRect" refType="ctrY" refFor="ch" refForName="iconBgRect"/>
+          <dgm:constr type="h" for="ch" forName="spaceRect" refType="w" fact="0.19"/>
+          <dgm:constr type="w" for="ch" forName="spaceRect" refType="w"/>
+          <dgm:constr type="l" for="ch" forName="spaceRect"/>
+          <dgm:constr type="t" for="ch" forName="spaceRect" refType="b" refFor="ch" refForName="iconBgRect"/>
+          <dgm:constr type="h" for="ch" forName="textRect" val="20"/>
+          <dgm:constr type="w" for="ch" forName="textRect" refType="w"/>
+          <dgm:constr type="l" for="ch" forName="textRect"/>
+          <dgm:constr type="t" for="ch" forName="textRect" refType="b" refFor="ch" refForName="spaceRect"/>
+        </dgm:constrLst>
+        <dgm:ruleLst>
+          <dgm:rule type="h" val="INF" fact="NaN" max="NaN"/>
+        </dgm:ruleLst>
+        <dgm:layoutNode name="iconBgRect" styleLbl="bgShp">
+          <dgm:alg type="sp"/>
+          <dgm:shape xmlns:r="http://schemas.openxmlformats.org/officeDocument/2006/relationships" type="round2DiagRect" r:blip="">
+            <dgm:adjLst/>
+            <dgm:extLst>
+              <a:ext uri="{B698B0E9-8C71-41B9-8309-B3DCBF30829C}">
+                <dgm1612:spPr xmlns:dgm1612="http://schemas.microsoft.com/office/drawing/2016/12/diagram">
+                  <a:prstGeom prst="round2DiagRect">
+                    <a:avLst>
+                      <a:gd name="adj1" fmla="val 29727"/>
+                      <a:gd name="adj2" fmla="val 0"/>
+                    </a:avLst>
+                  </a:prstGeom>
+                </dgm1612:spPr>
+              </a:ext>
+            </dgm:extLst>
+          </dgm:shape>
+          <dgm:presOf/>
+          <dgm:constrLst/>
+          <dgm:ruleLst/>
+        </dgm:layoutNode>
+        <dgm:layoutNode name="iconRect" styleLbl="node1">
+          <dgm:alg type="sp"/>
+          <dgm:shape xmlns:r="http://schemas.openxmlformats.org/officeDocument/2006/relationships" type="rect" r:blip="" blipPhldr="1">
+            <dgm:adjLst/>
+          </dgm:shape>
+          <dgm:presOf/>
+          <dgm:constrLst/>
+          <dgm:ruleLst/>
+        </dgm:layoutNode>
+        <dgm:layoutNode name="spaceRect">
+          <dgm:alg type="sp"/>
+          <dgm:shape xmlns:r="http://schemas.openxmlformats.org/officeDocument/2006/relationships" r:blip="">
+            <dgm:adjLst/>
+          </dgm:shape>
+          <dgm:presOf/>
+          <dgm:constrLst/>
+          <dgm:ruleLst/>
+        </dgm:layoutNode>
+        <dgm:layoutNode name="textRect" styleLbl="revTx">
+          <dgm:varLst>
+            <dgm:chMax val="1"/>
+            <dgm:chPref val="1"/>
+          </dgm:varLst>
+          <dgm:alg type="tx">
+            <dgm:param type="txAnchorVert" val="t"/>
+          </dgm:alg>
+          <dgm:shape xmlns:r="http://schemas.openxmlformats.org/officeDocument/2006/relationships" type="rect" r:blip="">
+            <dgm:adjLst/>
+          </dgm:shape>
+          <dgm:presOf axis="self" ptType="node"/>
+          <dgm:constrLst>
+            <dgm:constr type="lMarg"/>
+            <dgm:constr type="rMarg"/>
+            <dgm:constr type="tMarg"/>
+            <dgm:constr type="bMarg"/>
+          </dgm:constrLst>
+          <dgm:ruleLst>
+            <dgm:rule type="primFontSz" val="11" fact="NaN" max="NaN"/>
+            <dgm:rule type="h" val="INF" fact="NaN" max="NaN"/>
+          </dgm:ruleLst>
+        </dgm:layoutNode>
+      </dgm:layoutNode>
+      <dgm:forEach name="Name9" axis="followSib" ptType="sibTrans" cnt="1">
+        <dgm:layoutNode name="sibTrans">
+          <dgm:alg type="sp"/>
+          <dgm:shape xmlns:r="http://schemas.openxmlformats.org/officeDocument/2006/relationships" r:blip="">
+            <dgm:adjLst/>
+          </dgm:shape>
+          <dgm:presOf axis="self"/>
+          <dgm:constrLst/>
+          <dgm:ruleLst/>
+        </dgm:layoutNode>
+      </dgm:forEach>
+    </dgm:forEach>
+  </dgm:layoutNode>
+  <dgm:extLst>
+    <a:ext uri="{68A01E43-0DF5-4B5B-8FA6-DAF915123BFB}">
+      <dgm1612:lstStyle xmlns:dgm1612="http://schemas.microsoft.com/office/drawing/2016/12/diagram">
+        <a:lvl1pPr>
+          <a:lnSpc>
+            <a:spcPct val="100000"/>
+          </a:lnSpc>
+          <a:defRPr cap="all"/>
+        </a:lvl1pPr>
+      </dgm1612:lstStyle>
+    </a:ext>
+  </dgm:extLst>
+</dgm:layoutDef>
+</file>
+
 <file path=ppt/diagrams/quickStyle1.xml><?xml version="1.0" encoding="utf-8"?>
 <dgm:styleDef xmlns:dgm="http://schemas.openxmlformats.org/drawingml/2006/diagram" xmlns:a="http://schemas.openxmlformats.org/drawingml/2006/main" uniqueId="urn:microsoft.com/office/officeart/2005/8/quickstyle/simple1">
   <dgm:title val=""/>
@@ -14065,6 +16384,1040 @@
 </file>
 
 <file path=ppt/diagrams/quickStyle5.xml><?xml version="1.0" encoding="utf-8"?>
+<dgm:styleDef xmlns:dgm="http://schemas.openxmlformats.org/drawingml/2006/diagram" xmlns:a="http://schemas.openxmlformats.org/drawingml/2006/main" uniqueId="urn:microsoft.com/office/officeart/2005/8/quickstyle/simple1">
+  <dgm:title val=""/>
+  <dgm:desc val=""/>
+  <dgm:catLst>
+    <dgm:cat type="simple" pri="10100"/>
+  </dgm:catLst>
+  <dgm:scene3d>
+    <a:camera prst="orthographicFront"/>
+    <a:lightRig rig="threePt" dir="t"/>
+  </dgm:scene3d>
+  <dgm:styleLbl name="node0">
+    <dgm:scene3d>
+      <a:camera prst="orthographicFront"/>
+      <a:lightRig rig="threePt" dir="t"/>
+    </dgm:scene3d>
+    <dgm:sp3d/>
+    <dgm:txPr/>
+    <dgm:style>
+      <a:lnRef idx="2">
+        <a:scrgbClr r="0" g="0" b="0"/>
+      </a:lnRef>
+      <a:fillRef idx="1">
+        <a:scrgbClr r="0" g="0" b="0"/>
+      </a:fillRef>
+      <a:effectRef idx="0">
+        <a:scrgbClr r="0" g="0" b="0"/>
+      </a:effectRef>
+      <a:fontRef idx="minor">
+        <a:schemeClr val="lt1"/>
+      </a:fontRef>
+    </dgm:style>
+  </dgm:styleLbl>
+  <dgm:styleLbl name="lnNode1">
+    <dgm:scene3d>
+      <a:camera prst="orthographicFront"/>
+      <a:lightRig rig="threePt" dir="t"/>
+    </dgm:scene3d>
+    <dgm:sp3d/>
+    <dgm:txPr/>
+    <dgm:style>
+      <a:lnRef idx="2">
+        <a:scrgbClr r="0" g="0" b="0"/>
+      </a:lnRef>
+      <a:fillRef idx="1">
+        <a:scrgbClr r="0" g="0" b="0"/>
+      </a:fillRef>
+      <a:effectRef idx="0">
+        <a:scrgbClr r="0" g="0" b="0"/>
+      </a:effectRef>
+      <a:fontRef idx="minor">
+        <a:schemeClr val="lt1"/>
+      </a:fontRef>
+    </dgm:style>
+  </dgm:styleLbl>
+  <dgm:styleLbl name="vennNode1">
+    <dgm:scene3d>
+      <a:camera prst="orthographicFront"/>
+      <a:lightRig rig="threePt" dir="t"/>
+    </dgm:scene3d>
+    <dgm:sp3d/>
+    <dgm:txPr/>
+    <dgm:style>
+      <a:lnRef idx="2">
+        <a:scrgbClr r="0" g="0" b="0"/>
+      </a:lnRef>
+      <a:fillRef idx="1">
+        <a:scrgbClr r="0" g="0" b="0"/>
+      </a:fillRef>
+      <a:effectRef idx="0">
+        <a:scrgbClr r="0" g="0" b="0"/>
+      </a:effectRef>
+      <a:fontRef idx="minor">
+        <a:schemeClr val="tx1"/>
+      </a:fontRef>
+    </dgm:style>
+  </dgm:styleLbl>
+  <dgm:styleLbl name="alignNode1">
+    <dgm:scene3d>
+      <a:camera prst="orthographicFront"/>
+      <a:lightRig rig="threePt" dir="t"/>
+    </dgm:scene3d>
+    <dgm:sp3d/>
+    <dgm:txPr/>
+    <dgm:style>
+      <a:lnRef idx="2">
+        <a:scrgbClr r="0" g="0" b="0"/>
+      </a:lnRef>
+      <a:fillRef idx="1">
+        <a:scrgbClr r="0" g="0" b="0"/>
+      </a:fillRef>
+      <a:effectRef idx="0">
+        <a:scrgbClr r="0" g="0" b="0"/>
+      </a:effectRef>
+      <a:fontRef idx="minor">
+        <a:schemeClr val="lt1"/>
+      </a:fontRef>
+    </dgm:style>
+  </dgm:styleLbl>
+  <dgm:styleLbl name="node1">
+    <dgm:scene3d>
+      <a:camera prst="orthographicFront"/>
+      <a:lightRig rig="threePt" dir="t"/>
+    </dgm:scene3d>
+    <dgm:sp3d/>
+    <dgm:txPr/>
+    <dgm:style>
+      <a:lnRef idx="2">
+        <a:scrgbClr r="0" g="0" b="0"/>
+      </a:lnRef>
+      <a:fillRef idx="1">
+        <a:scrgbClr r="0" g="0" b="0"/>
+      </a:fillRef>
+      <a:effectRef idx="0">
+        <a:scrgbClr r="0" g="0" b="0"/>
+      </a:effectRef>
+      <a:fontRef idx="minor">
+        <a:schemeClr val="lt1"/>
+      </a:fontRef>
+    </dgm:style>
+  </dgm:styleLbl>
+  <dgm:styleLbl name="node2">
+    <dgm:scene3d>
+      <a:camera prst="orthographicFront"/>
+      <a:lightRig rig="threePt" dir="t"/>
+    </dgm:scene3d>
+    <dgm:sp3d/>
+    <dgm:txPr/>
+    <dgm:style>
+      <a:lnRef idx="2">
+        <a:scrgbClr r="0" g="0" b="0"/>
+      </a:lnRef>
+      <a:fillRef idx="1">
+        <a:scrgbClr r="0" g="0" b="0"/>
+      </a:fillRef>
+      <a:effectRef idx="0">
+        <a:scrgbClr r="0" g="0" b="0"/>
+      </a:effectRef>
+      <a:fontRef idx="minor">
+        <a:schemeClr val="lt1"/>
+      </a:fontRef>
+    </dgm:style>
+  </dgm:styleLbl>
+  <dgm:styleLbl name="node3">
+    <dgm:scene3d>
+      <a:camera prst="orthographicFront"/>
+      <a:lightRig rig="threePt" dir="t"/>
+    </dgm:scene3d>
+    <dgm:sp3d/>
+    <dgm:txPr/>
+    <dgm:style>
+      <a:lnRef idx="2">
+        <a:scrgbClr r="0" g="0" b="0"/>
+      </a:lnRef>
+      <a:fillRef idx="1">
+        <a:scrgbClr r="0" g="0" b="0"/>
+      </a:fillRef>
+      <a:effectRef idx="0">
+        <a:scrgbClr r="0" g="0" b="0"/>
+      </a:effectRef>
+      <a:fontRef idx="minor">
+        <a:schemeClr val="lt1"/>
+      </a:fontRef>
+    </dgm:style>
+  </dgm:styleLbl>
+  <dgm:styleLbl name="node4">
+    <dgm:scene3d>
+      <a:camera prst="orthographicFront"/>
+      <a:lightRig rig="threePt" dir="t"/>
+    </dgm:scene3d>
+    <dgm:sp3d/>
+    <dgm:txPr/>
+    <dgm:style>
+      <a:lnRef idx="2">
+        <a:scrgbClr r="0" g="0" b="0"/>
+      </a:lnRef>
+      <a:fillRef idx="1">
+        <a:scrgbClr r="0" g="0" b="0"/>
+      </a:fillRef>
+      <a:effectRef idx="0">
+        <a:scrgbClr r="0" g="0" b="0"/>
+      </a:effectRef>
+      <a:fontRef idx="minor">
+        <a:schemeClr val="lt1"/>
+      </a:fontRef>
+    </dgm:style>
+  </dgm:styleLbl>
+  <dgm:styleLbl name="fgImgPlace1">
+    <dgm:scene3d>
+      <a:camera prst="orthographicFront"/>
+      <a:lightRig rig="threePt" dir="t"/>
+    </dgm:scene3d>
+    <dgm:sp3d/>
+    <dgm:txPr/>
+    <dgm:style>
+      <a:lnRef idx="2">
+        <a:scrgbClr r="0" g="0" b="0"/>
+      </a:lnRef>
+      <a:fillRef idx="1">
+        <a:scrgbClr r="0" g="0" b="0"/>
+      </a:fillRef>
+      <a:effectRef idx="0">
+        <a:scrgbClr r="0" g="0" b="0"/>
+      </a:effectRef>
+      <a:fontRef idx="minor"/>
+    </dgm:style>
+  </dgm:styleLbl>
+  <dgm:styleLbl name="alignImgPlace1">
+    <dgm:scene3d>
+      <a:camera prst="orthographicFront"/>
+      <a:lightRig rig="threePt" dir="t"/>
+    </dgm:scene3d>
+    <dgm:sp3d/>
+    <dgm:txPr/>
+    <dgm:style>
+      <a:lnRef idx="2">
+        <a:scrgbClr r="0" g="0" b="0"/>
+      </a:lnRef>
+      <a:fillRef idx="1">
+        <a:scrgbClr r="0" g="0" b="0"/>
+      </a:fillRef>
+      <a:effectRef idx="0">
+        <a:scrgbClr r="0" g="0" b="0"/>
+      </a:effectRef>
+      <a:fontRef idx="minor"/>
+    </dgm:style>
+  </dgm:styleLbl>
+  <dgm:styleLbl name="bgImgPlace1">
+    <dgm:scene3d>
+      <a:camera prst="orthographicFront"/>
+      <a:lightRig rig="threePt" dir="t"/>
+    </dgm:scene3d>
+    <dgm:sp3d/>
+    <dgm:txPr/>
+    <dgm:style>
+      <a:lnRef idx="2">
+        <a:scrgbClr r="0" g="0" b="0"/>
+      </a:lnRef>
+      <a:fillRef idx="1">
+        <a:scrgbClr r="0" g="0" b="0"/>
+      </a:fillRef>
+      <a:effectRef idx="0">
+        <a:scrgbClr r="0" g="0" b="0"/>
+      </a:effectRef>
+      <a:fontRef idx="minor"/>
+    </dgm:style>
+  </dgm:styleLbl>
+  <dgm:styleLbl name="sibTrans2D1">
+    <dgm:scene3d>
+      <a:camera prst="orthographicFront"/>
+      <a:lightRig rig="threePt" dir="t"/>
+    </dgm:scene3d>
+    <dgm:sp3d/>
+    <dgm:txPr/>
+    <dgm:style>
+      <a:lnRef idx="0">
+        <a:scrgbClr r="0" g="0" b="0"/>
+      </a:lnRef>
+      <a:fillRef idx="1">
+        <a:scrgbClr r="0" g="0" b="0"/>
+      </a:fillRef>
+      <a:effectRef idx="0">
+        <a:scrgbClr r="0" g="0" b="0"/>
+      </a:effectRef>
+      <a:fontRef idx="minor">
+        <a:schemeClr val="lt1"/>
+      </a:fontRef>
+    </dgm:style>
+  </dgm:styleLbl>
+  <dgm:styleLbl name="fgSibTrans2D1">
+    <dgm:scene3d>
+      <a:camera prst="orthographicFront"/>
+      <a:lightRig rig="threePt" dir="t"/>
+    </dgm:scene3d>
+    <dgm:sp3d/>
+    <dgm:txPr/>
+    <dgm:style>
+      <a:lnRef idx="0">
+        <a:scrgbClr r="0" g="0" b="0"/>
+      </a:lnRef>
+      <a:fillRef idx="1">
+        <a:scrgbClr r="0" g="0" b="0"/>
+      </a:fillRef>
+      <a:effectRef idx="0">
+        <a:scrgbClr r="0" g="0" b="0"/>
+      </a:effectRef>
+      <a:fontRef idx="minor">
+        <a:schemeClr val="lt1"/>
+      </a:fontRef>
+    </dgm:style>
+  </dgm:styleLbl>
+  <dgm:styleLbl name="bgSibTrans2D1">
+    <dgm:scene3d>
+      <a:camera prst="orthographicFront"/>
+      <a:lightRig rig="threePt" dir="t"/>
+    </dgm:scene3d>
+    <dgm:sp3d/>
+    <dgm:txPr/>
+    <dgm:style>
+      <a:lnRef idx="0">
+        <a:scrgbClr r="0" g="0" b="0"/>
+      </a:lnRef>
+      <a:fillRef idx="1">
+        <a:scrgbClr r="0" g="0" b="0"/>
+      </a:fillRef>
+      <a:effectRef idx="0">
+        <a:scrgbClr r="0" g="0" b="0"/>
+      </a:effectRef>
+      <a:fontRef idx="minor">
+        <a:schemeClr val="lt1"/>
+      </a:fontRef>
+    </dgm:style>
+  </dgm:styleLbl>
+  <dgm:styleLbl name="sibTrans1D1">
+    <dgm:scene3d>
+      <a:camera prst="orthographicFront"/>
+      <a:lightRig rig="threePt" dir="t"/>
+    </dgm:scene3d>
+    <dgm:sp3d/>
+    <dgm:txPr/>
+    <dgm:style>
+      <a:lnRef idx="1">
+        <a:scrgbClr r="0" g="0" b="0"/>
+      </a:lnRef>
+      <a:fillRef idx="0">
+        <a:scrgbClr r="0" g="0" b="0"/>
+      </a:fillRef>
+      <a:effectRef idx="0">
+        <a:scrgbClr r="0" g="0" b="0"/>
+      </a:effectRef>
+      <a:fontRef idx="minor"/>
+    </dgm:style>
+  </dgm:styleLbl>
+  <dgm:styleLbl name="callout">
+    <dgm:scene3d>
+      <a:camera prst="orthographicFront"/>
+      <a:lightRig rig="threePt" dir="t"/>
+    </dgm:scene3d>
+    <dgm:sp3d/>
+    <dgm:txPr/>
+    <dgm:style>
+      <a:lnRef idx="2">
+        <a:scrgbClr r="0" g="0" b="0"/>
+      </a:lnRef>
+      <a:fillRef idx="1">
+        <a:scrgbClr r="0" g="0" b="0"/>
+      </a:fillRef>
+      <a:effectRef idx="0">
+        <a:scrgbClr r="0" g="0" b="0"/>
+      </a:effectRef>
+      <a:fontRef idx="minor"/>
+    </dgm:style>
+  </dgm:styleLbl>
+  <dgm:styleLbl name="asst0">
+    <dgm:scene3d>
+      <a:camera prst="orthographicFront"/>
+      <a:lightRig rig="threePt" dir="t"/>
+    </dgm:scene3d>
+    <dgm:sp3d/>
+    <dgm:txPr/>
+    <dgm:style>
+      <a:lnRef idx="2">
+        <a:scrgbClr r="0" g="0" b="0"/>
+      </a:lnRef>
+      <a:fillRef idx="1">
+        <a:scrgbClr r="0" g="0" b="0"/>
+      </a:fillRef>
+      <a:effectRef idx="0">
+        <a:scrgbClr r="0" g="0" b="0"/>
+      </a:effectRef>
+      <a:fontRef idx="minor">
+        <a:schemeClr val="lt1"/>
+      </a:fontRef>
+    </dgm:style>
+  </dgm:styleLbl>
+  <dgm:styleLbl name="asst1">
+    <dgm:scene3d>
+      <a:camera prst="orthographicFront"/>
+      <a:lightRig rig="threePt" dir="t"/>
+    </dgm:scene3d>
+    <dgm:sp3d/>
+    <dgm:txPr/>
+    <dgm:style>
+      <a:lnRef idx="2">
+        <a:scrgbClr r="0" g="0" b="0"/>
+      </a:lnRef>
+      <a:fillRef idx="1">
+        <a:scrgbClr r="0" g="0" b="0"/>
+      </a:fillRef>
+      <a:effectRef idx="0">
+        <a:scrgbClr r="0" g="0" b="0"/>
+      </a:effectRef>
+      <a:fontRef idx="minor">
+        <a:schemeClr val="lt1"/>
+      </a:fontRef>
+    </dgm:style>
+  </dgm:styleLbl>
+  <dgm:styleLbl name="asst2">
+    <dgm:scene3d>
+      <a:camera prst="orthographicFront"/>
+      <a:lightRig rig="threePt" dir="t"/>
+    </dgm:scene3d>
+    <dgm:sp3d/>
+    <dgm:txPr/>
+    <dgm:style>
+      <a:lnRef idx="2">
+        <a:scrgbClr r="0" g="0" b="0"/>
+      </a:lnRef>
+      <a:fillRef idx="1">
+        <a:scrgbClr r="0" g="0" b="0"/>
+      </a:fillRef>
+      <a:effectRef idx="0">
+        <a:scrgbClr r="0" g="0" b="0"/>
+      </a:effectRef>
+      <a:fontRef idx="minor">
+        <a:schemeClr val="lt1"/>
+      </a:fontRef>
+    </dgm:style>
+  </dgm:styleLbl>
+  <dgm:styleLbl name="asst3">
+    <dgm:scene3d>
+      <a:camera prst="orthographicFront"/>
+      <a:lightRig rig="threePt" dir="t"/>
+    </dgm:scene3d>
+    <dgm:sp3d/>
+    <dgm:txPr/>
+    <dgm:style>
+      <a:lnRef idx="2">
+        <a:scrgbClr r="0" g="0" b="0"/>
+      </a:lnRef>
+      <a:fillRef idx="1">
+        <a:scrgbClr r="0" g="0" b="0"/>
+      </a:fillRef>
+      <a:effectRef idx="0">
+        <a:scrgbClr r="0" g="0" b="0"/>
+      </a:effectRef>
+      <a:fontRef idx="minor">
+        <a:schemeClr val="lt1"/>
+      </a:fontRef>
+    </dgm:style>
+  </dgm:styleLbl>
+  <dgm:styleLbl name="asst4">
+    <dgm:scene3d>
+      <a:camera prst="orthographicFront"/>
+      <a:lightRig rig="threePt" dir="t"/>
+    </dgm:scene3d>
+    <dgm:sp3d/>
+    <dgm:txPr/>
+    <dgm:style>
+      <a:lnRef idx="2">
+        <a:scrgbClr r="0" g="0" b="0"/>
+      </a:lnRef>
+      <a:fillRef idx="1">
+        <a:scrgbClr r="0" g="0" b="0"/>
+      </a:fillRef>
+      <a:effectRef idx="0">
+        <a:scrgbClr r="0" g="0" b="0"/>
+      </a:effectRef>
+      <a:fontRef idx="minor">
+        <a:schemeClr val="lt1"/>
+      </a:fontRef>
+    </dgm:style>
+  </dgm:styleLbl>
+  <dgm:styleLbl name="parChTrans2D1">
+    <dgm:scene3d>
+      <a:camera prst="orthographicFront"/>
+      <a:lightRig rig="threePt" dir="t"/>
+    </dgm:scene3d>
+    <dgm:sp3d/>
+    <dgm:txPr/>
+    <dgm:style>
+      <a:lnRef idx="2">
+        <a:scrgbClr r="0" g="0" b="0"/>
+      </a:lnRef>
+      <a:fillRef idx="1">
+        <a:scrgbClr r="0" g="0" b="0"/>
+      </a:fillRef>
+      <a:effectRef idx="0">
+        <a:scrgbClr r="0" g="0" b="0"/>
+      </a:effectRef>
+      <a:fontRef idx="minor">
+        <a:schemeClr val="lt1"/>
+      </a:fontRef>
+    </dgm:style>
+  </dgm:styleLbl>
+  <dgm:styleLbl name="parChTrans2D2">
+    <dgm:scene3d>
+      <a:camera prst="orthographicFront"/>
+      <a:lightRig rig="threePt" dir="t"/>
+    </dgm:scene3d>
+    <dgm:sp3d/>
+    <dgm:txPr/>
+    <dgm:style>
+      <a:lnRef idx="2">
+        <a:scrgbClr r="0" g="0" b="0"/>
+      </a:lnRef>
+      <a:fillRef idx="1">
+        <a:scrgbClr r="0" g="0" b="0"/>
+      </a:fillRef>
+      <a:effectRef idx="0">
+        <a:scrgbClr r="0" g="0" b="0"/>
+      </a:effectRef>
+      <a:fontRef idx="minor">
+        <a:schemeClr val="lt1"/>
+      </a:fontRef>
+    </dgm:style>
+  </dgm:styleLbl>
+  <dgm:styleLbl name="parChTrans2D3">
+    <dgm:scene3d>
+      <a:camera prst="orthographicFront"/>
+      <a:lightRig rig="threePt" dir="t"/>
+    </dgm:scene3d>
+    <dgm:sp3d/>
+    <dgm:txPr/>
+    <dgm:style>
+      <a:lnRef idx="2">
+        <a:scrgbClr r="0" g="0" b="0"/>
+      </a:lnRef>
+      <a:fillRef idx="1">
+        <a:scrgbClr r="0" g="0" b="0"/>
+      </a:fillRef>
+      <a:effectRef idx="0">
+        <a:scrgbClr r="0" g="0" b="0"/>
+      </a:effectRef>
+      <a:fontRef idx="minor">
+        <a:schemeClr val="lt1"/>
+      </a:fontRef>
+    </dgm:style>
+  </dgm:styleLbl>
+  <dgm:styleLbl name="parChTrans2D4">
+    <dgm:scene3d>
+      <a:camera prst="orthographicFront"/>
+      <a:lightRig rig="threePt" dir="t"/>
+    </dgm:scene3d>
+    <dgm:sp3d/>
+    <dgm:txPr/>
+    <dgm:style>
+      <a:lnRef idx="2">
+        <a:scrgbClr r="0" g="0" b="0"/>
+      </a:lnRef>
+      <a:fillRef idx="1">
+        <a:scrgbClr r="0" g="0" b="0"/>
+      </a:fillRef>
+      <a:effectRef idx="0">
+        <a:scrgbClr r="0" g="0" b="0"/>
+      </a:effectRef>
+      <a:fontRef idx="minor">
+        <a:schemeClr val="lt1"/>
+      </a:fontRef>
+    </dgm:style>
+  </dgm:styleLbl>
+  <dgm:styleLbl name="parChTrans1D1">
+    <dgm:scene3d>
+      <a:camera prst="orthographicFront"/>
+      <a:lightRig rig="threePt" dir="t"/>
+    </dgm:scene3d>
+    <dgm:sp3d/>
+    <dgm:txPr/>
+    <dgm:style>
+      <a:lnRef idx="2">
+        <a:scrgbClr r="0" g="0" b="0"/>
+      </a:lnRef>
+      <a:fillRef idx="0">
+        <a:scrgbClr r="0" g="0" b="0"/>
+      </a:fillRef>
+      <a:effectRef idx="0">
+        <a:scrgbClr r="0" g="0" b="0"/>
+      </a:effectRef>
+      <a:fontRef idx="minor"/>
+    </dgm:style>
+  </dgm:styleLbl>
+  <dgm:styleLbl name="parChTrans1D2">
+    <dgm:scene3d>
+      <a:camera prst="orthographicFront"/>
+      <a:lightRig rig="threePt" dir="t"/>
+    </dgm:scene3d>
+    <dgm:sp3d/>
+    <dgm:txPr/>
+    <dgm:style>
+      <a:lnRef idx="2">
+        <a:scrgbClr r="0" g="0" b="0"/>
+      </a:lnRef>
+      <a:fillRef idx="0">
+        <a:scrgbClr r="0" g="0" b="0"/>
+      </a:fillRef>
+      <a:effectRef idx="0">
+        <a:scrgbClr r="0" g="0" b="0"/>
+      </a:effectRef>
+      <a:fontRef idx="minor"/>
+    </dgm:style>
+  </dgm:styleLbl>
+  <dgm:styleLbl name="parChTrans1D3">
+    <dgm:scene3d>
+      <a:camera prst="orthographicFront"/>
+      <a:lightRig rig="threePt" dir="t"/>
+    </dgm:scene3d>
+    <dgm:sp3d/>
+    <dgm:txPr/>
+    <dgm:style>
+      <a:lnRef idx="2">
+        <a:scrgbClr r="0" g="0" b="0"/>
+      </a:lnRef>
+      <a:fillRef idx="0">
+        <a:scrgbClr r="0" g="0" b="0"/>
+      </a:fillRef>
+      <a:effectRef idx="0">
+        <a:scrgbClr r="0" g="0" b="0"/>
+      </a:effectRef>
+      <a:fontRef idx="minor"/>
+    </dgm:style>
+  </dgm:styleLbl>
+  <dgm:styleLbl name="parChTrans1D4">
+    <dgm:scene3d>
+      <a:camera prst="orthographicFront"/>
+      <a:lightRig rig="threePt" dir="t"/>
+    </dgm:scene3d>
+    <dgm:sp3d/>
+    <dgm:txPr/>
+    <dgm:style>
+      <a:lnRef idx="2">
+        <a:scrgbClr r="0" g="0" b="0"/>
+      </a:lnRef>
+      <a:fillRef idx="0">
+        <a:scrgbClr r="0" g="0" b="0"/>
+      </a:fillRef>
+      <a:effectRef idx="0">
+        <a:scrgbClr r="0" g="0" b="0"/>
+      </a:effectRef>
+      <a:fontRef idx="minor"/>
+    </dgm:style>
+  </dgm:styleLbl>
+  <dgm:styleLbl name="fgAcc1">
+    <dgm:scene3d>
+      <a:camera prst="orthographicFront"/>
+      <a:lightRig rig="threePt" dir="t"/>
+    </dgm:scene3d>
+    <dgm:sp3d/>
+    <dgm:txPr/>
+    <dgm:style>
+      <a:lnRef idx="2">
+        <a:scrgbClr r="0" g="0" b="0"/>
+      </a:lnRef>
+      <a:fillRef idx="1">
+        <a:scrgbClr r="0" g="0" b="0"/>
+      </a:fillRef>
+      <a:effectRef idx="0">
+        <a:scrgbClr r="0" g="0" b="0"/>
+      </a:effectRef>
+      <a:fontRef idx="minor"/>
+    </dgm:style>
+  </dgm:styleLbl>
+  <dgm:styleLbl name="conFgAcc1">
+    <dgm:scene3d>
+      <a:camera prst="orthographicFront"/>
+      <a:lightRig rig="threePt" dir="t"/>
+    </dgm:scene3d>
+    <dgm:sp3d/>
+    <dgm:txPr/>
+    <dgm:style>
+      <a:lnRef idx="2">
+        <a:scrgbClr r="0" g="0" b="0"/>
+      </a:lnRef>
+      <a:fillRef idx="1">
+        <a:scrgbClr r="0" g="0" b="0"/>
+      </a:fillRef>
+      <a:effectRef idx="0">
+        <a:scrgbClr r="0" g="0" b="0"/>
+      </a:effectRef>
+      <a:fontRef idx="minor"/>
+    </dgm:style>
+  </dgm:styleLbl>
+  <dgm:styleLbl name="alignAcc1">
+    <dgm:scene3d>
+      <a:camera prst="orthographicFront"/>
+      <a:lightRig rig="threePt" dir="t"/>
+    </dgm:scene3d>
+    <dgm:sp3d/>
+    <dgm:txPr/>
+    <dgm:style>
+      <a:lnRef idx="2">
+        <a:scrgbClr r="0" g="0" b="0"/>
+      </a:lnRef>
+      <a:fillRef idx="1">
+        <a:scrgbClr r="0" g="0" b="0"/>
+      </a:fillRef>
+      <a:effectRef idx="0">
+        <a:scrgbClr r="0" g="0" b="0"/>
+      </a:effectRef>
+      <a:fontRef idx="minor"/>
+    </dgm:style>
+  </dgm:styleLbl>
+  <dgm:styleLbl name="trAlignAcc1">
+    <dgm:scene3d>
+      <a:camera prst="orthographicFront"/>
+      <a:lightRig rig="threePt" dir="t"/>
+    </dgm:scene3d>
+    <dgm:sp3d/>
+    <dgm:txPr/>
+    <dgm:style>
+      <a:lnRef idx="1">
+        <a:scrgbClr r="0" g="0" b="0"/>
+      </a:lnRef>
+      <a:fillRef idx="1">
+        <a:scrgbClr r="0" g="0" b="0"/>
+      </a:fillRef>
+      <a:effectRef idx="0">
+        <a:scrgbClr r="0" g="0" b="0"/>
+      </a:effectRef>
+      <a:fontRef idx="minor"/>
+    </dgm:style>
+  </dgm:styleLbl>
+  <dgm:styleLbl name="bgAcc1">
+    <dgm:scene3d>
+      <a:camera prst="orthographicFront"/>
+      <a:lightRig rig="threePt" dir="t"/>
+    </dgm:scene3d>
+    <dgm:sp3d/>
+    <dgm:txPr/>
+    <dgm:style>
+      <a:lnRef idx="2">
+        <a:scrgbClr r="0" g="0" b="0"/>
+      </a:lnRef>
+      <a:fillRef idx="1">
+        <a:scrgbClr r="0" g="0" b="0"/>
+      </a:fillRef>
+      <a:effectRef idx="0">
+        <a:scrgbClr r="0" g="0" b="0"/>
+      </a:effectRef>
+      <a:fontRef idx="minor"/>
+    </dgm:style>
+  </dgm:styleLbl>
+  <dgm:styleLbl name="solidFgAcc1">
+    <dgm:scene3d>
+      <a:camera prst="orthographicFront"/>
+      <a:lightRig rig="threePt" dir="t"/>
+    </dgm:scene3d>
+    <dgm:sp3d/>
+    <dgm:txPr/>
+    <dgm:style>
+      <a:lnRef idx="2">
+        <a:scrgbClr r="0" g="0" b="0"/>
+      </a:lnRef>
+      <a:fillRef idx="1">
+        <a:scrgbClr r="0" g="0" b="0"/>
+      </a:fillRef>
+      <a:effectRef idx="0">
+        <a:scrgbClr r="0" g="0" b="0"/>
+      </a:effectRef>
+      <a:fontRef idx="minor"/>
+    </dgm:style>
+  </dgm:styleLbl>
+  <dgm:styleLbl name="solidAlignAcc1">
+    <dgm:scene3d>
+      <a:camera prst="orthographicFront"/>
+      <a:lightRig rig="threePt" dir="t"/>
+    </dgm:scene3d>
+    <dgm:sp3d/>
+    <dgm:txPr/>
+    <dgm:style>
+      <a:lnRef idx="2">
+        <a:scrgbClr r="0" g="0" b="0"/>
+      </a:lnRef>
+      <a:fillRef idx="1">
+        <a:scrgbClr r="0" g="0" b="0"/>
+      </a:fillRef>
+      <a:effectRef idx="0">
+        <a:scrgbClr r="0" g="0" b="0"/>
+      </a:effectRef>
+      <a:fontRef idx="minor"/>
+    </dgm:style>
+  </dgm:styleLbl>
+  <dgm:styleLbl name="solidBgAcc1">
+    <dgm:scene3d>
+      <a:camera prst="orthographicFront"/>
+      <a:lightRig rig="threePt" dir="t"/>
+    </dgm:scene3d>
+    <dgm:sp3d/>
+    <dgm:txPr/>
+    <dgm:style>
+      <a:lnRef idx="2">
+        <a:scrgbClr r="0" g="0" b="0"/>
+      </a:lnRef>
+      <a:fillRef idx="1">
+        <a:scrgbClr r="0" g="0" b="0"/>
+      </a:fillRef>
+      <a:effectRef idx="0">
+        <a:scrgbClr r="0" g="0" b="0"/>
+      </a:effectRef>
+      <a:fontRef idx="minor"/>
+    </dgm:style>
+  </dgm:styleLbl>
+  <dgm:styleLbl name="fgAccFollowNode1">
+    <dgm:scene3d>
+      <a:camera prst="orthographicFront"/>
+      <a:lightRig rig="threePt" dir="t"/>
+    </dgm:scene3d>
+    <dgm:sp3d/>
+    <dgm:txPr/>
+    <dgm:style>
+      <a:lnRef idx="2">
+        <a:scrgbClr r="0" g="0" b="0"/>
+      </a:lnRef>
+      <a:fillRef idx="1">
+        <a:scrgbClr r="0" g="0" b="0"/>
+      </a:fillRef>
+      <a:effectRef idx="0">
+        <a:scrgbClr r="0" g="0" b="0"/>
+      </a:effectRef>
+      <a:fontRef idx="minor"/>
+    </dgm:style>
+  </dgm:styleLbl>
+  <dgm:styleLbl name="alignAccFollowNode1">
+    <dgm:scene3d>
+      <a:camera prst="orthographicFront"/>
+      <a:lightRig rig="threePt" dir="t"/>
+    </dgm:scene3d>
+    <dgm:sp3d/>
+    <dgm:txPr/>
+    <dgm:style>
+      <a:lnRef idx="2">
+        <a:scrgbClr r="0" g="0" b="0"/>
+      </a:lnRef>
+      <a:fillRef idx="1">
+        <a:scrgbClr r="0" g="0" b="0"/>
+      </a:fillRef>
+      <a:effectRef idx="0">
+        <a:scrgbClr r="0" g="0" b="0"/>
+      </a:effectRef>
+      <a:fontRef idx="minor"/>
+    </dgm:style>
+  </dgm:styleLbl>
+  <dgm:styleLbl name="bgAccFollowNode1">
+    <dgm:scene3d>
+      <a:camera prst="orthographicFront"/>
+      <a:lightRig rig="threePt" dir="t"/>
+    </dgm:scene3d>
+    <dgm:sp3d/>
+    <dgm:txPr/>
+    <dgm:style>
+      <a:lnRef idx="2">
+        <a:scrgbClr r="0" g="0" b="0"/>
+      </a:lnRef>
+      <a:fillRef idx="1">
+        <a:scrgbClr r="0" g="0" b="0"/>
+      </a:fillRef>
+      <a:effectRef idx="0">
+        <a:scrgbClr r="0" g="0" b="0"/>
+      </a:effectRef>
+      <a:fontRef idx="minor"/>
+    </dgm:style>
+  </dgm:styleLbl>
+  <dgm:styleLbl name="fgAcc0">
+    <dgm:scene3d>
+      <a:camera prst="orthographicFront"/>
+      <a:lightRig rig="threePt" dir="t"/>
+    </dgm:scene3d>
+    <dgm:sp3d/>
+    <dgm:txPr/>
+    <dgm:style>
+      <a:lnRef idx="2">
+        <a:scrgbClr r="0" g="0" b="0"/>
+      </a:lnRef>
+      <a:fillRef idx="1">
+        <a:scrgbClr r="0" g="0" b="0"/>
+      </a:fillRef>
+      <a:effectRef idx="0">
+        <a:scrgbClr r="0" g="0" b="0"/>
+      </a:effectRef>
+      <a:fontRef idx="minor"/>
+    </dgm:style>
+  </dgm:styleLbl>
+  <dgm:styleLbl name="fgAcc2">
+    <dgm:scene3d>
+      <a:camera prst="orthographicFront"/>
+      <a:lightRig rig="threePt" dir="t"/>
+    </dgm:scene3d>
+    <dgm:sp3d/>
+    <dgm:txPr/>
+    <dgm:style>
+      <a:lnRef idx="2">
+        <a:scrgbClr r="0" g="0" b="0"/>
+      </a:lnRef>
+      <a:fillRef idx="1">
+        <a:scrgbClr r="0" g="0" b="0"/>
+      </a:fillRef>
+      <a:effectRef idx="0">
+        <a:scrgbClr r="0" g="0" b="0"/>
+      </a:effectRef>
+      <a:fontRef idx="minor"/>
+    </dgm:style>
+  </dgm:styleLbl>
+  <dgm:styleLbl name="fgAcc3">
+    <dgm:scene3d>
+      <a:camera prst="orthographicFront"/>
+      <a:lightRig rig="threePt" dir="t"/>
+    </dgm:scene3d>
+    <dgm:sp3d/>
+    <dgm:txPr/>
+    <dgm:style>
+      <a:lnRef idx="2">
+        <a:scrgbClr r="0" g="0" b="0"/>
+      </a:lnRef>
+      <a:fillRef idx="1">
+        <a:scrgbClr r="0" g="0" b="0"/>
+      </a:fillRef>
+      <a:effectRef idx="0">
+        <a:scrgbClr r="0" g="0" b="0"/>
+      </a:effectRef>
+      <a:fontRef idx="minor"/>
+    </dgm:style>
+  </dgm:styleLbl>
+  <dgm:styleLbl name="fgAcc4">
+    <dgm:scene3d>
+      <a:camera prst="orthographicFront"/>
+      <a:lightRig rig="threePt" dir="t"/>
+    </dgm:scene3d>
+    <dgm:sp3d/>
+    <dgm:txPr/>
+    <dgm:style>
+      <a:lnRef idx="2">
+        <a:scrgbClr r="0" g="0" b="0"/>
+      </a:lnRef>
+      <a:fillRef idx="1">
+        <a:scrgbClr r="0" g="0" b="0"/>
+      </a:fillRef>
+      <a:effectRef idx="0">
+        <a:scrgbClr r="0" g="0" b="0"/>
+      </a:effectRef>
+      <a:fontRef idx="minor"/>
+    </dgm:style>
+  </dgm:styleLbl>
+  <dgm:styleLbl name="bgShp">
+    <dgm:scene3d>
+      <a:camera prst="orthographicFront"/>
+      <a:lightRig rig="threePt" dir="t"/>
+    </dgm:scene3d>
+    <dgm:sp3d/>
+    <dgm:txPr/>
+    <dgm:style>
+      <a:lnRef idx="0">
+        <a:scrgbClr r="0" g="0" b="0"/>
+      </a:lnRef>
+      <a:fillRef idx="1">
+        <a:scrgbClr r="0" g="0" b="0"/>
+      </a:fillRef>
+      <a:effectRef idx="0">
+        <a:scrgbClr r="0" g="0" b="0"/>
+      </a:effectRef>
+      <a:fontRef idx="minor"/>
+    </dgm:style>
+  </dgm:styleLbl>
+  <dgm:styleLbl name="dkBgShp">
+    <dgm:scene3d>
+      <a:camera prst="orthographicFront"/>
+      <a:lightRig rig="threePt" dir="t"/>
+    </dgm:scene3d>
+    <dgm:sp3d/>
+    <dgm:txPr/>
+    <dgm:style>
+      <a:lnRef idx="0">
+        <a:scrgbClr r="0" g="0" b="0"/>
+      </a:lnRef>
+      <a:fillRef idx="1">
+        <a:scrgbClr r="0" g="0" b="0"/>
+      </a:fillRef>
+      <a:effectRef idx="0">
+        <a:scrgbClr r="0" g="0" b="0"/>
+      </a:effectRef>
+      <a:fontRef idx="minor"/>
+    </dgm:style>
+  </dgm:styleLbl>
+  <dgm:styleLbl name="trBgShp">
+    <dgm:scene3d>
+      <a:camera prst="orthographicFront"/>
+      <a:lightRig rig="threePt" dir="t"/>
+    </dgm:scene3d>
+    <dgm:sp3d/>
+    <dgm:txPr/>
+    <dgm:style>
+      <a:lnRef idx="0">
+        <a:scrgbClr r="0" g="0" b="0"/>
+      </a:lnRef>
+      <a:fillRef idx="1">
+        <a:scrgbClr r="0" g="0" b="0"/>
+      </a:fillRef>
+      <a:effectRef idx="0">
+        <a:scrgbClr r="0" g="0" b="0"/>
+      </a:effectRef>
+      <a:fontRef idx="minor"/>
+    </dgm:style>
+  </dgm:styleLbl>
+  <dgm:styleLbl name="fgShp">
+    <dgm:scene3d>
+      <a:camera prst="orthographicFront"/>
+      <a:lightRig rig="threePt" dir="t"/>
+    </dgm:scene3d>
+    <dgm:sp3d/>
+    <dgm:txPr/>
+    <dgm:style>
+      <a:lnRef idx="2">
+        <a:scrgbClr r="0" g="0" b="0"/>
+      </a:lnRef>
+      <a:fillRef idx="1">
+        <a:scrgbClr r="0" g="0" b="0"/>
+      </a:fillRef>
+      <a:effectRef idx="0">
+        <a:scrgbClr r="0" g="0" b="0"/>
+      </a:effectRef>
+      <a:fontRef idx="minor"/>
+    </dgm:style>
+  </dgm:styleLbl>
+  <dgm:styleLbl name="revTx">
+    <dgm:scene3d>
+      <a:camera prst="orthographicFront"/>
+      <a:lightRig rig="threePt" dir="t"/>
+    </dgm:scene3d>
+    <dgm:sp3d/>
+    <dgm:txPr/>
+    <dgm:style>
+      <a:lnRef idx="0">
+        <a:scrgbClr r="0" g="0" b="0"/>
+      </a:lnRef>
+      <a:fillRef idx="0">
+        <a:scrgbClr r="0" g="0" b="0"/>
+      </a:fillRef>
+      <a:effectRef idx="0">
+        <a:scrgbClr r="0" g="0" b="0"/>
+      </a:effectRef>
+      <a:fontRef idx="minor"/>
+    </dgm:style>
+  </dgm:styleLbl>
+</dgm:styleDef>
+</file>
+
+<file path=ppt/diagrams/quickStyle6.xml><?xml version="1.0" encoding="utf-8"?>
 <dgm:styleDef xmlns:dgm="http://schemas.openxmlformats.org/drawingml/2006/diagram" xmlns:a="http://schemas.openxmlformats.org/drawingml/2006/main" uniqueId="urn:microsoft.com/office/officeart/2005/8/quickstyle/simple1">
   <dgm:title val=""/>
   <dgm:desc val=""/>
@@ -15180,7 +18533,7 @@
           <a:p>
             <a:fld id="{CC6DBDFE-DD3D-4291-A404-1B97A83A6EA8}" type="datetimeFigureOut">
               <a:rPr lang="en-US" smtClean="0"/>
-              <a:t>6/8/2023</a:t>
+              <a:t>6/10/2023</a:t>
             </a:fld>
             <a:endParaRPr lang="en-US" dirty="0"/>
           </a:p>
@@ -16311,6 +19664,150 @@
 </p:notes>
 </file>
 
+<file path=ppt/notesSlides/notesSlide7.xml><?xml version="1.0" encoding="utf-8"?>
+<p:notes xmlns:a="http://schemas.openxmlformats.org/drawingml/2006/main" xmlns:r="http://schemas.openxmlformats.org/officeDocument/2006/relationships" xmlns:p="http://schemas.openxmlformats.org/presentationml/2006/main">
+  <p:cSld>
+    <p:spTree>
+      <p:nvGrpSpPr>
+        <p:cNvPr id="1" name=""/>
+        <p:cNvGrpSpPr/>
+        <p:nvPr/>
+      </p:nvGrpSpPr>
+      <p:grpSpPr>
+        <a:xfrm>
+          <a:off x="0" y="0"/>
+          <a:ext cx="0" cy="0"/>
+          <a:chOff x="0" y="0"/>
+          <a:chExt cx="0" cy="0"/>
+        </a:xfrm>
+      </p:grpSpPr>
+      <p:sp>
+        <p:nvSpPr>
+          <p:cNvPr id="2" name="Slide Image Placeholder 1"/>
+          <p:cNvSpPr>
+            <a:spLocks noGrp="1" noRot="1" noChangeAspect="1"/>
+          </p:cNvSpPr>
+          <p:nvPr>
+            <p:ph type="sldImg"/>
+          </p:nvPr>
+        </p:nvSpPr>
+        <p:spPr/>
+      </p:sp>
+      <p:sp>
+        <p:nvSpPr>
+          <p:cNvPr id="3" name="Notes Placeholder 2"/>
+          <p:cNvSpPr>
+            <a:spLocks noGrp="1"/>
+          </p:cNvSpPr>
+          <p:nvPr>
+            <p:ph type="body" idx="1"/>
+          </p:nvPr>
+        </p:nvSpPr>
+        <p:spPr/>
+        <p:txBody>
+          <a:bodyPr/>
+          <a:lstStyle/>
+          <a:p>
+            <a:endParaRPr lang="en-US" dirty="0"/>
+          </a:p>
+        </p:txBody>
+      </p:sp>
+      <p:sp>
+        <p:nvSpPr>
+          <p:cNvPr id="4" name="Slide Number Placeholder 3"/>
+          <p:cNvSpPr>
+            <a:spLocks noGrp="1"/>
+          </p:cNvSpPr>
+          <p:nvPr>
+            <p:ph type="sldNum" sz="quarter" idx="5"/>
+          </p:nvPr>
+        </p:nvSpPr>
+        <p:spPr/>
+        <p:txBody>
+          <a:bodyPr/>
+          <a:lstStyle/>
+          <a:p>
+            <a:pPr marL="0" marR="0" lvl="0" indent="0" algn="r" defTabSz="914400" rtl="0" eaLnBrk="1" fontAlgn="auto" latinLnBrk="0" hangingPunct="1">
+              <a:lnSpc>
+                <a:spcPct val="100000"/>
+              </a:lnSpc>
+              <a:spcBef>
+                <a:spcPts val="0"/>
+              </a:spcBef>
+              <a:spcAft>
+                <a:spcPts val="0"/>
+              </a:spcAft>
+              <a:buClrTx/>
+              <a:buSzTx/>
+              <a:buFontTx/>
+              <a:buNone/>
+              <a:tabLst/>
+              <a:defRPr/>
+            </a:pPr>
+            <a:fld id="{33AEA074-24A7-4657-AE02-A51F68EA6AA2}" type="slidenum">
+              <a:rPr kumimoji="0" lang="en-US" sz="1200" b="0" i="0" u="none" strike="noStrike" kern="1200" cap="none" spc="0" normalizeH="0" baseline="0" noProof="0" smtClean="0">
+                <a:ln>
+                  <a:noFill/>
+                </a:ln>
+                <a:solidFill>
+                  <a:prstClr val="black"/>
+                </a:solidFill>
+                <a:effectLst/>
+                <a:uLnTx/>
+                <a:uFillTx/>
+                <a:latin typeface="Calibri" panose="020F0502020204030204"/>
+                <a:ea typeface="+mn-ea"/>
+                <a:cs typeface="+mn-cs"/>
+              </a:rPr>
+              <a:pPr marL="0" marR="0" lvl="0" indent="0" algn="r" defTabSz="914400" rtl="0" eaLnBrk="1" fontAlgn="auto" latinLnBrk="0" hangingPunct="1">
+                <a:lnSpc>
+                  <a:spcPct val="100000"/>
+                </a:lnSpc>
+                <a:spcBef>
+                  <a:spcPts val="0"/>
+                </a:spcBef>
+                <a:spcAft>
+                  <a:spcPts val="0"/>
+                </a:spcAft>
+                <a:buClrTx/>
+                <a:buSzTx/>
+                <a:buFontTx/>
+                <a:buNone/>
+                <a:tabLst/>
+                <a:defRPr/>
+              </a:pPr>
+              <a:t>7</a:t>
+            </a:fld>
+            <a:endParaRPr kumimoji="0" lang="en-US" sz="1200" b="0" i="0" u="none" strike="noStrike" kern="1200" cap="none" spc="0" normalizeH="0" baseline="0" noProof="0" dirty="0">
+              <a:ln>
+                <a:noFill/>
+              </a:ln>
+              <a:solidFill>
+                <a:prstClr val="black"/>
+              </a:solidFill>
+              <a:effectLst/>
+              <a:uLnTx/>
+              <a:uFillTx/>
+              <a:latin typeface="Calibri" panose="020F0502020204030204"/>
+              <a:ea typeface="+mn-ea"/>
+              <a:cs typeface="+mn-cs"/>
+            </a:endParaRPr>
+          </a:p>
+        </p:txBody>
+      </p:sp>
+    </p:spTree>
+    <p:extLst>
+      <p:ext uri="{BB962C8B-B14F-4D97-AF65-F5344CB8AC3E}">
+        <p14:creationId xmlns:p14="http://schemas.microsoft.com/office/powerpoint/2010/main" val="3620246615"/>
+      </p:ext>
+    </p:extLst>
+  </p:cSld>
+  <p:clrMapOvr>
+    <a:masterClrMapping/>
+  </p:clrMapOvr>
+</p:notes>
+</file>
+
 <file path=ppt/slideLayouts/slideLayout1.xml><?xml version="1.0" encoding="utf-8"?>
 <p:sldLayout xmlns:a="http://schemas.openxmlformats.org/drawingml/2006/main" xmlns:r="http://schemas.openxmlformats.org/officeDocument/2006/relationships" xmlns:p="http://schemas.openxmlformats.org/presentationml/2006/main" showMasterSp="0" type="title" preserve="1">
   <p:cSld name="Title Slide">
@@ -16780,7 +20277,7 @@
           <a:p>
             <a:fld id="{EA0C0817-A112-4847-8014-A94B7D2A4EA3}" type="datetime1">
               <a:rPr lang="en-US" smtClean="0"/>
-              <a:t>6/8/2023</a:t>
+              <a:t>6/10/2023</a:t>
             </a:fld>
             <a:endParaRPr lang="en-US" dirty="0"/>
           </a:p>
@@ -16982,7 +20479,7 @@
           <a:p>
             <a:fld id="{7332B432-ACDA-4023-A761-2BAB76577B62}" type="datetime1">
               <a:rPr lang="en-US" smtClean="0"/>
-              <a:t>6/8/2023</a:t>
+              <a:t>6/10/2023</a:t>
             </a:fld>
             <a:endParaRPr lang="en-US" dirty="0"/>
           </a:p>
@@ -17581,7 +21078,7 @@
           <a:p>
             <a:fld id="{D9C646AA-F36E-4540-911D-FFFC0A0EF24A}" type="datetime1">
               <a:rPr lang="en-US" smtClean="0"/>
-              <a:t>6/8/2023</a:t>
+              <a:t>6/10/2023</a:t>
             </a:fld>
             <a:endParaRPr lang="en-US" dirty="0"/>
           </a:p>
@@ -17901,7 +21398,7 @@
           <a:p>
             <a:fld id="{69186D26-FA5F-4637-B602-B7C2DC34CFD4}" type="datetime1">
               <a:rPr lang="en-US" smtClean="0"/>
-              <a:t>6/8/2023</a:t>
+              <a:t>6/10/2023</a:t>
             </a:fld>
             <a:endParaRPr lang="en-US" dirty="0"/>
           </a:p>
@@ -18338,7 +21835,7 @@
           <a:p>
             <a:fld id="{8A7F15D8-96D1-4781-BC50-CA8A088B2FE4}" type="datetime1">
               <a:rPr lang="en-US" smtClean="0"/>
-              <a:t>6/8/2023</a:t>
+              <a:t>6/10/2023</a:t>
             </a:fld>
             <a:endParaRPr lang="en-US" dirty="0"/>
           </a:p>
@@ -18456,7 +21953,7 @@
           <a:p>
             <a:fld id="{F9A96C99-B8F8-4528-BD05-0E16E943DC09}" type="datetime1">
               <a:rPr lang="en-US" smtClean="0"/>
-              <a:t>6/8/2023</a:t>
+              <a:t>6/10/2023</a:t>
             </a:fld>
             <a:endParaRPr lang="en-US" dirty="0"/>
           </a:p>
@@ -18551,7 +22048,7 @@
           <a:p>
             <a:fld id="{03636942-C211-4B28-8DBD-C953E00AF71B}" type="datetime1">
               <a:rPr lang="en-US" smtClean="0"/>
-              <a:t>6/8/2023</a:t>
+              <a:t>6/10/2023</a:t>
             </a:fld>
             <a:endParaRPr lang="en-US" dirty="0"/>
           </a:p>
@@ -18968,7 +22465,7 @@
           <a:p>
             <a:fld id="{7E8D12A6-918A-48BD-8CB9-CA713993B0EA}" type="datetime1">
               <a:rPr lang="en-US" smtClean="0"/>
-              <a:t>6/8/2023</a:t>
+              <a:t>6/10/2023</a:t>
             </a:fld>
             <a:endParaRPr lang="en-US" dirty="0"/>
           </a:p>
@@ -19230,7 +22727,7 @@
             <a:fld id="{E778CE86-875F-4587-BCF6-FA054AFC0D53}" type="datetime1">
               <a:rPr lang="en-US" smtClean="0"/>
               <a:pPr/>
-              <a:t>6/8/2023</a:t>
+              <a:t>6/10/2023</a:t>
             </a:fld>
             <a:endParaRPr lang="en-US" dirty="0"/>
           </a:p>
@@ -19746,7 +23243,7 @@
           <a:p>
             <a:fld id="{F6FA2B21-3FCD-4721-B95C-427943F61125}" type="datetime1">
               <a:rPr lang="en-US" smtClean="0"/>
-              <a:t>6/8/2023</a:t>
+              <a:t>6/10/2023</a:t>
             </a:fld>
             <a:endParaRPr lang="en-US" dirty="0"/>
           </a:p>
@@ -20665,6 +24162,18 @@
   <p:clrMapOvr>
     <a:masterClrMapping/>
   </p:clrMapOvr>
+  <mc:AlternateContent xmlns:mc="http://schemas.openxmlformats.org/markup-compatibility/2006">
+    <mc:Choice xmlns:p14="http://schemas.microsoft.com/office/powerpoint/2010/main" Requires="p14">
+      <p:transition spd="slow" p14:dur="800">
+        <p14:flythrough/>
+      </p:transition>
+    </mc:Choice>
+    <mc:Fallback>
+      <p:transition spd="slow">
+        <p:fade/>
+      </p:transition>
+    </mc:Fallback>
+  </mc:AlternateContent>
 </p:sld>
 </file>
 
@@ -20771,6 +24280,18 @@
   <p:clrMapOvr>
     <a:masterClrMapping/>
   </p:clrMapOvr>
+  <mc:AlternateContent xmlns:mc="http://schemas.openxmlformats.org/markup-compatibility/2006">
+    <mc:Choice xmlns:p159="http://schemas.microsoft.com/office/powerpoint/2015/09/main" Requires="p159">
+      <p:transition xmlns:p14="http://schemas.microsoft.com/office/powerpoint/2010/main" spd="slow" p14:dur="2000">
+        <p159:morph option="byObject"/>
+      </p:transition>
+    </mc:Choice>
+    <mc:Fallback>
+      <p:transition spd="slow">
+        <p:fade/>
+      </p:transition>
+    </mc:Fallback>
+  </mc:AlternateContent>
 </p:sld>
 </file>
 
@@ -20869,6 +24390,18 @@
   <p:clrMapOvr>
     <a:masterClrMapping/>
   </p:clrMapOvr>
+  <mc:AlternateContent xmlns:mc="http://schemas.openxmlformats.org/markup-compatibility/2006">
+    <mc:Choice xmlns:p159="http://schemas.microsoft.com/office/powerpoint/2015/09/main" Requires="p159">
+      <p:transition xmlns:p14="http://schemas.microsoft.com/office/powerpoint/2010/main" spd="slow" p14:dur="2000">
+        <p159:morph option="byObject"/>
+      </p:transition>
+    </mc:Choice>
+    <mc:Fallback>
+      <p:transition spd="slow">
+        <p:fade/>
+      </p:transition>
+    </mc:Fallback>
+  </mc:AlternateContent>
 </p:sld>
 </file>
 
@@ -20942,7 +24475,7 @@
             <p:ph idx="1"/>
             <p:extLst>
               <p:ext uri="{D42A27DB-BD31-4B8C-83A1-F6EECF244321}">
-                <p14:modId xmlns:p14="http://schemas.microsoft.com/office/powerpoint/2010/main" val="622744408"/>
+                <p14:modId xmlns:p14="http://schemas.microsoft.com/office/powerpoint/2010/main" val="3273217498"/>
               </p:ext>
             </p:extLst>
           </p:nvPr>
@@ -20967,6 +24500,18 @@
   <p:clrMapOvr>
     <a:masterClrMapping/>
   </p:clrMapOvr>
+  <mc:AlternateContent xmlns:mc="http://schemas.openxmlformats.org/markup-compatibility/2006">
+    <mc:Choice xmlns:p159="http://schemas.microsoft.com/office/powerpoint/2015/09/main" Requires="p159">
+      <p:transition xmlns:p14="http://schemas.microsoft.com/office/powerpoint/2010/main" spd="slow" p14:dur="2000">
+        <p159:morph option="byObject"/>
+      </p:transition>
+    </mc:Choice>
+    <mc:Fallback>
+      <p:transition spd="slow">
+        <p:fade/>
+      </p:transition>
+    </mc:Fallback>
+  </mc:AlternateContent>
 </p:sld>
 </file>
 
@@ -21065,6 +24610,18 @@
   <p:clrMapOvr>
     <a:masterClrMapping/>
   </p:clrMapOvr>
+  <mc:AlternateContent xmlns:mc="http://schemas.openxmlformats.org/markup-compatibility/2006">
+    <mc:Choice xmlns:p159="http://schemas.microsoft.com/office/powerpoint/2015/09/main" Requires="p159">
+      <p:transition xmlns:p14="http://schemas.microsoft.com/office/powerpoint/2010/main" spd="slow" p14:dur="2000">
+        <p159:morph option="byObject"/>
+      </p:transition>
+    </mc:Choice>
+    <mc:Fallback>
+      <p:transition spd="slow">
+        <p:fade/>
+      </p:transition>
+    </mc:Fallback>
+  </mc:AlternateContent>
 </p:sld>
 </file>
 
@@ -21138,7 +24695,7 @@
             <p:ph idx="1"/>
             <p:extLst>
               <p:ext uri="{D42A27DB-BD31-4B8C-83A1-F6EECF244321}">
-                <p14:modId xmlns:p14="http://schemas.microsoft.com/office/powerpoint/2010/main" val="1605179254"/>
+                <p14:modId xmlns:p14="http://schemas.microsoft.com/office/powerpoint/2010/main" val="1770382265"/>
               </p:ext>
             </p:extLst>
           </p:nvPr>
@@ -21153,6 +24710,206 @@
           </a:graphicData>
         </a:graphic>
       </p:graphicFrame>
+      <p:pic>
+        <p:nvPicPr>
+          <p:cNvPr id="7" name="Picture 6">
+            <a:extLst>
+              <a:ext uri="{FF2B5EF4-FFF2-40B4-BE49-F238E27FC236}">
+                <a16:creationId xmlns:a16="http://schemas.microsoft.com/office/drawing/2014/main" id="{D32DD209-AFEB-445E-B5A5-BEE473E3B13B}"/>
+              </a:ext>
+            </a:extLst>
+          </p:cNvPr>
+          <p:cNvPicPr>
+            <a:picLocks noChangeAspect="1"/>
+          </p:cNvPicPr>
+          <p:nvPr/>
+        </p:nvPicPr>
+        <p:blipFill>
+          <a:blip r:embed="rId8"/>
+          <a:stretch>
+            <a:fillRect/>
+          </a:stretch>
+        </p:blipFill>
+        <p:spPr>
+          <a:xfrm>
+            <a:off x="2625754" y="2801924"/>
+            <a:ext cx="909504" cy="909504"/>
+          </a:xfrm>
+          <a:prstGeom prst="rect">
+            <a:avLst/>
+          </a:prstGeom>
+        </p:spPr>
+      </p:pic>
+      <p:pic>
+        <p:nvPicPr>
+          <p:cNvPr id="9" name="Picture 8">
+            <a:extLst>
+              <a:ext uri="{FF2B5EF4-FFF2-40B4-BE49-F238E27FC236}">
+                <a16:creationId xmlns:a16="http://schemas.microsoft.com/office/drawing/2014/main" id="{CD939EC9-17EB-4D63-AD06-E4ED81582B29}"/>
+              </a:ext>
+            </a:extLst>
+          </p:cNvPr>
+          <p:cNvPicPr>
+            <a:picLocks noChangeAspect="1"/>
+          </p:cNvPicPr>
+          <p:nvPr/>
+        </p:nvPicPr>
+        <p:blipFill>
+          <a:blip r:embed="rId9"/>
+          <a:stretch>
+            <a:fillRect/>
+          </a:stretch>
+        </p:blipFill>
+        <p:spPr>
+          <a:xfrm>
+            <a:off x="6116724" y="2801923"/>
+            <a:ext cx="909504" cy="909504"/>
+          </a:xfrm>
+          <a:prstGeom prst="rect">
+            <a:avLst/>
+          </a:prstGeom>
+        </p:spPr>
+      </p:pic>
+      <p:sp>
+        <p:nvSpPr>
+          <p:cNvPr id="13" name="Oval 12">
+            <a:extLst>
+              <a:ext uri="{FF2B5EF4-FFF2-40B4-BE49-F238E27FC236}">
+                <a16:creationId xmlns:a16="http://schemas.microsoft.com/office/drawing/2014/main" id="{63917A0D-FE1E-4640-B8FA-C5FA9731278A}"/>
+              </a:ext>
+            </a:extLst>
+          </p:cNvPr>
+          <p:cNvSpPr/>
+          <p:nvPr/>
+        </p:nvSpPr>
+        <p:spPr>
+          <a:xfrm>
+            <a:off x="8698413" y="2347394"/>
+            <a:ext cx="1818562" cy="1818562"/>
+          </a:xfrm>
+          <a:prstGeom prst="ellipse">
+            <a:avLst/>
+          </a:prstGeom>
+          <a:solidFill>
+            <a:schemeClr val="accent1"/>
+          </a:solidFill>
+        </p:spPr>
+        <p:style>
+          <a:lnRef idx="0">
+            <a:schemeClr val="lt1">
+              <a:alpha val="0"/>
+              <a:hueOff val="0"/>
+              <a:satOff val="0"/>
+              <a:lumOff val="0"/>
+              <a:alphaOff val="0"/>
+            </a:schemeClr>
+          </a:lnRef>
+          <a:fillRef idx="1">
+            <a:scrgbClr r="0" g="0" b="0"/>
+          </a:fillRef>
+          <a:effectRef idx="0">
+            <a:schemeClr val="accent3">
+              <a:hueOff val="0"/>
+              <a:satOff val="0"/>
+              <a:lumOff val="0"/>
+              <a:alphaOff val="0"/>
+            </a:schemeClr>
+          </a:effectRef>
+          <a:fontRef idx="minor"/>
+        </p:style>
+      </p:sp>
+      <p:sp>
+        <p:nvSpPr>
+          <p:cNvPr id="14" name="Rectangle 13">
+            <a:extLst>
+              <a:ext uri="{FF2B5EF4-FFF2-40B4-BE49-F238E27FC236}">
+                <a16:creationId xmlns:a16="http://schemas.microsoft.com/office/drawing/2014/main" id="{97C4B94A-2671-49EB-B420-3053856EDF19}"/>
+              </a:ext>
+            </a:extLst>
+          </p:cNvPr>
+          <p:cNvSpPr/>
+          <p:nvPr/>
+        </p:nvSpPr>
+        <p:spPr>
+          <a:xfrm>
+            <a:off x="8867690" y="2687975"/>
+            <a:ext cx="899366" cy="1137399"/>
+          </a:xfrm>
+          <a:prstGeom prst="rect">
+            <a:avLst/>
+          </a:prstGeom>
+          <a:blipFill rotWithShape="1">
+            <a:blip r:embed="rId10">
+              <a:extLst>
+                <a:ext uri="{28A0092B-C50C-407E-A947-70E740481C1C}">
+                  <a14:useLocalDpi xmlns:a14="http://schemas.microsoft.com/office/drawing/2010/main" val="0"/>
+                </a:ext>
+              </a:extLst>
+            </a:blip>
+            <a:srcRect/>
+            <a:stretch>
+              <a:fillRect l="-1000" r="-1000"/>
+            </a:stretch>
+          </a:blipFill>
+          <a:ln>
+            <a:noFill/>
+          </a:ln>
+        </p:spPr>
+        <p:style>
+          <a:lnRef idx="2">
+            <a:scrgbClr r="0" g="0" b="0"/>
+          </a:lnRef>
+          <a:fillRef idx="1">
+            <a:scrgbClr r="0" g="0" b="0"/>
+          </a:fillRef>
+          <a:effectRef idx="0">
+            <a:schemeClr val="bg1">
+              <a:hueOff val="0"/>
+              <a:satOff val="0"/>
+              <a:lumOff val="0"/>
+              <a:alphaOff val="0"/>
+            </a:schemeClr>
+          </a:effectRef>
+          <a:fontRef idx="minor">
+            <a:schemeClr val="dk1">
+              <a:hueOff val="0"/>
+              <a:satOff val="0"/>
+              <a:lumOff val="0"/>
+              <a:alphaOff val="0"/>
+            </a:schemeClr>
+          </a:fontRef>
+        </p:style>
+      </p:sp>
+      <p:pic>
+        <p:nvPicPr>
+          <p:cNvPr id="16" name="Picture 15">
+            <a:extLst>
+              <a:ext uri="{FF2B5EF4-FFF2-40B4-BE49-F238E27FC236}">
+                <a16:creationId xmlns:a16="http://schemas.microsoft.com/office/drawing/2014/main" id="{69C238FF-7C2F-47C8-BE74-B0BFC950BC88}"/>
+              </a:ext>
+            </a:extLst>
+          </p:cNvPr>
+          <p:cNvPicPr>
+            <a:picLocks noChangeAspect="1"/>
+          </p:cNvPicPr>
+          <p:nvPr/>
+        </p:nvPicPr>
+        <p:blipFill>
+          <a:blip r:embed="rId11"/>
+          <a:stretch>
+            <a:fillRect/>
+          </a:stretch>
+        </p:blipFill>
+        <p:spPr>
+          <a:xfrm>
+            <a:off x="9607694" y="2743976"/>
+            <a:ext cx="970823" cy="970823"/>
+          </a:xfrm>
+          <a:prstGeom prst="rect">
+            <a:avLst/>
+          </a:prstGeom>
+        </p:spPr>
+      </p:pic>
     </p:spTree>
     <p:extLst>
       <p:ext uri="{BB962C8B-B14F-4D97-AF65-F5344CB8AC3E}">
@@ -21163,6 +24920,296 @@
   <p:clrMapOvr>
     <a:masterClrMapping/>
   </p:clrMapOvr>
+  <mc:AlternateContent xmlns:mc="http://schemas.openxmlformats.org/markup-compatibility/2006">
+    <mc:Choice xmlns:p159="http://schemas.microsoft.com/office/powerpoint/2015/09/main" Requires="p159">
+      <p:transition xmlns:p14="http://schemas.microsoft.com/office/powerpoint/2010/main" spd="slow" p14:dur="2000">
+        <p159:morph option="byObject"/>
+      </p:transition>
+    </mc:Choice>
+    <mc:Fallback>
+      <p:transition spd="slow">
+        <p:fade/>
+      </p:transition>
+    </mc:Fallback>
+  </mc:AlternateContent>
+</p:sld>
+</file>
+
+<file path=ppt/slides/slide7.xml><?xml version="1.0" encoding="utf-8"?>
+<p:sld xmlns:a="http://schemas.openxmlformats.org/drawingml/2006/main" xmlns:r="http://schemas.openxmlformats.org/officeDocument/2006/relationships" xmlns:p="http://schemas.openxmlformats.org/presentationml/2006/main">
+  <p:cSld>
+    <p:spTree>
+      <p:nvGrpSpPr>
+        <p:cNvPr id="1" name=""/>
+        <p:cNvGrpSpPr/>
+        <p:nvPr/>
+      </p:nvGrpSpPr>
+      <p:grpSpPr>
+        <a:xfrm>
+          <a:off x="0" y="0"/>
+          <a:ext cx="0" cy="0"/>
+          <a:chOff x="0" y="0"/>
+          <a:chExt cx="0" cy="0"/>
+        </a:xfrm>
+      </p:grpSpPr>
+      <p:sp>
+        <p:nvSpPr>
+          <p:cNvPr id="2" name="Title 1">
+            <a:extLst>
+              <a:ext uri="{FF2B5EF4-FFF2-40B4-BE49-F238E27FC236}">
+                <a16:creationId xmlns:a16="http://schemas.microsoft.com/office/drawing/2014/main" id="{66A47F5C-50EC-416A-AE8C-6F6BB4225673}"/>
+              </a:ext>
+            </a:extLst>
+          </p:cNvPr>
+          <p:cNvSpPr>
+            <a:spLocks noGrp="1"/>
+          </p:cNvSpPr>
+          <p:nvPr>
+            <p:ph type="title"/>
+          </p:nvPr>
+        </p:nvSpPr>
+        <p:spPr>
+          <a:xfrm>
+            <a:off x="1097280" y="286603"/>
+            <a:ext cx="10058400" cy="1450757"/>
+          </a:xfrm>
+        </p:spPr>
+        <p:txBody>
+          <a:bodyPr>
+            <a:normAutofit/>
+          </a:bodyPr>
+          <a:lstStyle/>
+          <a:p>
+            <a:pPr algn="ctr"/>
+            <a:r>
+              <a:rPr lang="id-ID"/>
+              <a:t>Perkembangan</a:t>
+            </a:r>
+            <a:endParaRPr lang="en-US" dirty="0"/>
+          </a:p>
+        </p:txBody>
+      </p:sp>
+      <p:graphicFrame>
+        <p:nvGraphicFramePr>
+          <p:cNvPr id="4" name="Content Placeholder 2" descr="SmartArt graphic">
+            <a:extLst>
+              <a:ext uri="{FF2B5EF4-FFF2-40B4-BE49-F238E27FC236}">
+                <a16:creationId xmlns:a16="http://schemas.microsoft.com/office/drawing/2014/main" id="{59F5A1AC-D08D-42AE-B94A-1CAFB517D846}"/>
+              </a:ext>
+            </a:extLst>
+          </p:cNvPr>
+          <p:cNvGraphicFramePr>
+            <a:graphicFrameLocks noGrp="1"/>
+          </p:cNvGraphicFramePr>
+          <p:nvPr>
+            <p:ph idx="1"/>
+            <p:extLst>
+              <p:ext uri="{D42A27DB-BD31-4B8C-83A1-F6EECF244321}">
+                <p14:modId xmlns:p14="http://schemas.microsoft.com/office/powerpoint/2010/main" val="1972237314"/>
+              </p:ext>
+            </p:extLst>
+          </p:nvPr>
+        </p:nvGraphicFramePr>
+        <p:xfrm>
+          <a:off x="1096963" y="2098515"/>
+          <a:ext cx="10058400" cy="3786080"/>
+        </p:xfrm>
+        <a:graphic>
+          <a:graphicData uri="http://schemas.openxmlformats.org/drawingml/2006/diagram">
+            <dgm:relIds xmlns:dgm="http://schemas.openxmlformats.org/drawingml/2006/diagram" xmlns:r="http://schemas.openxmlformats.org/officeDocument/2006/relationships" r:dm="rId3" r:lo="rId4" r:qs="rId5" r:cs="rId6"/>
+          </a:graphicData>
+        </a:graphic>
+      </p:graphicFrame>
+      <p:sp>
+        <p:nvSpPr>
+          <p:cNvPr id="5" name="Oval 4">
+            <a:extLst>
+              <a:ext uri="{FF2B5EF4-FFF2-40B4-BE49-F238E27FC236}">
+                <a16:creationId xmlns:a16="http://schemas.microsoft.com/office/drawing/2014/main" id="{EA870C9C-0B66-4DF2-82DB-6D79E12B378D}"/>
+              </a:ext>
+            </a:extLst>
+          </p:cNvPr>
+          <p:cNvSpPr/>
+          <p:nvPr/>
+        </p:nvSpPr>
+        <p:spPr>
+          <a:xfrm>
+            <a:off x="8659761" y="2098515"/>
+            <a:ext cx="1818562" cy="1818562"/>
+          </a:xfrm>
+          <a:prstGeom prst="ellipse">
+            <a:avLst/>
+          </a:prstGeom>
+          <a:solidFill>
+            <a:schemeClr val="accent1"/>
+          </a:solidFill>
+        </p:spPr>
+        <p:style>
+          <a:lnRef idx="0">
+            <a:schemeClr val="lt1">
+              <a:alpha val="0"/>
+              <a:hueOff val="0"/>
+              <a:satOff val="0"/>
+              <a:lumOff val="0"/>
+              <a:alphaOff val="0"/>
+            </a:schemeClr>
+          </a:lnRef>
+          <a:fillRef idx="1">
+            <a:scrgbClr r="0" g="0" b="0"/>
+          </a:fillRef>
+          <a:effectRef idx="0">
+            <a:schemeClr val="accent3">
+              <a:hueOff val="0"/>
+              <a:satOff val="0"/>
+              <a:lumOff val="0"/>
+              <a:alphaOff val="0"/>
+            </a:schemeClr>
+          </a:effectRef>
+          <a:fontRef idx="minor"/>
+        </p:style>
+      </p:sp>
+      <p:pic>
+        <p:nvPicPr>
+          <p:cNvPr id="6" name="Picture 5">
+            <a:extLst>
+              <a:ext uri="{FF2B5EF4-FFF2-40B4-BE49-F238E27FC236}">
+                <a16:creationId xmlns:a16="http://schemas.microsoft.com/office/drawing/2014/main" id="{FC3D9065-4417-4D58-A7B1-DF67B864B636}"/>
+              </a:ext>
+            </a:extLst>
+          </p:cNvPr>
+          <p:cNvPicPr>
+            <a:picLocks noChangeAspect="1"/>
+          </p:cNvPicPr>
+          <p:nvPr/>
+        </p:nvPicPr>
+        <p:blipFill>
+          <a:blip r:embed="rId8"/>
+          <a:stretch>
+            <a:fillRect/>
+          </a:stretch>
+        </p:blipFill>
+        <p:spPr>
+          <a:xfrm>
+            <a:off x="1845063" y="2563521"/>
+            <a:ext cx="893085" cy="893085"/>
+          </a:xfrm>
+          <a:prstGeom prst="rect">
+            <a:avLst/>
+          </a:prstGeom>
+        </p:spPr>
+      </p:pic>
+      <p:pic>
+        <p:nvPicPr>
+          <p:cNvPr id="7" name="Picture 6">
+            <a:extLst>
+              <a:ext uri="{FF2B5EF4-FFF2-40B4-BE49-F238E27FC236}">
+                <a16:creationId xmlns:a16="http://schemas.microsoft.com/office/drawing/2014/main" id="{35D8DD4A-3D82-4DB9-8F8E-92FD3A8F7334}"/>
+              </a:ext>
+            </a:extLst>
+          </p:cNvPr>
+          <p:cNvPicPr>
+            <a:picLocks noChangeAspect="1"/>
+          </p:cNvPicPr>
+          <p:nvPr/>
+        </p:nvPicPr>
+        <p:blipFill>
+          <a:blip r:embed="rId8"/>
+          <a:stretch>
+            <a:fillRect/>
+          </a:stretch>
+        </p:blipFill>
+        <p:spPr>
+          <a:xfrm>
+            <a:off x="5286031" y="2513017"/>
+            <a:ext cx="989558" cy="989558"/>
+          </a:xfrm>
+          <a:prstGeom prst="rect">
+            <a:avLst/>
+          </a:prstGeom>
+        </p:spPr>
+      </p:pic>
+      <p:pic>
+        <p:nvPicPr>
+          <p:cNvPr id="8" name="Picture 7">
+            <a:extLst>
+              <a:ext uri="{FF2B5EF4-FFF2-40B4-BE49-F238E27FC236}">
+                <a16:creationId xmlns:a16="http://schemas.microsoft.com/office/drawing/2014/main" id="{4A83B98F-0274-46C0-B1D3-3768048567AC}"/>
+              </a:ext>
+            </a:extLst>
+          </p:cNvPr>
+          <p:cNvPicPr>
+            <a:picLocks noChangeAspect="1"/>
+          </p:cNvPicPr>
+          <p:nvPr/>
+        </p:nvPicPr>
+        <p:blipFill>
+          <a:blip r:embed="rId8"/>
+          <a:stretch>
+            <a:fillRect/>
+          </a:stretch>
+        </p:blipFill>
+        <p:spPr>
+          <a:xfrm>
+            <a:off x="8868563" y="2558985"/>
+            <a:ext cx="897622" cy="897622"/>
+          </a:xfrm>
+          <a:prstGeom prst="rect">
+            <a:avLst/>
+          </a:prstGeom>
+        </p:spPr>
+      </p:pic>
+      <p:pic>
+        <p:nvPicPr>
+          <p:cNvPr id="12" name="Picture 11">
+            <a:extLst>
+              <a:ext uri="{FF2B5EF4-FFF2-40B4-BE49-F238E27FC236}">
+                <a16:creationId xmlns:a16="http://schemas.microsoft.com/office/drawing/2014/main" id="{5BEFD232-258A-498C-9E50-D5F3CD011074}"/>
+              </a:ext>
+            </a:extLst>
+          </p:cNvPr>
+          <p:cNvPicPr>
+            <a:picLocks noChangeAspect="1"/>
+          </p:cNvPicPr>
+          <p:nvPr/>
+        </p:nvPicPr>
+        <p:blipFill>
+          <a:blip r:embed="rId9"/>
+          <a:stretch>
+            <a:fillRect/>
+          </a:stretch>
+        </p:blipFill>
+        <p:spPr>
+          <a:xfrm>
+            <a:off x="9569043" y="2558985"/>
+            <a:ext cx="897622" cy="897622"/>
+          </a:xfrm>
+          <a:prstGeom prst="rect">
+            <a:avLst/>
+          </a:prstGeom>
+        </p:spPr>
+      </p:pic>
+    </p:spTree>
+    <p:extLst>
+      <p:ext uri="{BB962C8B-B14F-4D97-AF65-F5344CB8AC3E}">
+        <p14:creationId xmlns:p14="http://schemas.microsoft.com/office/powerpoint/2010/main" val="24988156"/>
+      </p:ext>
+    </p:extLst>
+  </p:cSld>
+  <p:clrMapOvr>
+    <a:masterClrMapping/>
+  </p:clrMapOvr>
+  <mc:AlternateContent xmlns:mc="http://schemas.openxmlformats.org/markup-compatibility/2006">
+    <mc:Choice xmlns:p159="http://schemas.microsoft.com/office/powerpoint/2015/09/main" Requires="p159">
+      <p:transition xmlns:p14="http://schemas.microsoft.com/office/powerpoint/2010/main" spd="slow" p14:dur="2000">
+        <p159:morph option="byObject"/>
+      </p:transition>
+    </mc:Choice>
+    <mc:Fallback>
+      <p:transition spd="slow">
+        <p:fade/>
+      </p:transition>
+    </mc:Fallback>
+  </mc:AlternateContent>
 </p:sld>
 </file>
 
@@ -21824,24 +25871,6 @@
 </file>
 
 <file path=customXml/item1.xml><?xml version="1.0" encoding="utf-8"?>
-<?mso-contentType ?>
-<FormTemplates xmlns="http://schemas.microsoft.com/sharepoint/v3/contenttype/forms">
-  <Display>DocumentLibraryForm</Display>
-  <Edit>DocumentLibraryForm</Edit>
-  <New>DocumentLibraryForm</New>
-</FormTemplates>
-</file>
-
-<file path=customXml/item2.xml><?xml version="1.0" encoding="utf-8"?>
-<p:properties xmlns:p="http://schemas.microsoft.com/office/2006/metadata/properties" xmlns:xsi="http://www.w3.org/2001/XMLSchema-instance" xmlns:pc="http://schemas.microsoft.com/office/infopath/2007/PartnerControls">
-  <documentManagement>
-    <Status xmlns="71af3243-3dd4-4a8d-8c0d-dd76da1f02a5">Not started</Status>
-    <MediaServiceKeyPoints xmlns="71af3243-3dd4-4a8d-8c0d-dd76da1f02a5" xsi:nil="true"/>
-  </documentManagement>
-</p:properties>
-</file>
-
-<file path=customXml/item3.xml><?xml version="1.0" encoding="utf-8"?>
 <ct:contentTypeSchema xmlns:ct="http://schemas.microsoft.com/office/2006/metadata/contentType" xmlns:ma="http://schemas.microsoft.com/office/2006/metadata/properties/metaAttributes" ct:_="" ma:_="" ma:contentTypeName="Document" ma:contentTypeID="0x01010079F111ED35F8CC479449609E8A0923A6" ma:contentTypeVersion="12" ma:contentTypeDescription="Create a new document." ma:contentTypeScope="" ma:versionID="a410dd7f93c95333ffa1b60ed6adedd1">
   <xsd:schema xmlns:xsd="http://www.w3.org/2001/XMLSchema" xmlns:xs="http://www.w3.org/2001/XMLSchema" xmlns:p="http://schemas.microsoft.com/office/2006/metadata/properties" xmlns:ns2="71af3243-3dd4-4a8d-8c0d-dd76da1f02a5" xmlns:ns3="16c05727-aa75-4e4a-9b5f-8a80a1165891" targetNamespace="http://schemas.microsoft.com/office/2006/metadata/properties" ma:root="true" ma:fieldsID="a936d9baba76aa3866493feff160faab" ns2:_="" ns3:_="">
     <xsd:import namespace="71af3243-3dd4-4a8d-8c0d-dd76da1f02a5"/>
@@ -22062,25 +26091,25 @@
 </ct:contentTypeSchema>
 </file>
 
-<file path=customXml/itemProps1.xml><?xml version="1.0" encoding="utf-8"?>
-<ds:datastoreItem xmlns:ds="http://schemas.openxmlformats.org/officeDocument/2006/customXml" ds:itemID="{1259D436-C82E-43E0-8A01-53DF9CED6032}">
-  <ds:schemaRefs>
-    <ds:schemaRef ds:uri="http://schemas.microsoft.com/sharepoint/v3/contenttype/forms"/>
-  </ds:schemaRefs>
-</ds:datastoreItem>
+<file path=customXml/item2.xml><?xml version="1.0" encoding="utf-8"?>
+<p:properties xmlns:p="http://schemas.microsoft.com/office/2006/metadata/properties" xmlns:xsi="http://www.w3.org/2001/XMLSchema-instance" xmlns:pc="http://schemas.microsoft.com/office/infopath/2007/PartnerControls">
+  <documentManagement>
+    <Status xmlns="71af3243-3dd4-4a8d-8c0d-dd76da1f02a5">Not started</Status>
+    <MediaServiceKeyPoints xmlns="71af3243-3dd4-4a8d-8c0d-dd76da1f02a5" xsi:nil="true"/>
+  </documentManagement>
+</p:properties>
 </file>
 
-<file path=customXml/itemProps2.xml><?xml version="1.0" encoding="utf-8"?>
-<ds:datastoreItem xmlns:ds="http://schemas.openxmlformats.org/officeDocument/2006/customXml" ds:itemID="{946BCBFB-BBC7-42F1-95CD-058E172363A0}">
-  <ds:schemaRefs>
-    <ds:schemaRef ds:uri="http://schemas.microsoft.com/office/2006/metadata/properties"/>
-    <ds:schemaRef ds:uri="http://schemas.microsoft.com/office/infopath/2007/PartnerControls"/>
-    <ds:schemaRef ds:uri="71af3243-3dd4-4a8d-8c0d-dd76da1f02a5"/>
-  </ds:schemaRefs>
-</ds:datastoreItem>
+<file path=customXml/item3.xml><?xml version="1.0" encoding="utf-8"?>
+<?mso-contentType ?>
+<FormTemplates xmlns="http://schemas.microsoft.com/sharepoint/v3/contenttype/forms">
+  <Display>DocumentLibraryForm</Display>
+  <Edit>DocumentLibraryForm</Edit>
+  <New>DocumentLibraryForm</New>
+</FormTemplates>
 </file>
 
-<file path=customXml/itemProps3.xml><?xml version="1.0" encoding="utf-8"?>
+<file path=customXml/itemProps1.xml><?xml version="1.0" encoding="utf-8"?>
 <ds:datastoreItem xmlns:ds="http://schemas.openxmlformats.org/officeDocument/2006/customXml" ds:itemID="{1F91CDEB-92ED-41DC-BF33-2916A7687628}">
   <ds:schemaRefs>
     <ds:schemaRef ds:uri="http://schemas.microsoft.com/office/2006/metadata/contentType"/>
@@ -22097,4 +26126,22 @@
     <ds:schemaRef ds:uri="http://schemas.microsoft.com/internal/obd"/>
   </ds:schemaRefs>
 </ds:datastoreItem>
+</file>
+
+<file path=customXml/itemProps2.xml><?xml version="1.0" encoding="utf-8"?>
+<ds:datastoreItem xmlns:ds="http://schemas.openxmlformats.org/officeDocument/2006/customXml" ds:itemID="{946BCBFB-BBC7-42F1-95CD-058E172363A0}">
+  <ds:schemaRefs>
+    <ds:schemaRef ds:uri="http://schemas.microsoft.com/office/2006/metadata/properties"/>
+    <ds:schemaRef ds:uri="http://schemas.microsoft.com/office/infopath/2007/PartnerControls"/>
+    <ds:schemaRef ds:uri="71af3243-3dd4-4a8d-8c0d-dd76da1f02a5"/>
+  </ds:schemaRefs>
+</ds:datastoreItem>
+</file>
+
+<file path=customXml/itemProps3.xml><?xml version="1.0" encoding="utf-8"?>
+<ds:datastoreItem xmlns:ds="http://schemas.openxmlformats.org/officeDocument/2006/customXml" ds:itemID="{1259D436-C82E-43E0-8A01-53DF9CED6032}">
+  <ds:schemaRefs>
+    <ds:schemaRef ds:uri="http://schemas.microsoft.com/sharepoint/v3/contenttype/forms"/>
+  </ds:schemaRefs>
+</ds:datastoreItem>
 </file>